--- a/dcct.pptx
+++ b/dcct.pptx
@@ -6,6 +6,8 @@
   </p:sldMasterIdLst>
   <p:sldIdLst>
     <p:sldId id="256" r:id="rId2"/>
+    <p:sldId id="257" r:id="rId3"/>
+    <p:sldId id="258" r:id="rId4"/>
   </p:sldIdLst>
   <p:sldSz cx="12192000" cy="6858000"/>
   <p:notesSz cx="6858000" cy="9144000"/>
@@ -104,6 +106,11 @@
       </a:defRPr>
     </a:lvl9pPr>
   </p:defaultTextStyle>
+  <p:extLst>
+    <p:ext uri="{EFAFB233-063F-42B5-8137-9DF3F51BA10A}">
+      <p15:sldGuideLst xmlns:p15="http://schemas.microsoft.com/office/powerpoint/2012/main"/>
+    </p:ext>
+  </p:extLst>
 </p:presentation>
 </file>
 
@@ -238,7 +245,7 @@
           <a:p>
             <a:fld id="{6912F358-78FA-4DAC-8F3D-6ABD4B63EB99}" type="datetimeFigureOut">
               <a:rPr lang="en-US" smtClean="0"/>
-              <a:t>4/7/2021</a:t>
+              <a:t>4/9/2021</a:t>
             </a:fld>
             <a:endParaRPr lang="en-US"/>
           </a:p>
@@ -408,7 +415,7 @@
           <a:p>
             <a:fld id="{6912F358-78FA-4DAC-8F3D-6ABD4B63EB99}" type="datetimeFigureOut">
               <a:rPr lang="en-US" smtClean="0"/>
-              <a:t>4/7/2021</a:t>
+              <a:t>4/9/2021</a:t>
             </a:fld>
             <a:endParaRPr lang="en-US"/>
           </a:p>
@@ -588,7 +595,7 @@
           <a:p>
             <a:fld id="{6912F358-78FA-4DAC-8F3D-6ABD4B63EB99}" type="datetimeFigureOut">
               <a:rPr lang="en-US" smtClean="0"/>
-              <a:t>4/7/2021</a:t>
+              <a:t>4/9/2021</a:t>
             </a:fld>
             <a:endParaRPr lang="en-US"/>
           </a:p>
@@ -758,7 +765,7 @@
           <a:p>
             <a:fld id="{6912F358-78FA-4DAC-8F3D-6ABD4B63EB99}" type="datetimeFigureOut">
               <a:rPr lang="en-US" smtClean="0"/>
-              <a:t>4/7/2021</a:t>
+              <a:t>4/9/2021</a:t>
             </a:fld>
             <a:endParaRPr lang="en-US"/>
           </a:p>
@@ -1004,7 +1011,7 @@
           <a:p>
             <a:fld id="{6912F358-78FA-4DAC-8F3D-6ABD4B63EB99}" type="datetimeFigureOut">
               <a:rPr lang="en-US" smtClean="0"/>
-              <a:t>4/7/2021</a:t>
+              <a:t>4/9/2021</a:t>
             </a:fld>
             <a:endParaRPr lang="en-US"/>
           </a:p>
@@ -1236,7 +1243,7 @@
           <a:p>
             <a:fld id="{6912F358-78FA-4DAC-8F3D-6ABD4B63EB99}" type="datetimeFigureOut">
               <a:rPr lang="en-US" smtClean="0"/>
-              <a:t>4/7/2021</a:t>
+              <a:t>4/9/2021</a:t>
             </a:fld>
             <a:endParaRPr lang="en-US"/>
           </a:p>
@@ -1603,7 +1610,7 @@
           <a:p>
             <a:fld id="{6912F358-78FA-4DAC-8F3D-6ABD4B63EB99}" type="datetimeFigureOut">
               <a:rPr lang="en-US" smtClean="0"/>
-              <a:t>4/7/2021</a:t>
+              <a:t>4/9/2021</a:t>
             </a:fld>
             <a:endParaRPr lang="en-US"/>
           </a:p>
@@ -1721,7 +1728,7 @@
           <a:p>
             <a:fld id="{6912F358-78FA-4DAC-8F3D-6ABD4B63EB99}" type="datetimeFigureOut">
               <a:rPr lang="en-US" smtClean="0"/>
-              <a:t>4/7/2021</a:t>
+              <a:t>4/9/2021</a:t>
             </a:fld>
             <a:endParaRPr lang="en-US"/>
           </a:p>
@@ -1816,7 +1823,7 @@
           <a:p>
             <a:fld id="{6912F358-78FA-4DAC-8F3D-6ABD4B63EB99}" type="datetimeFigureOut">
               <a:rPr lang="en-US" smtClean="0"/>
-              <a:t>4/7/2021</a:t>
+              <a:t>4/9/2021</a:t>
             </a:fld>
             <a:endParaRPr lang="en-US"/>
           </a:p>
@@ -2093,7 +2100,7 @@
           <a:p>
             <a:fld id="{6912F358-78FA-4DAC-8F3D-6ABD4B63EB99}" type="datetimeFigureOut">
               <a:rPr lang="en-US" smtClean="0"/>
-              <a:t>4/7/2021</a:t>
+              <a:t>4/9/2021</a:t>
             </a:fld>
             <a:endParaRPr lang="en-US"/>
           </a:p>
@@ -2346,7 +2353,7 @@
           <a:p>
             <a:fld id="{6912F358-78FA-4DAC-8F3D-6ABD4B63EB99}" type="datetimeFigureOut">
               <a:rPr lang="en-US" smtClean="0"/>
-              <a:t>4/7/2021</a:t>
+              <a:t>4/9/2021</a:t>
             </a:fld>
             <a:endParaRPr lang="en-US"/>
           </a:p>
@@ -2559,7 +2566,7 @@
           <a:p>
             <a:fld id="{6912F358-78FA-4DAC-8F3D-6ABD4B63EB99}" type="datetimeFigureOut">
               <a:rPr lang="en-US" smtClean="0"/>
-              <a:t>4/7/2021</a:t>
+              <a:t>4/9/2021</a:t>
             </a:fld>
             <a:endParaRPr lang="en-US"/>
           </a:p>
@@ -2974,11 +2981,36 @@
             <p:ph type="ctrTitle"/>
           </p:nvPr>
         </p:nvSpPr>
-        <p:spPr/>
-        <p:txBody>
-          <a:bodyPr/>
-          <a:lstStyle/>
-          <a:p>
+        <p:spPr>
+          <a:xfrm>
+            <a:off x="1796716" y="2325520"/>
+            <a:ext cx="9144000" cy="2387600"/>
+          </a:xfrm>
+        </p:spPr>
+        <p:txBody>
+          <a:bodyPr>
+            <a:normAutofit fontScale="90000"/>
+          </a:bodyPr>
+          <a:lstStyle/>
+          <a:p>
+            <a:r>
+              <a:rPr lang="en-US" smtClean="0"/>
+              <a:t>Cải thiện dịch máy nơ-ron </a:t>
+            </a:r>
+            <a:br>
+              <a:rPr lang="en-US" smtClean="0"/>
+            </a:br>
+            <a:r>
+              <a:rPr lang="en-US" smtClean="0"/>
+              <a:t>Việt – Anh bằng </a:t>
+            </a:r>
+            <a:br>
+              <a:rPr lang="en-US" smtClean="0"/>
+            </a:br>
+            <a:r>
+              <a:rPr lang="en-US" smtClean="0"/>
+              <a:t>gióng hàng từ hướng dẫn</a:t>
+            </a:r>
             <a:endParaRPr lang="en-US"/>
           </a:p>
         </p:txBody>
@@ -2993,12 +3025,221 @@
             <p:ph type="subTitle" idx="1"/>
           </p:nvPr>
         </p:nvSpPr>
-        <p:spPr/>
-        <p:txBody>
-          <a:bodyPr/>
-          <a:lstStyle/>
-          <a:p>
-            <a:endParaRPr lang="en-US"/>
+        <p:spPr>
+          <a:xfrm>
+            <a:off x="1796716" y="4805195"/>
+            <a:ext cx="9144000" cy="1655762"/>
+          </a:xfrm>
+        </p:spPr>
+        <p:txBody>
+          <a:bodyPr anchor="ctr"/>
+          <a:lstStyle/>
+          <a:p>
+            <a:pPr algn="r"/>
+            <a:r>
+              <a:rPr lang="en-US" smtClean="0"/>
+              <a:t>Thầy hướng dẫn: TS.Nguyễn Chí Thiện</a:t>
+            </a:r>
+          </a:p>
+          <a:p>
+            <a:pPr algn="r"/>
+            <a:r>
+              <a:rPr lang="en-US" smtClean="0"/>
+              <a:t>Học viên: Nguyễn Duy Hàn Lâm (MSHV: 196005004)</a:t>
+            </a:r>
+            <a:endParaRPr lang="en-US"/>
+          </a:p>
+        </p:txBody>
+      </p:sp>
+      <p:sp>
+        <p:nvSpPr>
+          <p:cNvPr id="4" name="Rectangle 1"/>
+          <p:cNvSpPr>
+            <a:spLocks noChangeArrowheads="1"/>
+          </p:cNvSpPr>
+          <p:nvPr/>
+        </p:nvSpPr>
+        <p:spPr bwMode="auto">
+          <a:xfrm>
+            <a:off x="3384884" y="278323"/>
+            <a:ext cx="5642891" cy="830997"/>
+          </a:xfrm>
+          <a:prstGeom prst="rect">
+            <a:avLst/>
+          </a:prstGeom>
+          <a:noFill/>
+          <a:ln>
+            <a:noFill/>
+          </a:ln>
+          <a:effectLst/>
+          <a:extLst>
+            <a:ext uri="{909E8E84-426E-40DD-AFC4-6F175D3DCCD1}">
+              <a14:hiddenFill xmlns:a14="http://schemas.microsoft.com/office/drawing/2010/main">
+                <a:solidFill>
+                  <a:schemeClr val="accent1"/>
+                </a:solidFill>
+              </a14:hiddenFill>
+            </a:ext>
+            <a:ext uri="{91240B29-F687-4F45-9708-019B960494DF}">
+              <a14:hiddenLine xmlns:a14="http://schemas.microsoft.com/office/drawing/2010/main" w="9525">
+                <a:solidFill>
+                  <a:schemeClr val="tx1"/>
+                </a:solidFill>
+                <a:miter lim="800000"/>
+                <a:headEnd/>
+                <a:tailEnd/>
+              </a14:hiddenLine>
+            </a:ext>
+            <a:ext uri="{AF507438-7753-43E0-B8FC-AC1667EBCBE1}">
+              <a14:hiddenEffects xmlns:a14="http://schemas.microsoft.com/office/drawing/2010/main">
+                <a:effectLst>
+                  <a:outerShdw dist="35921" dir="2700000" algn="ctr" rotWithShape="0">
+                    <a:schemeClr val="bg2"/>
+                  </a:outerShdw>
+                </a:effectLst>
+              </a14:hiddenEffects>
+            </a:ext>
+          </a:extLst>
+        </p:spPr>
+        <p:txBody>
+          <a:bodyPr vert="horz" wrap="none" lIns="91440" tIns="45720" rIns="91440" bIns="45720" numCol="1" anchor="ctr" anchorCtr="0" compatLnSpc="1">
+            <a:prstTxWarp prst="textNoShape">
+              <a:avLst/>
+            </a:prstTxWarp>
+            <a:spAutoFit/>
+          </a:bodyPr>
+          <a:lstStyle/>
+          <a:p>
+            <a:pPr marL="0" marR="0" lvl="0" indent="0" algn="ctr" defTabSz="914400" rtl="0" eaLnBrk="0" fontAlgn="base" latinLnBrk="0" hangingPunct="0">
+              <a:lnSpc>
+                <a:spcPct val="100000"/>
+              </a:lnSpc>
+              <a:spcBef>
+                <a:spcPct val="0"/>
+              </a:spcBef>
+              <a:spcAft>
+                <a:spcPct val="0"/>
+              </a:spcAft>
+              <a:buClrTx/>
+              <a:buSzTx/>
+              <a:buFontTx/>
+              <a:buNone/>
+              <a:tabLst/>
+            </a:pPr>
+            <a:r>
+              <a:rPr kumimoji="0" lang="en-US" altLang="en-US" sz="2400" b="0" i="0" u="none" strike="noStrike" cap="none" normalizeH="0" baseline="0" smtClean="0">
+                <a:ln>
+                  <a:noFill/>
+                </a:ln>
+                <a:solidFill>
+                  <a:schemeClr val="tx1"/>
+                </a:solidFill>
+                <a:effectLst/>
+                <a:ea typeface="Times New Roman" panose="02020603050405020304" pitchFamily="18" charset="0"/>
+              </a:rPr>
+              <a:t>TỔNG LIÊN ĐOÀN LAO ĐỘNG VIỆT NAM</a:t>
+            </a:r>
+            <a:r>
+              <a:rPr kumimoji="0" lang="en-US" altLang="en-US" sz="2400" b="1" i="0" u="none" strike="noStrike" cap="none" normalizeH="0" baseline="0" smtClean="0">
+                <a:ln>
+                  <a:noFill/>
+                </a:ln>
+                <a:solidFill>
+                  <a:schemeClr val="tx1"/>
+                </a:solidFill>
+                <a:effectLst/>
+                <a:ea typeface="Times New Roman" panose="02020603050405020304" pitchFamily="18" charset="0"/>
+              </a:rPr>
+              <a:t> </a:t>
+            </a:r>
+          </a:p>
+          <a:p>
+            <a:pPr marL="0" marR="0" lvl="0" indent="0" algn="ctr" defTabSz="914400" rtl="0" eaLnBrk="0" fontAlgn="base" latinLnBrk="0" hangingPunct="0">
+              <a:lnSpc>
+                <a:spcPct val="100000"/>
+              </a:lnSpc>
+              <a:spcBef>
+                <a:spcPct val="0"/>
+              </a:spcBef>
+              <a:spcAft>
+                <a:spcPct val="0"/>
+              </a:spcAft>
+              <a:buClrTx/>
+              <a:buSzTx/>
+              <a:buFontTx/>
+              <a:buNone/>
+              <a:tabLst/>
+            </a:pPr>
+            <a:r>
+              <a:rPr kumimoji="0" lang="en-US" altLang="en-US" sz="2400" b="1" i="0" u="none" strike="noStrike" cap="none" normalizeH="0" baseline="0" smtClean="0">
+                <a:ln>
+                  <a:noFill/>
+                </a:ln>
+                <a:solidFill>
+                  <a:schemeClr val="tx1"/>
+                </a:solidFill>
+                <a:effectLst/>
+                <a:ea typeface="Times New Roman" panose="02020603050405020304" pitchFamily="18" charset="0"/>
+              </a:rPr>
+              <a:t>TR</a:t>
+            </a:r>
+            <a:r>
+              <a:rPr kumimoji="0" lang="vi-VN" altLang="en-US" sz="2400" b="1" i="0" u="none" strike="noStrike" cap="none" normalizeH="0" baseline="0" smtClean="0">
+                <a:ln>
+                  <a:noFill/>
+                </a:ln>
+                <a:solidFill>
+                  <a:schemeClr val="tx1"/>
+                </a:solidFill>
+                <a:effectLst/>
+                <a:ea typeface="Times New Roman" panose="02020603050405020304" pitchFamily="18" charset="0"/>
+              </a:rPr>
+              <a:t>ƯỜNG ĐẠI HỌC TÔN ĐỨC THẮNG</a:t>
+            </a:r>
+            <a:r>
+              <a:rPr kumimoji="0" lang="en-US" altLang="en-US" sz="2400" b="0" i="0" u="none" strike="noStrike" cap="none" normalizeH="0" baseline="0" smtClean="0">
+                <a:ln>
+                  <a:noFill/>
+                </a:ln>
+                <a:solidFill>
+                  <a:schemeClr val="tx1"/>
+                </a:solidFill>
+                <a:effectLst/>
+              </a:rPr>
+              <a:t> </a:t>
+            </a:r>
+          </a:p>
+        </p:txBody>
+      </p:sp>
+      <p:sp>
+        <p:nvSpPr>
+          <p:cNvPr id="5" name="Rectangle 4"/>
+          <p:cNvSpPr/>
+          <p:nvPr/>
+        </p:nvSpPr>
+        <p:spPr>
+          <a:xfrm>
+            <a:off x="3199354" y="1863855"/>
+            <a:ext cx="6338723" cy="461665"/>
+          </a:xfrm>
+          <a:prstGeom prst="rect">
+            <a:avLst/>
+          </a:prstGeom>
+        </p:spPr>
+        <p:txBody>
+          <a:bodyPr wrap="none">
+            <a:spAutoFit/>
+          </a:bodyPr>
+          <a:lstStyle/>
+          <a:p>
+            <a:r>
+              <a:rPr lang="en-US" sz="2400" b="1">
+                <a:latin typeface="Times New Roman" panose="02020603050405020304" pitchFamily="18" charset="0"/>
+                <a:ea typeface="Times New Roman" panose="02020603050405020304" pitchFamily="18" charset="0"/>
+              </a:rPr>
+              <a:t>ĐỀ CƯƠNG CHI TIẾT LUẬN VĂN THẠC SĨ</a:t>
+            </a:r>
+            <a:endParaRPr lang="en-US" sz="2400"/>
           </a:p>
         </p:txBody>
       </p:sp>
@@ -3006,6 +3247,264 @@
     <p:extLst>
       <p:ext uri="{BB962C8B-B14F-4D97-AF65-F5344CB8AC3E}">
         <p14:creationId xmlns:p14="http://schemas.microsoft.com/office/powerpoint/2010/main" val="3278390014"/>
+      </p:ext>
+    </p:extLst>
+  </p:cSld>
+  <p:clrMapOvr>
+    <a:masterClrMapping/>
+  </p:clrMapOvr>
+</p:sld>
+</file>
+
+<file path=ppt/slides/slide2.xml><?xml version="1.0" encoding="utf-8"?>
+<p:sld xmlns:a="http://schemas.openxmlformats.org/drawingml/2006/main" xmlns:r="http://schemas.openxmlformats.org/officeDocument/2006/relationships" xmlns:p="http://schemas.openxmlformats.org/presentationml/2006/main">
+  <p:cSld>
+    <p:spTree>
+      <p:nvGrpSpPr>
+        <p:cNvPr id="1" name=""/>
+        <p:cNvGrpSpPr/>
+        <p:nvPr/>
+      </p:nvGrpSpPr>
+      <p:grpSpPr>
+        <a:xfrm>
+          <a:off x="0" y="0"/>
+          <a:ext cx="0" cy="0"/>
+          <a:chOff x="0" y="0"/>
+          <a:chExt cx="0" cy="0"/>
+        </a:xfrm>
+      </p:grpSpPr>
+      <p:sp>
+        <p:nvSpPr>
+          <p:cNvPr id="2" name="Title 1"/>
+          <p:cNvSpPr>
+            <a:spLocks noGrp="1"/>
+          </p:cNvSpPr>
+          <p:nvPr>
+            <p:ph type="title"/>
+          </p:nvPr>
+        </p:nvSpPr>
+        <p:spPr/>
+        <p:txBody>
+          <a:bodyPr/>
+          <a:lstStyle/>
+          <a:p>
+            <a:r>
+              <a:rPr lang="en-US" smtClean="0"/>
+              <a:t>Tài liệu tham khảo</a:t>
+            </a:r>
+            <a:endParaRPr lang="en-US"/>
+          </a:p>
+        </p:txBody>
+      </p:sp>
+      <p:sp>
+        <p:nvSpPr>
+          <p:cNvPr id="3" name="Content Placeholder 2"/>
+          <p:cNvSpPr>
+            <a:spLocks noGrp="1"/>
+          </p:cNvSpPr>
+          <p:nvPr>
+            <p:ph idx="1"/>
+          </p:nvPr>
+        </p:nvSpPr>
+        <p:spPr/>
+        <p:txBody>
+          <a:bodyPr>
+            <a:normAutofit lnSpcReduction="10000"/>
+          </a:bodyPr>
+          <a:lstStyle/>
+          <a:p>
+            <a:pPr lvl="0" hangingPunct="0"/>
+            <a:r>
+              <a:rPr lang="en-US"/>
+              <a:t>Namit Bhatia, 1992, The Oxford Companion to the English Language, trang (pp.) 1051 – </a:t>
+            </a:r>
+            <a:r>
+              <a:rPr lang="en-US"/>
+              <a:t>1054</a:t>
+            </a:r>
+            <a:r>
+              <a:rPr lang="en-US" smtClean="0"/>
+              <a:t>. [1]</a:t>
+            </a:r>
+            <a:endParaRPr lang="en-US"/>
+          </a:p>
+          <a:p>
+            <a:pPr lvl="0" hangingPunct="0"/>
+            <a:r>
+              <a:rPr lang="vi-VN"/>
+              <a:t>Peter F. Brown, John Cocke, Stephen A. Della Pietra, Vincent J. Della Pietra, Fredrick Jelinek, John D. Lafferty, Robert L. Mercer</a:t>
+            </a:r>
+            <a:r>
+              <a:rPr lang="en-US"/>
+              <a:t>,</a:t>
+            </a:r>
+            <a:r>
+              <a:rPr lang="vi-VN"/>
+              <a:t> Paul S. Roossin</a:t>
+            </a:r>
+            <a:r>
+              <a:rPr lang="en-US"/>
+              <a:t>, 1990, A STATISTICAL APPROACH TO MACHINE </a:t>
+            </a:r>
+            <a:r>
+              <a:rPr lang="en-US"/>
+              <a:t>TRANSLATION</a:t>
+            </a:r>
+            <a:r>
+              <a:rPr lang="en-US" smtClean="0"/>
+              <a:t>. [2]</a:t>
+            </a:r>
+            <a:endParaRPr lang="en-US"/>
+          </a:p>
+          <a:p>
+            <a:pPr lvl="0" hangingPunct="0"/>
+            <a:r>
+              <a:rPr lang="vi-VN"/>
+              <a:t>Peter F. Brown</a:t>
+            </a:r>
+            <a:r>
+              <a:rPr lang="en-US"/>
+              <a:t>, </a:t>
+            </a:r>
+            <a:r>
+              <a:rPr lang="vi-VN"/>
+              <a:t>Vincent J. Della Pietra</a:t>
+            </a:r>
+            <a:r>
+              <a:rPr lang="en-US"/>
+              <a:t>, </a:t>
+            </a:r>
+            <a:r>
+              <a:rPr lang="vi-VN"/>
+              <a:t>Stephen A. Della Pietra</a:t>
+            </a:r>
+            <a:r>
+              <a:rPr lang="en-US"/>
+              <a:t>, Robert L. Mercer, 1993, The Mathematics of Statistical Machine Translation: Parameter </a:t>
+            </a:r>
+            <a:r>
+              <a:rPr lang="en-US"/>
+              <a:t>Estimation</a:t>
+            </a:r>
+            <a:r>
+              <a:rPr lang="en-US" smtClean="0"/>
+              <a:t>. [3]</a:t>
+            </a:r>
+            <a:endParaRPr lang="en-US"/>
+          </a:p>
+          <a:p>
+            <a:r>
+              <a:rPr lang="en-US"/>
+              <a:t>Chris Dyer, Victor Chahuneau, Noah A. Smith, 2013, A Simple, Fast, and Effective Reparameterization of IBM Model </a:t>
+            </a:r>
+            <a:r>
+              <a:rPr lang="en-US"/>
+              <a:t>2</a:t>
+            </a:r>
+            <a:r>
+              <a:rPr lang="en-US" smtClean="0"/>
+              <a:t>. [4]</a:t>
+            </a:r>
+            <a:endParaRPr lang="en-US"/>
+          </a:p>
+        </p:txBody>
+      </p:sp>
+    </p:spTree>
+    <p:extLst>
+      <p:ext uri="{BB962C8B-B14F-4D97-AF65-F5344CB8AC3E}">
+        <p14:creationId xmlns:p14="http://schemas.microsoft.com/office/powerpoint/2010/main" val="586950433"/>
+      </p:ext>
+    </p:extLst>
+  </p:cSld>
+  <p:clrMapOvr>
+    <a:masterClrMapping/>
+  </p:clrMapOvr>
+</p:sld>
+</file>
+
+<file path=ppt/slides/slide3.xml><?xml version="1.0" encoding="utf-8"?>
+<p:sld xmlns:a="http://schemas.openxmlformats.org/drawingml/2006/main" xmlns:r="http://schemas.openxmlformats.org/officeDocument/2006/relationships" xmlns:p="http://schemas.openxmlformats.org/presentationml/2006/main">
+  <p:cSld>
+    <p:spTree>
+      <p:nvGrpSpPr>
+        <p:cNvPr id="1" name=""/>
+        <p:cNvGrpSpPr/>
+        <p:nvPr/>
+      </p:nvGrpSpPr>
+      <p:grpSpPr>
+        <a:xfrm>
+          <a:off x="0" y="0"/>
+          <a:ext cx="0" cy="0"/>
+          <a:chOff x="0" y="0"/>
+          <a:chExt cx="0" cy="0"/>
+        </a:xfrm>
+      </p:grpSpPr>
+      <p:sp>
+        <p:nvSpPr>
+          <p:cNvPr id="2" name="Title 1"/>
+          <p:cNvSpPr>
+            <a:spLocks noGrp="1"/>
+          </p:cNvSpPr>
+          <p:nvPr>
+            <p:ph type="title"/>
+          </p:nvPr>
+        </p:nvSpPr>
+        <p:spPr/>
+        <p:txBody>
+          <a:bodyPr/>
+          <a:lstStyle/>
+          <a:p>
+            <a:r>
+              <a:rPr lang="en-US" smtClean="0"/>
+              <a:t>Tài liệu tham khảo</a:t>
+            </a:r>
+            <a:endParaRPr lang="en-US"/>
+          </a:p>
+        </p:txBody>
+      </p:sp>
+      <p:sp>
+        <p:nvSpPr>
+          <p:cNvPr id="3" name="Content Placeholder 2"/>
+          <p:cNvSpPr>
+            <a:spLocks noGrp="1"/>
+          </p:cNvSpPr>
+          <p:nvPr>
+            <p:ph idx="1"/>
+          </p:nvPr>
+        </p:nvSpPr>
+        <p:spPr/>
+        <p:txBody>
+          <a:bodyPr>
+            <a:normAutofit/>
+          </a:bodyPr>
+          <a:lstStyle/>
+          <a:p>
+            <a:pPr lvl="0" hangingPunct="0"/>
+            <a:r>
+              <a:rPr lang="en-US"/>
+              <a:t>James D. Miller , Rui Miguel Forte, 2017, Mastering Predictive Analytics with R - Second Edition.</a:t>
+            </a:r>
+          </a:p>
+          <a:p>
+            <a:pPr lvl="0" hangingPunct="0"/>
+            <a:r>
+              <a:rPr lang="en-US"/>
+              <a:t>Nikolay Kyurkchiev, Svetoslav Markov, 2015, SIGMOID FUNCTIONS: SOME APPROXIMATION, AND MODELLING ASPECTS.</a:t>
+            </a:r>
+          </a:p>
+          <a:p>
+            <a:r>
+              <a:rPr lang="en-US"/>
+              <a:t>Cho, K., Van Merriënboer, B., Bahdanau, D., &amp; Bengio, Y, 2014, On the properties of neural machine translation: Encoder-decoder approaches. arXiv preprint arXiv:1409.1259.</a:t>
+            </a:r>
+            <a:endParaRPr lang="en-US"/>
+          </a:p>
+        </p:txBody>
+      </p:sp>
+    </p:spTree>
+    <p:extLst>
+      <p:ext uri="{BB962C8B-B14F-4D97-AF65-F5344CB8AC3E}">
+        <p14:creationId xmlns:p14="http://schemas.microsoft.com/office/powerpoint/2010/main" val="157506464"/>
       </p:ext>
     </p:extLst>
   </p:cSld>

--- a/dcct.pptx
+++ b/dcct.pptx
@@ -8,6 +8,20 @@
     <p:sldId id="256" r:id="rId2"/>
     <p:sldId id="257" r:id="rId3"/>
     <p:sldId id="258" r:id="rId4"/>
+    <p:sldId id="259" r:id="rId5"/>
+    <p:sldId id="260" r:id="rId6"/>
+    <p:sldId id="263" r:id="rId7"/>
+    <p:sldId id="261" r:id="rId8"/>
+    <p:sldId id="262" r:id="rId9"/>
+    <p:sldId id="264" r:id="rId10"/>
+    <p:sldId id="265" r:id="rId11"/>
+    <p:sldId id="266" r:id="rId12"/>
+    <p:sldId id="267" r:id="rId13"/>
+    <p:sldId id="271" r:id="rId14"/>
+    <p:sldId id="272" r:id="rId15"/>
+    <p:sldId id="268" r:id="rId16"/>
+    <p:sldId id="269" r:id="rId17"/>
+    <p:sldId id="270" r:id="rId18"/>
   </p:sldIdLst>
   <p:sldSz cx="12192000" cy="6858000"/>
   <p:notesSz cx="6858000" cy="9144000"/>
@@ -156,10 +170,9 @@
           </a:lstStyle>
           <a:p>
             <a:r>
-              <a:rPr lang="en-US" smtClean="0"/>
+              <a:rPr lang="en-US"/>
               <a:t>Click to edit Master title style</a:t>
             </a:r>
-            <a:endParaRPr lang="en-US"/>
           </a:p>
         </p:txBody>
       </p:sp>
@@ -221,10 +234,9 @@
           </a:lstStyle>
           <a:p>
             <a:r>
-              <a:rPr lang="en-US" smtClean="0"/>
+              <a:rPr lang="en-US"/>
               <a:t>Click to edit Master subtitle style</a:t>
             </a:r>
-            <a:endParaRPr lang="en-US"/>
           </a:p>
         </p:txBody>
       </p:sp>
@@ -339,10 +351,9 @@
           <a:lstStyle/>
           <a:p>
             <a:r>
-              <a:rPr lang="en-US" smtClean="0"/>
+              <a:rPr lang="en-US"/>
               <a:t>Click to edit Master title style</a:t>
             </a:r>
-            <a:endParaRPr lang="en-US"/>
           </a:p>
         </p:txBody>
       </p:sp>
@@ -363,38 +374,37 @@
           <a:p>
             <a:pPr lvl="0"/>
             <a:r>
-              <a:rPr lang="en-US" smtClean="0"/>
+              <a:rPr lang="en-US"/>
               <a:t>Edit Master text styles</a:t>
             </a:r>
           </a:p>
           <a:p>
             <a:pPr lvl="1"/>
             <a:r>
-              <a:rPr lang="en-US" smtClean="0"/>
+              <a:rPr lang="en-US"/>
               <a:t>Second level</a:t>
             </a:r>
           </a:p>
           <a:p>
             <a:pPr lvl="2"/>
             <a:r>
-              <a:rPr lang="en-US" smtClean="0"/>
+              <a:rPr lang="en-US"/>
               <a:t>Third level</a:t>
             </a:r>
           </a:p>
           <a:p>
             <a:pPr lvl="3"/>
             <a:r>
-              <a:rPr lang="en-US" smtClean="0"/>
+              <a:rPr lang="en-US"/>
               <a:t>Fourth level</a:t>
             </a:r>
           </a:p>
           <a:p>
             <a:pPr lvl="4"/>
             <a:r>
-              <a:rPr lang="en-US" smtClean="0"/>
+              <a:rPr lang="en-US"/>
               <a:t>Fifth level</a:t>
             </a:r>
-            <a:endParaRPr lang="en-US"/>
           </a:p>
         </p:txBody>
       </p:sp>
@@ -514,10 +524,9 @@
           <a:lstStyle/>
           <a:p>
             <a:r>
-              <a:rPr lang="en-US" smtClean="0"/>
+              <a:rPr lang="en-US"/>
               <a:t>Click to edit Master title style</a:t>
             </a:r>
-            <a:endParaRPr lang="en-US"/>
           </a:p>
         </p:txBody>
       </p:sp>
@@ -543,38 +552,37 @@
           <a:p>
             <a:pPr lvl="0"/>
             <a:r>
-              <a:rPr lang="en-US" smtClean="0"/>
+              <a:rPr lang="en-US"/>
               <a:t>Edit Master text styles</a:t>
             </a:r>
           </a:p>
           <a:p>
             <a:pPr lvl="1"/>
             <a:r>
-              <a:rPr lang="en-US" smtClean="0"/>
+              <a:rPr lang="en-US"/>
               <a:t>Second level</a:t>
             </a:r>
           </a:p>
           <a:p>
             <a:pPr lvl="2"/>
             <a:r>
-              <a:rPr lang="en-US" smtClean="0"/>
+              <a:rPr lang="en-US"/>
               <a:t>Third level</a:t>
             </a:r>
           </a:p>
           <a:p>
             <a:pPr lvl="3"/>
             <a:r>
-              <a:rPr lang="en-US" smtClean="0"/>
+              <a:rPr lang="en-US"/>
               <a:t>Fourth level</a:t>
             </a:r>
           </a:p>
           <a:p>
             <a:pPr lvl="4"/>
             <a:r>
-              <a:rPr lang="en-US" smtClean="0"/>
+              <a:rPr lang="en-US"/>
               <a:t>Fifth level</a:t>
             </a:r>
-            <a:endParaRPr lang="en-US"/>
           </a:p>
         </p:txBody>
       </p:sp>
@@ -689,10 +697,9 @@
           <a:lstStyle/>
           <a:p>
             <a:r>
-              <a:rPr lang="en-US" smtClean="0"/>
+              <a:rPr lang="en-US"/>
               <a:t>Click to edit Master title style</a:t>
             </a:r>
-            <a:endParaRPr lang="en-US"/>
           </a:p>
         </p:txBody>
       </p:sp>
@@ -713,38 +720,37 @@
           <a:p>
             <a:pPr lvl="0"/>
             <a:r>
-              <a:rPr lang="en-US" smtClean="0"/>
+              <a:rPr lang="en-US"/>
               <a:t>Edit Master text styles</a:t>
             </a:r>
           </a:p>
           <a:p>
             <a:pPr lvl="1"/>
             <a:r>
-              <a:rPr lang="en-US" smtClean="0"/>
+              <a:rPr lang="en-US"/>
               <a:t>Second level</a:t>
             </a:r>
           </a:p>
           <a:p>
             <a:pPr lvl="2"/>
             <a:r>
-              <a:rPr lang="en-US" smtClean="0"/>
+              <a:rPr lang="en-US"/>
               <a:t>Third level</a:t>
             </a:r>
           </a:p>
           <a:p>
             <a:pPr lvl="3"/>
             <a:r>
-              <a:rPr lang="en-US" smtClean="0"/>
+              <a:rPr lang="en-US"/>
               <a:t>Fourth level</a:t>
             </a:r>
           </a:p>
           <a:p>
             <a:pPr lvl="4"/>
             <a:r>
-              <a:rPr lang="en-US" smtClean="0"/>
+              <a:rPr lang="en-US"/>
               <a:t>Fifth level</a:t>
             </a:r>
-            <a:endParaRPr lang="en-US"/>
           </a:p>
         </p:txBody>
       </p:sp>
@@ -868,10 +874,9 @@
           </a:lstStyle>
           <a:p>
             <a:r>
-              <a:rPr lang="en-US" smtClean="0"/>
+              <a:rPr lang="en-US"/>
               <a:t>Click to edit Master title style</a:t>
             </a:r>
-            <a:endParaRPr lang="en-US"/>
           </a:p>
         </p:txBody>
       </p:sp>
@@ -988,7 +993,7 @@
           <a:p>
             <a:pPr lvl="0"/>
             <a:r>
-              <a:rPr lang="en-US" smtClean="0"/>
+              <a:rPr lang="en-US"/>
               <a:t>Edit Master text styles</a:t>
             </a:r>
           </a:p>
@@ -1105,10 +1110,9 @@
           <a:lstStyle/>
           <a:p>
             <a:r>
-              <a:rPr lang="en-US" smtClean="0"/>
+              <a:rPr lang="en-US"/>
               <a:t>Click to edit Master title style</a:t>
             </a:r>
-            <a:endParaRPr lang="en-US"/>
           </a:p>
         </p:txBody>
       </p:sp>
@@ -1134,38 +1138,37 @@
           <a:p>
             <a:pPr lvl="0"/>
             <a:r>
-              <a:rPr lang="en-US" smtClean="0"/>
+              <a:rPr lang="en-US"/>
               <a:t>Edit Master text styles</a:t>
             </a:r>
           </a:p>
           <a:p>
             <a:pPr lvl="1"/>
             <a:r>
-              <a:rPr lang="en-US" smtClean="0"/>
+              <a:rPr lang="en-US"/>
               <a:t>Second level</a:t>
             </a:r>
           </a:p>
           <a:p>
             <a:pPr lvl="2"/>
             <a:r>
-              <a:rPr lang="en-US" smtClean="0"/>
+              <a:rPr lang="en-US"/>
               <a:t>Third level</a:t>
             </a:r>
           </a:p>
           <a:p>
             <a:pPr lvl="3"/>
             <a:r>
-              <a:rPr lang="en-US" smtClean="0"/>
+              <a:rPr lang="en-US"/>
               <a:t>Fourth level</a:t>
             </a:r>
           </a:p>
           <a:p>
             <a:pPr lvl="4"/>
             <a:r>
-              <a:rPr lang="en-US" smtClean="0"/>
+              <a:rPr lang="en-US"/>
               <a:t>Fifth level</a:t>
             </a:r>
-            <a:endParaRPr lang="en-US"/>
           </a:p>
         </p:txBody>
       </p:sp>
@@ -1191,38 +1194,37 @@
           <a:p>
             <a:pPr lvl="0"/>
             <a:r>
-              <a:rPr lang="en-US" smtClean="0"/>
+              <a:rPr lang="en-US"/>
               <a:t>Edit Master text styles</a:t>
             </a:r>
           </a:p>
           <a:p>
             <a:pPr lvl="1"/>
             <a:r>
-              <a:rPr lang="en-US" smtClean="0"/>
+              <a:rPr lang="en-US"/>
               <a:t>Second level</a:t>
             </a:r>
           </a:p>
           <a:p>
             <a:pPr lvl="2"/>
             <a:r>
-              <a:rPr lang="en-US" smtClean="0"/>
+              <a:rPr lang="en-US"/>
               <a:t>Third level</a:t>
             </a:r>
           </a:p>
           <a:p>
             <a:pPr lvl="3"/>
             <a:r>
-              <a:rPr lang="en-US" smtClean="0"/>
+              <a:rPr lang="en-US"/>
               <a:t>Fourth level</a:t>
             </a:r>
           </a:p>
           <a:p>
             <a:pPr lvl="4"/>
             <a:r>
-              <a:rPr lang="en-US" smtClean="0"/>
+              <a:rPr lang="en-US"/>
               <a:t>Fifth level</a:t>
             </a:r>
-            <a:endParaRPr lang="en-US"/>
           </a:p>
         </p:txBody>
       </p:sp>
@@ -1342,10 +1344,9 @@
           <a:lstStyle/>
           <a:p>
             <a:r>
-              <a:rPr lang="en-US" smtClean="0"/>
+              <a:rPr lang="en-US"/>
               <a:t>Click to edit Master title style</a:t>
             </a:r>
-            <a:endParaRPr lang="en-US"/>
           </a:p>
         </p:txBody>
       </p:sp>
@@ -1408,7 +1409,7 @@
           <a:p>
             <a:pPr lvl="0"/>
             <a:r>
-              <a:rPr lang="en-US" smtClean="0"/>
+              <a:rPr lang="en-US"/>
               <a:t>Edit Master text styles</a:t>
             </a:r>
           </a:p>
@@ -1436,38 +1437,37 @@
           <a:p>
             <a:pPr lvl="0"/>
             <a:r>
-              <a:rPr lang="en-US" smtClean="0"/>
+              <a:rPr lang="en-US"/>
               <a:t>Edit Master text styles</a:t>
             </a:r>
           </a:p>
           <a:p>
             <a:pPr lvl="1"/>
             <a:r>
-              <a:rPr lang="en-US" smtClean="0"/>
+              <a:rPr lang="en-US"/>
               <a:t>Second level</a:t>
             </a:r>
           </a:p>
           <a:p>
             <a:pPr lvl="2"/>
             <a:r>
-              <a:rPr lang="en-US" smtClean="0"/>
+              <a:rPr lang="en-US"/>
               <a:t>Third level</a:t>
             </a:r>
           </a:p>
           <a:p>
             <a:pPr lvl="3"/>
             <a:r>
-              <a:rPr lang="en-US" smtClean="0"/>
+              <a:rPr lang="en-US"/>
               <a:t>Fourth level</a:t>
             </a:r>
           </a:p>
           <a:p>
             <a:pPr lvl="4"/>
             <a:r>
-              <a:rPr lang="en-US" smtClean="0"/>
+              <a:rPr lang="en-US"/>
               <a:t>Fifth level</a:t>
             </a:r>
-            <a:endParaRPr lang="en-US"/>
           </a:p>
         </p:txBody>
       </p:sp>
@@ -1530,7 +1530,7 @@
           <a:p>
             <a:pPr lvl="0"/>
             <a:r>
-              <a:rPr lang="en-US" smtClean="0"/>
+              <a:rPr lang="en-US"/>
               <a:t>Edit Master text styles</a:t>
             </a:r>
           </a:p>
@@ -1558,38 +1558,37 @@
           <a:p>
             <a:pPr lvl="0"/>
             <a:r>
-              <a:rPr lang="en-US" smtClean="0"/>
+              <a:rPr lang="en-US"/>
               <a:t>Edit Master text styles</a:t>
             </a:r>
           </a:p>
           <a:p>
             <a:pPr lvl="1"/>
             <a:r>
-              <a:rPr lang="en-US" smtClean="0"/>
+              <a:rPr lang="en-US"/>
               <a:t>Second level</a:t>
             </a:r>
           </a:p>
           <a:p>
             <a:pPr lvl="2"/>
             <a:r>
-              <a:rPr lang="en-US" smtClean="0"/>
+              <a:rPr lang="en-US"/>
               <a:t>Third level</a:t>
             </a:r>
           </a:p>
           <a:p>
             <a:pPr lvl="3"/>
             <a:r>
-              <a:rPr lang="en-US" smtClean="0"/>
+              <a:rPr lang="en-US"/>
               <a:t>Fourth level</a:t>
             </a:r>
           </a:p>
           <a:p>
             <a:pPr lvl="4"/>
             <a:r>
-              <a:rPr lang="en-US" smtClean="0"/>
+              <a:rPr lang="en-US"/>
               <a:t>Fifth level</a:t>
             </a:r>
-            <a:endParaRPr lang="en-US"/>
           </a:p>
         </p:txBody>
       </p:sp>
@@ -1704,10 +1703,9 @@
           <a:lstStyle/>
           <a:p>
             <a:r>
-              <a:rPr lang="en-US" smtClean="0"/>
+              <a:rPr lang="en-US"/>
               <a:t>Click to edit Master title style</a:t>
             </a:r>
-            <a:endParaRPr lang="en-US"/>
           </a:p>
         </p:txBody>
       </p:sp>
@@ -1926,10 +1924,9 @@
           </a:lstStyle>
           <a:p>
             <a:r>
-              <a:rPr lang="en-US" smtClean="0"/>
+              <a:rPr lang="en-US"/>
               <a:t>Click to edit Master title style</a:t>
             </a:r>
-            <a:endParaRPr lang="en-US"/>
           </a:p>
         </p:txBody>
       </p:sp>
@@ -1983,38 +1980,37 @@
           <a:p>
             <a:pPr lvl="0"/>
             <a:r>
-              <a:rPr lang="en-US" smtClean="0"/>
+              <a:rPr lang="en-US"/>
               <a:t>Edit Master text styles</a:t>
             </a:r>
           </a:p>
           <a:p>
             <a:pPr lvl="1"/>
             <a:r>
-              <a:rPr lang="en-US" smtClean="0"/>
+              <a:rPr lang="en-US"/>
               <a:t>Second level</a:t>
             </a:r>
           </a:p>
           <a:p>
             <a:pPr lvl="2"/>
             <a:r>
-              <a:rPr lang="en-US" smtClean="0"/>
+              <a:rPr lang="en-US"/>
               <a:t>Third level</a:t>
             </a:r>
           </a:p>
           <a:p>
             <a:pPr lvl="3"/>
             <a:r>
-              <a:rPr lang="en-US" smtClean="0"/>
+              <a:rPr lang="en-US"/>
               <a:t>Fourth level</a:t>
             </a:r>
           </a:p>
           <a:p>
             <a:pPr lvl="4"/>
             <a:r>
-              <a:rPr lang="en-US" smtClean="0"/>
+              <a:rPr lang="en-US"/>
               <a:t>Fifth level</a:t>
             </a:r>
-            <a:endParaRPr lang="en-US"/>
           </a:p>
         </p:txBody>
       </p:sp>
@@ -2077,7 +2073,7 @@
           <a:p>
             <a:pPr lvl="0"/>
             <a:r>
-              <a:rPr lang="en-US" smtClean="0"/>
+              <a:rPr lang="en-US"/>
               <a:t>Edit Master text styles</a:t>
             </a:r>
           </a:p>
@@ -2203,10 +2199,9 @@
           </a:lstStyle>
           <a:p>
             <a:r>
-              <a:rPr lang="en-US" smtClean="0"/>
+              <a:rPr lang="en-US"/>
               <a:t>Click to edit Master title style</a:t>
             </a:r>
-            <a:endParaRPr lang="en-US"/>
           </a:p>
         </p:txBody>
       </p:sp>
@@ -2330,7 +2325,7 @@
           <a:p>
             <a:pPr lvl="0"/>
             <a:r>
-              <a:rPr lang="en-US" smtClean="0"/>
+              <a:rPr lang="en-US"/>
               <a:t>Edit Master text styles</a:t>
             </a:r>
           </a:p>
@@ -2462,10 +2457,9 @@
           <a:lstStyle/>
           <a:p>
             <a:r>
-              <a:rPr lang="en-US" smtClean="0"/>
+              <a:rPr lang="en-US"/>
               <a:t>Click to edit Master title style</a:t>
             </a:r>
-            <a:endParaRPr lang="en-US"/>
           </a:p>
         </p:txBody>
       </p:sp>
@@ -2496,38 +2490,37 @@
           <a:p>
             <a:pPr lvl="0"/>
             <a:r>
-              <a:rPr lang="en-US" smtClean="0"/>
+              <a:rPr lang="en-US"/>
               <a:t>Edit Master text styles</a:t>
             </a:r>
           </a:p>
           <a:p>
             <a:pPr lvl="1"/>
             <a:r>
-              <a:rPr lang="en-US" smtClean="0"/>
+              <a:rPr lang="en-US"/>
               <a:t>Second level</a:t>
             </a:r>
           </a:p>
           <a:p>
             <a:pPr lvl="2"/>
             <a:r>
-              <a:rPr lang="en-US" smtClean="0"/>
+              <a:rPr lang="en-US"/>
               <a:t>Third level</a:t>
             </a:r>
           </a:p>
           <a:p>
             <a:pPr lvl="3"/>
             <a:r>
-              <a:rPr lang="en-US" smtClean="0"/>
+              <a:rPr lang="en-US"/>
               <a:t>Fourth level</a:t>
             </a:r>
           </a:p>
           <a:p>
             <a:pPr lvl="4"/>
             <a:r>
-              <a:rPr lang="en-US" smtClean="0"/>
+              <a:rPr lang="en-US"/>
               <a:t>Fifth level</a:t>
             </a:r>
-            <a:endParaRPr lang="en-US"/>
           </a:p>
         </p:txBody>
       </p:sp>
@@ -2994,24 +2987,104 @@
           <a:lstStyle/>
           <a:p>
             <a:r>
-              <a:rPr lang="en-US" smtClean="0"/>
-              <a:t>Cải thiện dịch máy nơ-ron </a:t>
+              <a:rPr lang="en-US" dirty="0" err="1"/>
+              <a:t>Cải</a:t>
+            </a:r>
+            <a:r>
+              <a:rPr lang="en-US" dirty="0"/>
+              <a:t> </a:t>
+            </a:r>
+            <a:r>
+              <a:rPr lang="en-US" dirty="0" err="1"/>
+              <a:t>thiện</a:t>
+            </a:r>
+            <a:r>
+              <a:rPr lang="en-US" dirty="0"/>
+              <a:t> </a:t>
+            </a:r>
+            <a:r>
+              <a:rPr lang="en-US" dirty="0" err="1"/>
+              <a:t>dịch</a:t>
+            </a:r>
+            <a:r>
+              <a:rPr lang="en-US" dirty="0"/>
+              <a:t> </a:t>
+            </a:r>
+            <a:r>
+              <a:rPr lang="en-US" dirty="0" err="1"/>
+              <a:t>máy</a:t>
+            </a:r>
+            <a:r>
+              <a:rPr lang="en-US" dirty="0"/>
+              <a:t> </a:t>
+            </a:r>
+            <a:r>
+              <a:rPr lang="en-US" dirty="0" err="1"/>
+              <a:t>nơ-ron</a:t>
+            </a:r>
+            <a:r>
+              <a:rPr lang="en-US" dirty="0"/>
+              <a:t> </a:t>
             </a:r>
             <a:br>
-              <a:rPr lang="en-US" smtClean="0"/>
+              <a:rPr lang="en-US" dirty="0"/>
             </a:br>
             <a:r>
-              <a:rPr lang="en-US" smtClean="0"/>
-              <a:t>Việt – Anh bằng </a:t>
+              <a:rPr lang="en-US" dirty="0" err="1"/>
+              <a:t>Việt</a:t>
+            </a:r>
+            <a:r>
+              <a:rPr lang="en-US" dirty="0"/>
+              <a:t> – Anh </a:t>
+            </a:r>
+            <a:r>
+              <a:rPr lang="en-US" dirty="0" err="1"/>
+              <a:t>bằng</a:t>
+            </a:r>
+            <a:r>
+              <a:rPr lang="en-US" dirty="0"/>
+              <a:t> </a:t>
             </a:r>
             <a:br>
-              <a:rPr lang="en-US" smtClean="0"/>
+              <a:rPr lang="en-US" dirty="0"/>
             </a:br>
             <a:r>
-              <a:rPr lang="en-US" smtClean="0"/>
-              <a:t>gióng hàng từ hướng dẫn</a:t>
-            </a:r>
-            <a:endParaRPr lang="en-US"/>
+              <a:rPr lang="en-US" dirty="0" err="1"/>
+              <a:t>gióng</a:t>
+            </a:r>
+            <a:r>
+              <a:rPr lang="en-US" dirty="0"/>
+              <a:t> </a:t>
+            </a:r>
+            <a:r>
+              <a:rPr lang="en-US" dirty="0" err="1"/>
+              <a:t>hàng</a:t>
+            </a:r>
+            <a:r>
+              <a:rPr lang="en-US" dirty="0"/>
+              <a:t> </a:t>
+            </a:r>
+            <a:r>
+              <a:rPr lang="en-US" dirty="0" err="1"/>
+              <a:t>từ</a:t>
+            </a:r>
+            <a:r>
+              <a:rPr lang="en-US" dirty="0"/>
+              <a:t> </a:t>
+            </a:r>
+            <a:r>
+              <a:rPr lang="en-US" dirty="0" err="1"/>
+              <a:t>hướng</a:t>
+            </a:r>
+            <a:r>
+              <a:rPr lang="en-US" dirty="0"/>
+              <a:t> </a:t>
+            </a:r>
+            <a:r>
+              <a:rPr lang="en-US" dirty="0" err="1"/>
+              <a:t>dẫn</a:t>
+            </a:r>
+            <a:endParaRPr lang="en-US" dirty="0"/>
           </a:p>
         </p:txBody>
       </p:sp>
@@ -3037,17 +3110,93 @@
           <a:p>
             <a:pPr algn="r"/>
             <a:r>
-              <a:rPr lang="en-US" smtClean="0"/>
-              <a:t>Thầy hướng dẫn: TS.Nguyễn Chí Thiện</a:t>
-            </a:r>
+              <a:rPr lang="en-US" dirty="0" err="1"/>
+              <a:t>Thầy</a:t>
+            </a:r>
+            <a:r>
+              <a:rPr lang="en-US" dirty="0"/>
+              <a:t> </a:t>
+            </a:r>
+            <a:r>
+              <a:rPr lang="en-US" dirty="0" err="1"/>
+              <a:t>hướng</a:t>
+            </a:r>
+            <a:r>
+              <a:rPr lang="en-US" dirty="0"/>
+              <a:t> </a:t>
+            </a:r>
+            <a:r>
+              <a:rPr lang="en-US" dirty="0" err="1"/>
+              <a:t>dẫn</a:t>
+            </a:r>
+            <a:r>
+              <a:rPr lang="en-US" dirty="0"/>
+              <a:t>: </a:t>
+            </a:r>
+            <a:r>
+              <a:rPr lang="en-US" dirty="0" err="1"/>
+              <a:t>TS.Nguyễn</a:t>
+            </a:r>
+            <a:r>
+              <a:rPr lang="en-US" dirty="0"/>
+              <a:t> </a:t>
+            </a:r>
+            <a:r>
+              <a:rPr lang="en-US" dirty="0" err="1"/>
+              <a:t>Chí</a:t>
+            </a:r>
+            <a:r>
+              <a:rPr lang="en-US" dirty="0"/>
+              <a:t> </a:t>
+            </a:r>
+            <a:r>
+              <a:rPr lang="en-US" dirty="0" err="1"/>
+              <a:t>Thiện</a:t>
+            </a:r>
+            <a:endParaRPr lang="en-US" dirty="0"/>
           </a:p>
           <a:p>
             <a:pPr algn="r"/>
             <a:r>
-              <a:rPr lang="en-US" smtClean="0"/>
-              <a:t>Học viên: Nguyễn Duy Hàn Lâm (MSHV: 196005004)</a:t>
-            </a:r>
-            <a:endParaRPr lang="en-US"/>
+              <a:rPr lang="en-US" dirty="0" err="1"/>
+              <a:t>Học</a:t>
+            </a:r>
+            <a:r>
+              <a:rPr lang="en-US" dirty="0"/>
+              <a:t> </a:t>
+            </a:r>
+            <a:r>
+              <a:rPr lang="en-US" dirty="0" err="1"/>
+              <a:t>viên</a:t>
+            </a:r>
+            <a:r>
+              <a:rPr lang="en-US" dirty="0"/>
+              <a:t>: </a:t>
+            </a:r>
+            <a:r>
+              <a:rPr lang="en-US" dirty="0" err="1"/>
+              <a:t>Nguyễn</a:t>
+            </a:r>
+            <a:r>
+              <a:rPr lang="en-US" dirty="0"/>
+              <a:t> Duy </a:t>
+            </a:r>
+            <a:r>
+              <a:rPr lang="en-US" dirty="0" err="1"/>
+              <a:t>Hàn</a:t>
+            </a:r>
+            <a:r>
+              <a:rPr lang="en-US" dirty="0"/>
+              <a:t> </a:t>
+            </a:r>
+            <a:r>
+              <a:rPr lang="en-US" dirty="0" err="1"/>
+              <a:t>Lâm</a:t>
+            </a:r>
+            <a:r>
+              <a:rPr lang="en-US" dirty="0"/>
+              <a:t> (MSHV: 196005004)</a:t>
+            </a:r>
           </a:p>
         </p:txBody>
       </p:sp>
@@ -3127,7 +3276,7 @@
               <a:tabLst/>
             </a:pPr>
             <a:r>
-              <a:rPr kumimoji="0" lang="en-US" altLang="en-US" sz="2400" b="0" i="0" u="none" strike="noStrike" cap="none" normalizeH="0" baseline="0" smtClean="0">
+              <a:rPr kumimoji="0" lang="en-US" altLang="en-US" sz="2400" b="0" i="0" u="none" strike="noStrike" cap="none" normalizeH="0" baseline="0" dirty="0">
                 <a:ln>
                   <a:noFill/>
                 </a:ln>
@@ -3140,7 +3289,7 @@
               <a:t>TỔNG LIÊN ĐOÀN LAO ĐỘNG VIỆT NAM</a:t>
             </a:r>
             <a:r>
-              <a:rPr kumimoji="0" lang="en-US" altLang="en-US" sz="2400" b="1" i="0" u="none" strike="noStrike" cap="none" normalizeH="0" baseline="0" smtClean="0">
+              <a:rPr kumimoji="0" lang="en-US" altLang="en-US" sz="2400" b="1" i="0" u="none" strike="noStrike" cap="none" normalizeH="0" baseline="0" dirty="0">
                 <a:ln>
                   <a:noFill/>
                 </a:ln>
@@ -3171,7 +3320,7 @@
               <a:tabLst/>
             </a:pPr>
             <a:r>
-              <a:rPr kumimoji="0" lang="en-US" altLang="en-US" sz="2400" b="1" i="0" u="none" strike="noStrike" cap="none" normalizeH="0" baseline="0" smtClean="0">
+              <a:rPr kumimoji="0" lang="en-US" altLang="en-US" sz="2400" b="1" i="0" u="none" strike="noStrike" cap="none" normalizeH="0" baseline="0" dirty="0">
                 <a:ln>
                   <a:noFill/>
                 </a:ln>
@@ -3184,7 +3333,7 @@
               <a:t>TR</a:t>
             </a:r>
             <a:r>
-              <a:rPr kumimoji="0" lang="vi-VN" altLang="en-US" sz="2400" b="1" i="0" u="none" strike="noStrike" cap="none" normalizeH="0" baseline="0" smtClean="0">
+              <a:rPr kumimoji="0" lang="vi-VN" altLang="en-US" sz="2400" b="1" i="0" u="none" strike="noStrike" cap="none" normalizeH="0" baseline="0" dirty="0">
                 <a:ln>
                   <a:noFill/>
                 </a:ln>
@@ -3197,7 +3346,7 @@
               <a:t>ƯỜNG ĐẠI HỌC TÔN ĐỨC THẮNG</a:t>
             </a:r>
             <a:r>
-              <a:rPr kumimoji="0" lang="en-US" altLang="en-US" sz="2400" b="0" i="0" u="none" strike="noStrike" cap="none" normalizeH="0" baseline="0" smtClean="0">
+              <a:rPr kumimoji="0" lang="en-US" altLang="en-US" sz="2400" b="0" i="0" u="none" strike="noStrike" cap="none" normalizeH="0" baseline="0" dirty="0">
                 <a:ln>
                   <a:noFill/>
                 </a:ln>
@@ -3219,8 +3368,8 @@
         </p:nvSpPr>
         <p:spPr>
           <a:xfrm>
-            <a:off x="3199354" y="1863855"/>
-            <a:ext cx="6338723" cy="461665"/>
+            <a:off x="3610811" y="1863855"/>
+            <a:ext cx="5191036" cy="461665"/>
           </a:xfrm>
           <a:prstGeom prst="rect">
             <a:avLst/>
@@ -3233,13 +3382,15 @@
           <a:lstStyle/>
           <a:p>
             <a:r>
-              <a:rPr lang="en-US" sz="2400" b="1">
-                <a:latin typeface="Times New Roman" panose="02020603050405020304" pitchFamily="18" charset="0"/>
+              <a:rPr lang="en-US" sz="2400" b="1" dirty="0">
+                <a:latin typeface="Calibri (Body)"/>
                 <a:ea typeface="Times New Roman" panose="02020603050405020304" pitchFamily="18" charset="0"/>
               </a:rPr>
               <a:t>ĐỀ CƯƠNG CHI TIẾT LUẬN VĂN THẠC SĨ</a:t>
             </a:r>
-            <a:endParaRPr lang="en-US" sz="2400"/>
+            <a:endParaRPr lang="en-US" sz="2400" dirty="0">
+              <a:latin typeface="Calibri (Body)"/>
+            </a:endParaRPr>
           </a:p>
         </p:txBody>
       </p:sp>
@@ -3247,6 +3398,2484 @@
     <p:extLst>
       <p:ext uri="{BB962C8B-B14F-4D97-AF65-F5344CB8AC3E}">
         <p14:creationId xmlns:p14="http://schemas.microsoft.com/office/powerpoint/2010/main" val="3278390014"/>
+      </p:ext>
+    </p:extLst>
+  </p:cSld>
+  <p:clrMapOvr>
+    <a:masterClrMapping/>
+  </p:clrMapOvr>
+</p:sld>
+</file>
+
+<file path=ppt/slides/slide10.xml><?xml version="1.0" encoding="utf-8"?>
+<p:sld xmlns:a="http://schemas.openxmlformats.org/drawingml/2006/main" xmlns:r="http://schemas.openxmlformats.org/officeDocument/2006/relationships" xmlns:p="http://schemas.openxmlformats.org/presentationml/2006/main">
+  <p:cSld>
+    <p:spTree>
+      <p:nvGrpSpPr>
+        <p:cNvPr id="1" name=""/>
+        <p:cNvGrpSpPr/>
+        <p:nvPr/>
+      </p:nvGrpSpPr>
+      <p:grpSpPr>
+        <a:xfrm>
+          <a:off x="0" y="0"/>
+          <a:ext cx="0" cy="0"/>
+          <a:chOff x="0" y="0"/>
+          <a:chExt cx="0" cy="0"/>
+        </a:xfrm>
+      </p:grpSpPr>
+      <p:sp>
+        <p:nvSpPr>
+          <p:cNvPr id="2" name="Title 1">
+            <a:extLst>
+              <a:ext uri="{FF2B5EF4-FFF2-40B4-BE49-F238E27FC236}">
+                <a16:creationId xmlns:a16="http://schemas.microsoft.com/office/drawing/2014/main" id="{4AFCEFAE-D8F8-423A-8550-7D3DA8A571CC}"/>
+              </a:ext>
+            </a:extLst>
+          </p:cNvPr>
+          <p:cNvSpPr>
+            <a:spLocks noGrp="1"/>
+          </p:cNvSpPr>
+          <p:nvPr>
+            <p:ph type="title"/>
+          </p:nvPr>
+        </p:nvSpPr>
+        <p:spPr/>
+        <p:txBody>
+          <a:bodyPr/>
+          <a:lstStyle/>
+          <a:p>
+            <a:r>
+              <a:rPr lang="en-US" dirty="0"/>
+              <a:t>4. </a:t>
+            </a:r>
+            <a:r>
+              <a:rPr lang="en-US" dirty="0" err="1"/>
+              <a:t>Phương</a:t>
+            </a:r>
+            <a:r>
+              <a:rPr lang="en-US" dirty="0"/>
+              <a:t> </a:t>
+            </a:r>
+            <a:r>
+              <a:rPr lang="en-US" dirty="0" err="1"/>
+              <a:t>pháp</a:t>
+            </a:r>
+            <a:r>
+              <a:rPr lang="en-US" dirty="0"/>
+              <a:t> </a:t>
+            </a:r>
+            <a:r>
+              <a:rPr lang="en-US" dirty="0" err="1"/>
+              <a:t>nghiên</a:t>
+            </a:r>
+            <a:r>
+              <a:rPr lang="en-US" dirty="0"/>
+              <a:t> </a:t>
+            </a:r>
+            <a:r>
+              <a:rPr lang="en-US" dirty="0" err="1"/>
+              <a:t>cứu</a:t>
+            </a:r>
+            <a:endParaRPr lang="en-US" dirty="0"/>
+          </a:p>
+        </p:txBody>
+      </p:sp>
+      <p:sp>
+        <p:nvSpPr>
+          <p:cNvPr id="3" name="Content Placeholder 2">
+            <a:extLst>
+              <a:ext uri="{FF2B5EF4-FFF2-40B4-BE49-F238E27FC236}">
+                <a16:creationId xmlns:a16="http://schemas.microsoft.com/office/drawing/2014/main" id="{4B45652F-711B-4FB8-A83D-2AA809023C19}"/>
+              </a:ext>
+            </a:extLst>
+          </p:cNvPr>
+          <p:cNvSpPr>
+            <a:spLocks noGrp="1"/>
+          </p:cNvSpPr>
+          <p:nvPr>
+            <p:ph idx="1"/>
+          </p:nvPr>
+        </p:nvSpPr>
+        <p:spPr/>
+        <p:txBody>
+          <a:bodyPr/>
+          <a:lstStyle/>
+          <a:p>
+            <a:pPr marL="0" indent="0">
+              <a:buNone/>
+            </a:pPr>
+            <a:r>
+              <a:rPr lang="en-US" dirty="0" err="1"/>
+              <a:t>Phương</a:t>
+            </a:r>
+            <a:r>
+              <a:rPr lang="en-US" dirty="0"/>
+              <a:t> </a:t>
+            </a:r>
+            <a:r>
+              <a:rPr lang="en-US" dirty="0" err="1"/>
+              <a:t>pháp</a:t>
+            </a:r>
+            <a:r>
+              <a:rPr lang="en-US" dirty="0"/>
+              <a:t> </a:t>
+            </a:r>
+            <a:r>
+              <a:rPr lang="en-US" dirty="0" err="1"/>
+              <a:t>nghiên</a:t>
+            </a:r>
+            <a:r>
+              <a:rPr lang="en-US" dirty="0"/>
+              <a:t> </a:t>
+            </a:r>
+            <a:r>
+              <a:rPr lang="en-US" dirty="0" err="1"/>
+              <a:t>cứu</a:t>
+            </a:r>
+            <a:r>
+              <a:rPr lang="en-US" dirty="0"/>
+              <a:t> </a:t>
+            </a:r>
+            <a:r>
+              <a:rPr lang="en-US" dirty="0" err="1"/>
+              <a:t>lý</a:t>
+            </a:r>
+            <a:r>
+              <a:rPr lang="en-US" dirty="0"/>
+              <a:t> </a:t>
+            </a:r>
+            <a:r>
+              <a:rPr lang="en-US" dirty="0" err="1"/>
+              <a:t>thuyết</a:t>
+            </a:r>
+            <a:r>
+              <a:rPr lang="en-US" dirty="0"/>
+              <a:t>:</a:t>
+            </a:r>
+          </a:p>
+          <a:p>
+            <a:r>
+              <a:rPr lang="en-US" dirty="0" err="1"/>
+              <a:t>Nghiên</a:t>
+            </a:r>
+            <a:r>
+              <a:rPr lang="en-US" dirty="0"/>
+              <a:t> </a:t>
+            </a:r>
+            <a:r>
+              <a:rPr lang="en-US" dirty="0" err="1"/>
+              <a:t>cứu</a:t>
+            </a:r>
+            <a:r>
+              <a:rPr lang="en-US" dirty="0"/>
+              <a:t> </a:t>
+            </a:r>
+            <a:r>
+              <a:rPr lang="en-US" dirty="0" err="1"/>
+              <a:t>các</a:t>
+            </a:r>
+            <a:r>
+              <a:rPr lang="en-US" dirty="0"/>
+              <a:t> </a:t>
+            </a:r>
+            <a:r>
+              <a:rPr lang="en-US" dirty="0" err="1"/>
+              <a:t>kĩ</a:t>
+            </a:r>
+            <a:r>
+              <a:rPr lang="en-US" dirty="0"/>
+              <a:t> </a:t>
+            </a:r>
+            <a:r>
+              <a:rPr lang="en-US" dirty="0" err="1"/>
+              <a:t>thuật</a:t>
+            </a:r>
+            <a:r>
+              <a:rPr lang="en-US" dirty="0"/>
+              <a:t> </a:t>
+            </a:r>
+            <a:r>
+              <a:rPr lang="en-US" dirty="0" err="1"/>
+              <a:t>liên</a:t>
+            </a:r>
+            <a:r>
+              <a:rPr lang="en-US" dirty="0"/>
+              <a:t> </a:t>
+            </a:r>
+            <a:r>
+              <a:rPr lang="en-US" dirty="0" err="1"/>
+              <a:t>quan</a:t>
+            </a:r>
+            <a:r>
+              <a:rPr lang="en-US" dirty="0"/>
+              <a:t> </a:t>
+            </a:r>
+            <a:r>
+              <a:rPr lang="en-US" dirty="0" err="1"/>
+              <a:t>về</a:t>
+            </a:r>
+            <a:r>
+              <a:rPr lang="en-US" dirty="0"/>
+              <a:t> </a:t>
+            </a:r>
+            <a:r>
+              <a:rPr lang="en-US" dirty="0" err="1"/>
+              <a:t>gióng</a:t>
+            </a:r>
+            <a:r>
+              <a:rPr lang="en-US" dirty="0"/>
+              <a:t> </a:t>
+            </a:r>
+            <a:r>
+              <a:rPr lang="en-US" dirty="0" err="1"/>
+              <a:t>hàng</a:t>
+            </a:r>
+            <a:r>
+              <a:rPr lang="en-US" dirty="0"/>
+              <a:t> </a:t>
+            </a:r>
+            <a:r>
+              <a:rPr lang="en-US" dirty="0" err="1"/>
+              <a:t>từ</a:t>
+            </a:r>
+            <a:r>
+              <a:rPr lang="en-US" dirty="0"/>
+              <a:t> </a:t>
+            </a:r>
+            <a:r>
+              <a:rPr lang="en-US" dirty="0" err="1"/>
+              <a:t>và</a:t>
+            </a:r>
+            <a:r>
+              <a:rPr lang="en-US" dirty="0"/>
+              <a:t> </a:t>
+            </a:r>
+            <a:r>
+              <a:rPr lang="en-US" dirty="0" err="1"/>
+              <a:t>áp</a:t>
+            </a:r>
+            <a:r>
+              <a:rPr lang="en-US" dirty="0"/>
+              <a:t> </a:t>
+            </a:r>
+            <a:r>
+              <a:rPr lang="en-US" dirty="0" err="1"/>
+              <a:t>dụng</a:t>
+            </a:r>
+            <a:r>
+              <a:rPr lang="en-US" dirty="0"/>
+              <a:t> </a:t>
+            </a:r>
+            <a:r>
+              <a:rPr lang="en-US" dirty="0" err="1"/>
+              <a:t>gióng</a:t>
+            </a:r>
+            <a:r>
+              <a:rPr lang="en-US" dirty="0"/>
+              <a:t> </a:t>
+            </a:r>
+            <a:r>
+              <a:rPr lang="en-US" dirty="0" err="1"/>
+              <a:t>hàng</a:t>
+            </a:r>
+            <a:r>
+              <a:rPr lang="en-US" dirty="0"/>
+              <a:t> </a:t>
+            </a:r>
+            <a:r>
+              <a:rPr lang="en-US" dirty="0" err="1"/>
+              <a:t>từ</a:t>
+            </a:r>
+            <a:r>
+              <a:rPr lang="en-US" dirty="0"/>
+              <a:t> </a:t>
+            </a:r>
+            <a:r>
+              <a:rPr lang="en-US" dirty="0" err="1"/>
+              <a:t>vào</a:t>
+            </a:r>
+            <a:r>
+              <a:rPr lang="en-US" dirty="0"/>
+              <a:t> </a:t>
+            </a:r>
+            <a:r>
+              <a:rPr lang="en-US" dirty="0" err="1"/>
+              <a:t>mô</a:t>
+            </a:r>
+            <a:r>
+              <a:rPr lang="en-US" dirty="0"/>
+              <a:t> </a:t>
+            </a:r>
+            <a:r>
+              <a:rPr lang="en-US" dirty="0" err="1"/>
+              <a:t>hình</a:t>
+            </a:r>
+            <a:r>
+              <a:rPr lang="en-US" dirty="0"/>
+              <a:t> </a:t>
+            </a:r>
+            <a:r>
+              <a:rPr lang="en-US" dirty="0" err="1"/>
+              <a:t>dịch</a:t>
+            </a:r>
+            <a:r>
+              <a:rPr lang="en-US" dirty="0"/>
+              <a:t> </a:t>
+            </a:r>
+            <a:r>
+              <a:rPr lang="en-US" dirty="0" err="1"/>
+              <a:t>máy</a:t>
+            </a:r>
+            <a:r>
+              <a:rPr lang="en-US" dirty="0"/>
+              <a:t>.</a:t>
+            </a:r>
+          </a:p>
+          <a:p>
+            <a:pPr marL="0" indent="0">
+              <a:buNone/>
+            </a:pPr>
+            <a:r>
+              <a:rPr lang="en-US" dirty="0" err="1"/>
+              <a:t>Phương</a:t>
+            </a:r>
+            <a:r>
+              <a:rPr lang="en-US" dirty="0"/>
+              <a:t> </a:t>
+            </a:r>
+            <a:r>
+              <a:rPr lang="en-US" dirty="0" err="1"/>
+              <a:t>pháp</a:t>
+            </a:r>
+            <a:r>
+              <a:rPr lang="en-US" dirty="0"/>
+              <a:t> </a:t>
+            </a:r>
+            <a:r>
+              <a:rPr lang="en-US" dirty="0" err="1"/>
+              <a:t>nghiên</a:t>
+            </a:r>
+            <a:r>
+              <a:rPr lang="en-US" dirty="0"/>
+              <a:t> </a:t>
+            </a:r>
+            <a:r>
+              <a:rPr lang="en-US" dirty="0" err="1"/>
+              <a:t>cứu</a:t>
+            </a:r>
+            <a:r>
+              <a:rPr lang="en-US" dirty="0"/>
+              <a:t> </a:t>
+            </a:r>
+            <a:r>
+              <a:rPr lang="en-US" dirty="0" err="1"/>
+              <a:t>thực</a:t>
+            </a:r>
+            <a:r>
+              <a:rPr lang="en-US" dirty="0"/>
+              <a:t> </a:t>
+            </a:r>
+            <a:r>
+              <a:rPr lang="en-US" dirty="0" err="1"/>
+              <a:t>nghiệm</a:t>
+            </a:r>
+            <a:r>
+              <a:rPr lang="en-US" dirty="0"/>
+              <a:t>:</a:t>
+            </a:r>
+          </a:p>
+          <a:p>
+            <a:r>
+              <a:rPr lang="en-US" dirty="0"/>
+              <a:t>Thu </a:t>
+            </a:r>
+            <a:r>
+              <a:rPr lang="en-US" dirty="0" err="1"/>
+              <a:t>thập</a:t>
+            </a:r>
+            <a:r>
+              <a:rPr lang="en-US" dirty="0"/>
+              <a:t> </a:t>
+            </a:r>
+            <a:r>
+              <a:rPr lang="en-US" dirty="0" err="1"/>
+              <a:t>các</a:t>
+            </a:r>
+            <a:r>
+              <a:rPr lang="en-US" dirty="0"/>
+              <a:t> </a:t>
+            </a:r>
+            <a:r>
+              <a:rPr lang="en-US" dirty="0" err="1"/>
+              <a:t>dữ</a:t>
+            </a:r>
+            <a:r>
+              <a:rPr lang="en-US" dirty="0"/>
+              <a:t> </a:t>
+            </a:r>
+            <a:r>
+              <a:rPr lang="en-US" dirty="0" err="1"/>
+              <a:t>liệu</a:t>
+            </a:r>
+            <a:r>
+              <a:rPr lang="en-US" dirty="0"/>
+              <a:t> </a:t>
+            </a:r>
+            <a:r>
+              <a:rPr lang="en-US" dirty="0" err="1"/>
+              <a:t>văn</a:t>
+            </a:r>
+            <a:r>
+              <a:rPr lang="en-US" dirty="0"/>
+              <a:t> </a:t>
+            </a:r>
+            <a:r>
+              <a:rPr lang="en-US" dirty="0" err="1"/>
+              <a:t>bản</a:t>
+            </a:r>
+            <a:r>
+              <a:rPr lang="en-US" dirty="0"/>
+              <a:t> song </a:t>
+            </a:r>
+            <a:r>
+              <a:rPr lang="en-US" dirty="0" err="1"/>
+              <a:t>ngữ</a:t>
+            </a:r>
+            <a:r>
+              <a:rPr lang="en-US" dirty="0"/>
+              <a:t> </a:t>
+            </a:r>
+            <a:r>
+              <a:rPr lang="en-US" dirty="0" err="1"/>
+              <a:t>Việt</a:t>
+            </a:r>
+            <a:r>
+              <a:rPr lang="en-US" dirty="0"/>
+              <a:t>-Anh (The International Workshop on Spoken Language Translation 2015 (IWSLT 2015))</a:t>
+            </a:r>
+          </a:p>
+          <a:p>
+            <a:r>
+              <a:rPr lang="en-US" dirty="0" err="1"/>
+              <a:t>Tiến</a:t>
+            </a:r>
+            <a:r>
+              <a:rPr lang="en-US" dirty="0"/>
+              <a:t> </a:t>
+            </a:r>
+            <a:r>
+              <a:rPr lang="en-US" dirty="0" err="1"/>
+              <a:t>hành</a:t>
+            </a:r>
+            <a:r>
+              <a:rPr lang="en-US" dirty="0"/>
+              <a:t> </a:t>
+            </a:r>
+            <a:r>
+              <a:rPr lang="en-US" dirty="0" err="1"/>
+              <a:t>cài</a:t>
+            </a:r>
+            <a:r>
+              <a:rPr lang="en-US" dirty="0"/>
+              <a:t> </a:t>
+            </a:r>
+            <a:r>
+              <a:rPr lang="en-US" dirty="0" err="1"/>
+              <a:t>đặt</a:t>
+            </a:r>
+            <a:r>
+              <a:rPr lang="en-US" dirty="0"/>
+              <a:t>, </a:t>
+            </a:r>
+            <a:r>
+              <a:rPr lang="en-US" dirty="0" err="1"/>
+              <a:t>thực</a:t>
+            </a:r>
+            <a:r>
+              <a:rPr lang="en-US" dirty="0"/>
+              <a:t> </a:t>
+            </a:r>
+            <a:r>
+              <a:rPr lang="en-US" dirty="0" err="1"/>
+              <a:t>thi</a:t>
+            </a:r>
+            <a:r>
+              <a:rPr lang="en-US" dirty="0"/>
+              <a:t>, </a:t>
+            </a:r>
+            <a:r>
+              <a:rPr lang="en-US" dirty="0" err="1"/>
+              <a:t>áp</a:t>
+            </a:r>
+            <a:r>
+              <a:rPr lang="en-US" dirty="0"/>
+              <a:t> </a:t>
+            </a:r>
+            <a:r>
+              <a:rPr lang="en-US" dirty="0" err="1"/>
+              <a:t>dụng</a:t>
+            </a:r>
+            <a:r>
+              <a:rPr lang="en-US" dirty="0"/>
+              <a:t> </a:t>
+            </a:r>
+            <a:r>
+              <a:rPr lang="en-US" dirty="0" err="1"/>
+              <a:t>các</a:t>
+            </a:r>
+            <a:r>
+              <a:rPr lang="en-US" dirty="0"/>
+              <a:t> </a:t>
+            </a:r>
+            <a:r>
+              <a:rPr lang="en-US" dirty="0" err="1"/>
+              <a:t>nghiên</a:t>
+            </a:r>
+            <a:r>
+              <a:rPr lang="en-US" dirty="0"/>
+              <a:t> </a:t>
+            </a:r>
+            <a:r>
+              <a:rPr lang="en-US" dirty="0" err="1"/>
+              <a:t>cứu</a:t>
+            </a:r>
+            <a:r>
+              <a:rPr lang="en-US" dirty="0"/>
+              <a:t> </a:t>
+            </a:r>
+            <a:r>
+              <a:rPr lang="en-US" dirty="0" err="1"/>
+              <a:t>lý</a:t>
+            </a:r>
+            <a:r>
+              <a:rPr lang="en-US" dirty="0"/>
+              <a:t> </a:t>
+            </a:r>
+            <a:r>
+              <a:rPr lang="en-US" dirty="0" err="1"/>
+              <a:t>thuyết</a:t>
+            </a:r>
+            <a:r>
+              <a:rPr lang="en-US" dirty="0"/>
+              <a:t> </a:t>
+            </a:r>
+            <a:r>
+              <a:rPr lang="en-US" dirty="0" err="1"/>
+              <a:t>vào</a:t>
+            </a:r>
+            <a:r>
+              <a:rPr lang="en-US" dirty="0"/>
+              <a:t> </a:t>
+            </a:r>
+            <a:r>
+              <a:rPr lang="en-US" dirty="0" err="1"/>
+              <a:t>tập</a:t>
+            </a:r>
+            <a:r>
+              <a:rPr lang="en-US" dirty="0"/>
+              <a:t> </a:t>
+            </a:r>
+            <a:r>
+              <a:rPr lang="en-US" dirty="0" err="1"/>
+              <a:t>dữ</a:t>
+            </a:r>
+            <a:r>
+              <a:rPr lang="en-US" dirty="0"/>
+              <a:t> </a:t>
+            </a:r>
+            <a:r>
+              <a:rPr lang="en-US" dirty="0" err="1"/>
+              <a:t>liệu</a:t>
+            </a:r>
+            <a:r>
+              <a:rPr lang="en-US" dirty="0"/>
+              <a:t> </a:t>
+            </a:r>
+            <a:r>
+              <a:rPr lang="en-US" dirty="0" err="1"/>
+              <a:t>thu</a:t>
+            </a:r>
+            <a:r>
+              <a:rPr lang="en-US" dirty="0"/>
+              <a:t> </a:t>
+            </a:r>
+            <a:r>
+              <a:rPr lang="en-US" dirty="0" err="1"/>
+              <a:t>được</a:t>
+            </a:r>
+            <a:r>
+              <a:rPr lang="en-US" dirty="0"/>
+              <a:t>.</a:t>
+            </a:r>
+          </a:p>
+          <a:p>
+            <a:r>
+              <a:rPr lang="en-US" dirty="0"/>
+              <a:t>Thu </a:t>
+            </a:r>
+            <a:r>
+              <a:rPr lang="en-US" dirty="0" err="1"/>
+              <a:t>thập</a:t>
+            </a:r>
+            <a:r>
+              <a:rPr lang="en-US" dirty="0"/>
+              <a:t> </a:t>
+            </a:r>
+            <a:r>
+              <a:rPr lang="en-US" dirty="0" err="1"/>
+              <a:t>kết</a:t>
+            </a:r>
+            <a:r>
+              <a:rPr lang="en-US" dirty="0"/>
+              <a:t> </a:t>
+            </a:r>
+            <a:r>
+              <a:rPr lang="en-US" dirty="0" err="1"/>
+              <a:t>quả</a:t>
+            </a:r>
+            <a:r>
+              <a:rPr lang="en-US" dirty="0"/>
+              <a:t> </a:t>
+            </a:r>
+            <a:r>
+              <a:rPr lang="en-US" dirty="0" err="1"/>
+              <a:t>và</a:t>
+            </a:r>
+            <a:r>
+              <a:rPr lang="en-US" dirty="0"/>
+              <a:t> </a:t>
+            </a:r>
+            <a:r>
+              <a:rPr lang="en-US" dirty="0" err="1"/>
+              <a:t>đánh</a:t>
+            </a:r>
+            <a:r>
+              <a:rPr lang="en-US" dirty="0"/>
+              <a:t> </a:t>
+            </a:r>
+            <a:r>
+              <a:rPr lang="en-US" dirty="0" err="1"/>
+              <a:t>giá</a:t>
+            </a:r>
+            <a:r>
+              <a:rPr lang="en-US" dirty="0"/>
+              <a:t> </a:t>
+            </a:r>
+            <a:r>
+              <a:rPr lang="en-US" dirty="0" err="1"/>
+              <a:t>giữa</a:t>
+            </a:r>
+            <a:r>
+              <a:rPr lang="en-US" dirty="0"/>
+              <a:t> </a:t>
+            </a:r>
+            <a:r>
+              <a:rPr lang="en-US" dirty="0" err="1"/>
+              <a:t>các</a:t>
+            </a:r>
+            <a:r>
+              <a:rPr lang="en-US" dirty="0"/>
+              <a:t> </a:t>
+            </a:r>
+            <a:r>
+              <a:rPr lang="en-US" dirty="0" err="1"/>
+              <a:t>phương</a:t>
+            </a:r>
+            <a:r>
+              <a:rPr lang="en-US" dirty="0"/>
+              <a:t> </a:t>
+            </a:r>
+            <a:r>
+              <a:rPr lang="en-US" dirty="0" err="1"/>
+              <a:t>pháp</a:t>
+            </a:r>
+            <a:r>
+              <a:rPr lang="en-US" dirty="0"/>
+              <a:t>.</a:t>
+            </a:r>
+          </a:p>
+        </p:txBody>
+      </p:sp>
+    </p:spTree>
+    <p:extLst>
+      <p:ext uri="{BB962C8B-B14F-4D97-AF65-F5344CB8AC3E}">
+        <p14:creationId xmlns:p14="http://schemas.microsoft.com/office/powerpoint/2010/main" val="3487071607"/>
+      </p:ext>
+    </p:extLst>
+  </p:cSld>
+  <p:clrMapOvr>
+    <a:masterClrMapping/>
+  </p:clrMapOvr>
+</p:sld>
+</file>
+
+<file path=ppt/slides/slide11.xml><?xml version="1.0" encoding="utf-8"?>
+<p:sld xmlns:a="http://schemas.openxmlformats.org/drawingml/2006/main" xmlns:r="http://schemas.openxmlformats.org/officeDocument/2006/relationships" xmlns:p="http://schemas.openxmlformats.org/presentationml/2006/main">
+  <p:cSld>
+    <p:spTree>
+      <p:nvGrpSpPr>
+        <p:cNvPr id="1" name=""/>
+        <p:cNvGrpSpPr/>
+        <p:nvPr/>
+      </p:nvGrpSpPr>
+      <p:grpSpPr>
+        <a:xfrm>
+          <a:off x="0" y="0"/>
+          <a:ext cx="0" cy="0"/>
+          <a:chOff x="0" y="0"/>
+          <a:chExt cx="0" cy="0"/>
+        </a:xfrm>
+      </p:grpSpPr>
+      <p:sp>
+        <p:nvSpPr>
+          <p:cNvPr id="2" name="Title 1">
+            <a:extLst>
+              <a:ext uri="{FF2B5EF4-FFF2-40B4-BE49-F238E27FC236}">
+                <a16:creationId xmlns:a16="http://schemas.microsoft.com/office/drawing/2014/main" id="{23544A77-B02E-4854-97F9-5BA33F2BEA88}"/>
+              </a:ext>
+            </a:extLst>
+          </p:cNvPr>
+          <p:cNvSpPr>
+            <a:spLocks noGrp="1"/>
+          </p:cNvSpPr>
+          <p:nvPr>
+            <p:ph type="title"/>
+          </p:nvPr>
+        </p:nvSpPr>
+        <p:spPr/>
+        <p:txBody>
+          <a:bodyPr/>
+          <a:lstStyle/>
+          <a:p>
+            <a:r>
+              <a:rPr lang="en-US" dirty="0"/>
+              <a:t>5. </a:t>
+            </a:r>
+            <a:r>
+              <a:rPr lang="en-US" dirty="0" err="1"/>
+              <a:t>Phạm</a:t>
+            </a:r>
+            <a:r>
+              <a:rPr lang="en-US" dirty="0"/>
+              <a:t> vi </a:t>
+            </a:r>
+            <a:r>
+              <a:rPr lang="en-US" dirty="0" err="1"/>
+              <a:t>nghiên</a:t>
+            </a:r>
+            <a:r>
+              <a:rPr lang="en-US" dirty="0"/>
+              <a:t> </a:t>
+            </a:r>
+            <a:r>
+              <a:rPr lang="en-US" dirty="0" err="1"/>
+              <a:t>cứu</a:t>
+            </a:r>
+            <a:endParaRPr lang="en-US" dirty="0"/>
+          </a:p>
+        </p:txBody>
+      </p:sp>
+      <p:sp>
+        <p:nvSpPr>
+          <p:cNvPr id="3" name="Content Placeholder 2">
+            <a:extLst>
+              <a:ext uri="{FF2B5EF4-FFF2-40B4-BE49-F238E27FC236}">
+                <a16:creationId xmlns:a16="http://schemas.microsoft.com/office/drawing/2014/main" id="{4946A4B5-8233-4990-B529-FDBB0E8ACDA6}"/>
+              </a:ext>
+            </a:extLst>
+          </p:cNvPr>
+          <p:cNvSpPr>
+            <a:spLocks noGrp="1"/>
+          </p:cNvSpPr>
+          <p:nvPr>
+            <p:ph idx="1"/>
+          </p:nvPr>
+        </p:nvSpPr>
+        <p:spPr/>
+        <p:txBody>
+          <a:bodyPr/>
+          <a:lstStyle/>
+          <a:p>
+            <a:r>
+              <a:rPr lang="en-US" dirty="0" err="1"/>
+              <a:t>Các</a:t>
+            </a:r>
+            <a:r>
+              <a:rPr lang="en-US" dirty="0"/>
+              <a:t> </a:t>
+            </a:r>
+            <a:r>
+              <a:rPr lang="en-US" dirty="0" err="1"/>
+              <a:t>mô</a:t>
+            </a:r>
+            <a:r>
+              <a:rPr lang="en-US" dirty="0"/>
+              <a:t> </a:t>
+            </a:r>
+            <a:r>
+              <a:rPr lang="en-US" dirty="0" err="1"/>
+              <a:t>hình</a:t>
+            </a:r>
+            <a:r>
+              <a:rPr lang="en-US" dirty="0"/>
+              <a:t> </a:t>
+            </a:r>
+            <a:r>
+              <a:rPr lang="en-US" dirty="0" err="1"/>
+              <a:t>dịch</a:t>
+            </a:r>
+            <a:r>
+              <a:rPr lang="en-US" dirty="0"/>
+              <a:t> </a:t>
+            </a:r>
+            <a:r>
+              <a:rPr lang="en-US" dirty="0" err="1"/>
+              <a:t>máy</a:t>
+            </a:r>
+            <a:r>
+              <a:rPr lang="en-US" dirty="0"/>
+              <a:t>.</a:t>
+            </a:r>
+          </a:p>
+          <a:p>
+            <a:r>
+              <a:rPr lang="en-US" dirty="0" err="1"/>
+              <a:t>Các</a:t>
+            </a:r>
+            <a:r>
+              <a:rPr lang="en-US" dirty="0"/>
+              <a:t> </a:t>
+            </a:r>
+            <a:r>
+              <a:rPr lang="en-US" dirty="0" err="1"/>
+              <a:t>kĩ</a:t>
+            </a:r>
+            <a:r>
+              <a:rPr lang="en-US" dirty="0"/>
+              <a:t> </a:t>
+            </a:r>
+            <a:r>
+              <a:rPr lang="en-US" dirty="0" err="1"/>
+              <a:t>thuật</a:t>
+            </a:r>
+            <a:r>
+              <a:rPr lang="en-US" dirty="0"/>
+              <a:t> </a:t>
+            </a:r>
+            <a:r>
+              <a:rPr lang="en-US" dirty="0" err="1"/>
+              <a:t>gióng</a:t>
+            </a:r>
+            <a:r>
+              <a:rPr lang="en-US" dirty="0"/>
+              <a:t> </a:t>
+            </a:r>
+            <a:r>
+              <a:rPr lang="en-US" dirty="0" err="1"/>
+              <a:t>hàng</a:t>
+            </a:r>
+            <a:r>
+              <a:rPr lang="en-US" dirty="0"/>
+              <a:t> </a:t>
+            </a:r>
+            <a:r>
+              <a:rPr lang="en-US" dirty="0" err="1"/>
+              <a:t>từ</a:t>
+            </a:r>
+            <a:r>
+              <a:rPr lang="en-US" dirty="0"/>
+              <a:t>.</a:t>
+            </a:r>
+          </a:p>
+          <a:p>
+            <a:r>
+              <a:rPr lang="en-US" dirty="0" err="1"/>
+              <a:t>Các</a:t>
+            </a:r>
+            <a:r>
+              <a:rPr lang="en-US" dirty="0"/>
+              <a:t> </a:t>
+            </a:r>
+            <a:r>
+              <a:rPr lang="en-US" dirty="0" err="1"/>
+              <a:t>kĩ</a:t>
+            </a:r>
+            <a:r>
+              <a:rPr lang="en-US" dirty="0"/>
+              <a:t> </a:t>
+            </a:r>
+            <a:r>
+              <a:rPr lang="en-US" dirty="0" err="1"/>
+              <a:t>thuật</a:t>
+            </a:r>
+            <a:r>
+              <a:rPr lang="en-US" dirty="0"/>
+              <a:t> </a:t>
+            </a:r>
+            <a:r>
+              <a:rPr lang="en-US" dirty="0" err="1"/>
+              <a:t>kết</a:t>
+            </a:r>
+            <a:r>
+              <a:rPr lang="en-US" dirty="0"/>
+              <a:t> </a:t>
+            </a:r>
+            <a:r>
+              <a:rPr lang="en-US" dirty="0" err="1"/>
+              <a:t>hợp</a:t>
+            </a:r>
+            <a:r>
+              <a:rPr lang="en-US" dirty="0"/>
+              <a:t> </a:t>
+            </a:r>
+            <a:r>
+              <a:rPr lang="en-US" dirty="0" err="1"/>
+              <a:t>và</a:t>
+            </a:r>
+            <a:r>
+              <a:rPr lang="en-US" dirty="0"/>
+              <a:t> </a:t>
+            </a:r>
+            <a:r>
+              <a:rPr lang="en-US" dirty="0" err="1"/>
+              <a:t>áp</a:t>
+            </a:r>
+            <a:r>
+              <a:rPr lang="en-US" dirty="0"/>
+              <a:t> </a:t>
+            </a:r>
+            <a:r>
+              <a:rPr lang="en-US" dirty="0" err="1"/>
+              <a:t>dụng</a:t>
+            </a:r>
+            <a:r>
+              <a:rPr lang="en-US" dirty="0"/>
+              <a:t> </a:t>
+            </a:r>
+            <a:r>
+              <a:rPr lang="en-US" dirty="0" err="1"/>
+              <a:t>gióng</a:t>
+            </a:r>
+            <a:r>
+              <a:rPr lang="en-US" dirty="0"/>
+              <a:t> </a:t>
+            </a:r>
+            <a:r>
+              <a:rPr lang="en-US" dirty="0" err="1"/>
+              <a:t>hàng</a:t>
+            </a:r>
+            <a:r>
+              <a:rPr lang="en-US" dirty="0"/>
+              <a:t> </a:t>
+            </a:r>
+            <a:r>
+              <a:rPr lang="en-US" dirty="0" err="1"/>
+              <a:t>từ</a:t>
+            </a:r>
+            <a:r>
+              <a:rPr lang="en-US" dirty="0"/>
+              <a:t> </a:t>
+            </a:r>
+            <a:r>
+              <a:rPr lang="en-US" dirty="0" err="1"/>
+              <a:t>vào</a:t>
+            </a:r>
+            <a:r>
+              <a:rPr lang="en-US" dirty="0"/>
+              <a:t> </a:t>
+            </a:r>
+            <a:r>
+              <a:rPr lang="en-US" dirty="0" err="1"/>
+              <a:t>mô</a:t>
+            </a:r>
+            <a:r>
+              <a:rPr lang="en-US" dirty="0"/>
+              <a:t> </a:t>
+            </a:r>
+            <a:r>
+              <a:rPr lang="en-US" dirty="0" err="1"/>
+              <a:t>hình</a:t>
+            </a:r>
+            <a:r>
+              <a:rPr lang="en-US" dirty="0"/>
+              <a:t> </a:t>
+            </a:r>
+            <a:r>
+              <a:rPr lang="en-US" dirty="0" err="1"/>
+              <a:t>dịch</a:t>
+            </a:r>
+            <a:r>
+              <a:rPr lang="en-US" dirty="0"/>
+              <a:t> </a:t>
+            </a:r>
+            <a:r>
+              <a:rPr lang="en-US" dirty="0" err="1"/>
+              <a:t>máy</a:t>
+            </a:r>
+            <a:r>
+              <a:rPr lang="en-US" dirty="0"/>
+              <a:t> </a:t>
+            </a:r>
+            <a:r>
+              <a:rPr lang="en-US" dirty="0" err="1"/>
+              <a:t>nhằm</a:t>
+            </a:r>
+            <a:r>
+              <a:rPr lang="en-US" dirty="0"/>
+              <a:t> </a:t>
+            </a:r>
+            <a:r>
+              <a:rPr lang="en-US" dirty="0" err="1"/>
+              <a:t>cải</a:t>
+            </a:r>
+            <a:r>
+              <a:rPr lang="en-US" dirty="0"/>
+              <a:t> </a:t>
+            </a:r>
+            <a:r>
+              <a:rPr lang="en-US" dirty="0" err="1"/>
+              <a:t>thiện</a:t>
+            </a:r>
+            <a:r>
+              <a:rPr lang="en-US" dirty="0"/>
+              <a:t> </a:t>
+            </a:r>
+            <a:r>
+              <a:rPr lang="en-US" dirty="0" err="1"/>
+              <a:t>chất</a:t>
+            </a:r>
+            <a:r>
+              <a:rPr lang="en-US" dirty="0"/>
+              <a:t> </a:t>
+            </a:r>
+            <a:r>
+              <a:rPr lang="en-US" dirty="0" err="1"/>
+              <a:t>lượng</a:t>
+            </a:r>
+            <a:r>
+              <a:rPr lang="en-US" dirty="0"/>
+              <a:t> </a:t>
+            </a:r>
+            <a:r>
+              <a:rPr lang="en-US" dirty="0" err="1"/>
+              <a:t>dịch</a:t>
+            </a:r>
+            <a:r>
+              <a:rPr lang="en-US" dirty="0"/>
+              <a:t>.</a:t>
+            </a:r>
+          </a:p>
+        </p:txBody>
+      </p:sp>
+    </p:spTree>
+    <p:extLst>
+      <p:ext uri="{BB962C8B-B14F-4D97-AF65-F5344CB8AC3E}">
+        <p14:creationId xmlns:p14="http://schemas.microsoft.com/office/powerpoint/2010/main" val="777940171"/>
+      </p:ext>
+    </p:extLst>
+  </p:cSld>
+  <p:clrMapOvr>
+    <a:masterClrMapping/>
+  </p:clrMapOvr>
+</p:sld>
+</file>
+
+<file path=ppt/slides/slide12.xml><?xml version="1.0" encoding="utf-8"?>
+<p:sld xmlns:a="http://schemas.openxmlformats.org/drawingml/2006/main" xmlns:r="http://schemas.openxmlformats.org/officeDocument/2006/relationships" xmlns:p="http://schemas.openxmlformats.org/presentationml/2006/main">
+  <p:cSld>
+    <p:spTree>
+      <p:nvGrpSpPr>
+        <p:cNvPr id="1" name=""/>
+        <p:cNvGrpSpPr/>
+        <p:nvPr/>
+      </p:nvGrpSpPr>
+      <p:grpSpPr>
+        <a:xfrm>
+          <a:off x="0" y="0"/>
+          <a:ext cx="0" cy="0"/>
+          <a:chOff x="0" y="0"/>
+          <a:chExt cx="0" cy="0"/>
+        </a:xfrm>
+      </p:grpSpPr>
+      <p:sp>
+        <p:nvSpPr>
+          <p:cNvPr id="2" name="Title 1">
+            <a:extLst>
+              <a:ext uri="{FF2B5EF4-FFF2-40B4-BE49-F238E27FC236}">
+                <a16:creationId xmlns:a16="http://schemas.microsoft.com/office/drawing/2014/main" id="{ECA3BCD8-7AB0-4EE3-90F9-CD4EE6ABE5A2}"/>
+              </a:ext>
+            </a:extLst>
+          </p:cNvPr>
+          <p:cNvSpPr>
+            <a:spLocks noGrp="1"/>
+          </p:cNvSpPr>
+          <p:nvPr>
+            <p:ph type="title"/>
+          </p:nvPr>
+        </p:nvSpPr>
+        <p:spPr/>
+        <p:txBody>
+          <a:bodyPr/>
+          <a:lstStyle/>
+          <a:p>
+            <a:r>
+              <a:rPr lang="en-US" dirty="0"/>
+              <a:t>6. </a:t>
+            </a:r>
+            <a:r>
+              <a:rPr lang="en-US" dirty="0" err="1"/>
+              <a:t>Đối</a:t>
+            </a:r>
+            <a:r>
+              <a:rPr lang="en-US" dirty="0"/>
+              <a:t> </a:t>
+            </a:r>
+            <a:r>
+              <a:rPr lang="en-US" dirty="0" err="1"/>
+              <a:t>tượng</a:t>
+            </a:r>
+            <a:r>
+              <a:rPr lang="en-US" dirty="0"/>
+              <a:t> </a:t>
+            </a:r>
+            <a:r>
+              <a:rPr lang="en-US" dirty="0" err="1"/>
+              <a:t>nghiên</a:t>
+            </a:r>
+            <a:r>
+              <a:rPr lang="en-US" dirty="0"/>
+              <a:t> </a:t>
+            </a:r>
+            <a:r>
+              <a:rPr lang="en-US" dirty="0" err="1"/>
+              <a:t>cứu</a:t>
+            </a:r>
+            <a:endParaRPr lang="en-US" dirty="0"/>
+          </a:p>
+        </p:txBody>
+      </p:sp>
+      <p:sp>
+        <p:nvSpPr>
+          <p:cNvPr id="3" name="Content Placeholder 2">
+            <a:extLst>
+              <a:ext uri="{FF2B5EF4-FFF2-40B4-BE49-F238E27FC236}">
+                <a16:creationId xmlns:a16="http://schemas.microsoft.com/office/drawing/2014/main" id="{968BB368-5CC0-47A1-941F-C0D624F4FF18}"/>
+              </a:ext>
+            </a:extLst>
+          </p:cNvPr>
+          <p:cNvSpPr>
+            <a:spLocks noGrp="1"/>
+          </p:cNvSpPr>
+          <p:nvPr>
+            <p:ph idx="1"/>
+          </p:nvPr>
+        </p:nvSpPr>
+        <p:spPr/>
+        <p:txBody>
+          <a:bodyPr/>
+          <a:lstStyle/>
+          <a:p>
+            <a:pPr marL="0" indent="0">
+              <a:buNone/>
+            </a:pPr>
+            <a:r>
+              <a:rPr lang="en-US" dirty="0" err="1"/>
+              <a:t>Dữ</a:t>
+            </a:r>
+            <a:r>
+              <a:rPr lang="en-US" dirty="0"/>
+              <a:t> </a:t>
+            </a:r>
+            <a:r>
+              <a:rPr lang="en-US" dirty="0" err="1"/>
+              <a:t>liệu</a:t>
+            </a:r>
+            <a:r>
+              <a:rPr lang="en-US" dirty="0"/>
+              <a:t> </a:t>
+            </a:r>
+            <a:r>
+              <a:rPr lang="en-US" dirty="0" err="1"/>
+              <a:t>văn</a:t>
+            </a:r>
+            <a:r>
+              <a:rPr lang="en-US" dirty="0"/>
+              <a:t> </a:t>
+            </a:r>
+            <a:r>
+              <a:rPr lang="en-US" dirty="0" err="1"/>
+              <a:t>bản</a:t>
+            </a:r>
+            <a:r>
+              <a:rPr lang="en-US" dirty="0"/>
+              <a:t> song </a:t>
+            </a:r>
+            <a:r>
+              <a:rPr lang="en-US" dirty="0" err="1"/>
+              <a:t>ngữ</a:t>
+            </a:r>
+            <a:r>
+              <a:rPr lang="en-US" dirty="0"/>
+              <a:t> </a:t>
+            </a:r>
+            <a:r>
+              <a:rPr lang="en-US" dirty="0" err="1"/>
+              <a:t>Việt</a:t>
+            </a:r>
+            <a:r>
+              <a:rPr lang="en-US" dirty="0"/>
+              <a:t>-Anh: The International Workshop on Spoken Language Translation 2015 (IWSLT 2015).</a:t>
+            </a:r>
+          </a:p>
+          <a:p>
+            <a:pPr marL="0" indent="0">
+              <a:buNone/>
+            </a:pPr>
+            <a:r>
+              <a:rPr lang="en-US" dirty="0" err="1"/>
+              <a:t>Mô</a:t>
+            </a:r>
+            <a:r>
+              <a:rPr lang="en-US" dirty="0"/>
+              <a:t> </a:t>
+            </a:r>
+            <a:r>
+              <a:rPr lang="en-US" dirty="0" err="1"/>
+              <a:t>hình</a:t>
+            </a:r>
+            <a:r>
+              <a:rPr lang="en-US" dirty="0"/>
+              <a:t> </a:t>
+            </a:r>
+            <a:r>
+              <a:rPr lang="en-US" dirty="0" err="1"/>
+              <a:t>dịch</a:t>
+            </a:r>
+            <a:r>
+              <a:rPr lang="en-US" dirty="0"/>
+              <a:t> </a:t>
+            </a:r>
+            <a:r>
+              <a:rPr lang="en-US" dirty="0" err="1"/>
+              <a:t>máy</a:t>
+            </a:r>
+            <a:r>
+              <a:rPr lang="en-US" dirty="0"/>
+              <a:t>: Transformer [9].</a:t>
+            </a:r>
+          </a:p>
+          <a:p>
+            <a:pPr marL="0" indent="0">
+              <a:buNone/>
+            </a:pPr>
+            <a:r>
+              <a:rPr lang="en-US" dirty="0" err="1"/>
+              <a:t>Kĩ</a:t>
+            </a:r>
+            <a:r>
+              <a:rPr lang="en-US" dirty="0"/>
+              <a:t> </a:t>
+            </a:r>
+            <a:r>
+              <a:rPr lang="en-US" dirty="0" err="1"/>
+              <a:t>thuật</a:t>
+            </a:r>
+            <a:r>
+              <a:rPr lang="en-US" dirty="0"/>
+              <a:t> </a:t>
+            </a:r>
+            <a:r>
+              <a:rPr lang="en-US" dirty="0" err="1"/>
+              <a:t>gióng</a:t>
+            </a:r>
+            <a:r>
+              <a:rPr lang="en-US" dirty="0"/>
+              <a:t> </a:t>
+            </a:r>
+            <a:r>
+              <a:rPr lang="en-US" dirty="0" err="1"/>
+              <a:t>hàng</a:t>
+            </a:r>
+            <a:r>
+              <a:rPr lang="en-US" dirty="0"/>
+              <a:t> </a:t>
+            </a:r>
+            <a:r>
+              <a:rPr lang="en-US" dirty="0" err="1"/>
+              <a:t>từ</a:t>
+            </a:r>
+            <a:r>
+              <a:rPr lang="en-US" dirty="0"/>
+              <a:t>: </a:t>
+            </a:r>
+            <a:r>
+              <a:rPr lang="en-US" dirty="0" err="1"/>
+              <a:t>các</a:t>
+            </a:r>
+            <a:r>
+              <a:rPr lang="en-US" dirty="0"/>
+              <a:t> </a:t>
+            </a:r>
+            <a:r>
+              <a:rPr lang="en-US" dirty="0" err="1"/>
+              <a:t>mô</a:t>
+            </a:r>
+            <a:r>
+              <a:rPr lang="en-US" dirty="0"/>
+              <a:t> </a:t>
+            </a:r>
+            <a:r>
+              <a:rPr lang="en-US" dirty="0" err="1"/>
+              <a:t>hình</a:t>
+            </a:r>
+            <a:r>
+              <a:rPr lang="en-US" dirty="0"/>
+              <a:t> IBM [3], </a:t>
+            </a:r>
+            <a:r>
+              <a:rPr lang="en-US" dirty="0" err="1"/>
+              <a:t>mô</a:t>
+            </a:r>
+            <a:r>
+              <a:rPr lang="en-US" dirty="0"/>
+              <a:t> </a:t>
+            </a:r>
+            <a:r>
+              <a:rPr lang="en-US" dirty="0" err="1"/>
+              <a:t>hình</a:t>
+            </a:r>
+            <a:r>
+              <a:rPr lang="en-US" dirty="0"/>
+              <a:t> </a:t>
+            </a:r>
+            <a:r>
+              <a:rPr lang="en-US" dirty="0" err="1"/>
+              <a:t>gióng</a:t>
+            </a:r>
+            <a:r>
+              <a:rPr lang="en-US" dirty="0"/>
+              <a:t> </a:t>
+            </a:r>
+            <a:r>
+              <a:rPr lang="en-US" dirty="0" err="1"/>
+              <a:t>hàng</a:t>
+            </a:r>
+            <a:r>
+              <a:rPr lang="en-US" dirty="0"/>
+              <a:t> </a:t>
+            </a:r>
+            <a:r>
+              <a:rPr lang="en-US" dirty="0" err="1"/>
+              <a:t>từ</a:t>
+            </a:r>
+            <a:r>
+              <a:rPr lang="en-US" dirty="0"/>
+              <a:t> </a:t>
+            </a:r>
+            <a:r>
+              <a:rPr lang="en-US" dirty="0" err="1"/>
+              <a:t>dựa</a:t>
+            </a:r>
+            <a:r>
+              <a:rPr lang="en-US" dirty="0"/>
+              <a:t> </a:t>
+            </a:r>
+            <a:r>
+              <a:rPr lang="en-US" dirty="0" err="1"/>
+              <a:t>trên</a:t>
+            </a:r>
+            <a:r>
+              <a:rPr lang="en-US" dirty="0"/>
+              <a:t> </a:t>
+            </a:r>
+            <a:r>
+              <a:rPr lang="en-US" dirty="0" err="1"/>
+              <a:t>mô</a:t>
+            </a:r>
+            <a:r>
+              <a:rPr lang="en-US" dirty="0"/>
+              <a:t> </a:t>
+            </a:r>
+            <a:r>
+              <a:rPr lang="en-US" dirty="0" err="1"/>
+              <a:t>hình</a:t>
+            </a:r>
+            <a:r>
+              <a:rPr lang="en-US" dirty="0"/>
+              <a:t> IBM [4].</a:t>
+            </a:r>
+          </a:p>
+          <a:p>
+            <a:pPr marL="0" indent="0">
+              <a:buNone/>
+            </a:pPr>
+            <a:r>
+              <a:rPr lang="en-US" dirty="0" err="1"/>
+              <a:t>Kĩ</a:t>
+            </a:r>
+            <a:r>
+              <a:rPr lang="en-US" dirty="0"/>
+              <a:t> </a:t>
+            </a:r>
+            <a:r>
+              <a:rPr lang="en-US" dirty="0" err="1"/>
+              <a:t>thuật</a:t>
+            </a:r>
+            <a:r>
+              <a:rPr lang="en-US" dirty="0"/>
+              <a:t> </a:t>
+            </a:r>
+            <a:r>
+              <a:rPr lang="en-US" dirty="0" err="1"/>
+              <a:t>áp</a:t>
+            </a:r>
+            <a:r>
+              <a:rPr lang="en-US" dirty="0"/>
+              <a:t> </a:t>
+            </a:r>
+            <a:r>
+              <a:rPr lang="en-US" dirty="0" err="1"/>
+              <a:t>dụng</a:t>
+            </a:r>
+            <a:r>
+              <a:rPr lang="en-US" dirty="0"/>
+              <a:t> </a:t>
+            </a:r>
+            <a:r>
+              <a:rPr lang="en-US" dirty="0" err="1"/>
+              <a:t>gióng</a:t>
+            </a:r>
+            <a:r>
+              <a:rPr lang="en-US" dirty="0"/>
+              <a:t> </a:t>
+            </a:r>
+            <a:r>
+              <a:rPr lang="en-US" dirty="0" err="1"/>
+              <a:t>hàng</a:t>
+            </a:r>
+            <a:r>
+              <a:rPr lang="en-US" dirty="0"/>
+              <a:t> </a:t>
+            </a:r>
+            <a:r>
+              <a:rPr lang="en-US" dirty="0" err="1"/>
+              <a:t>từ</a:t>
+            </a:r>
+            <a:r>
+              <a:rPr lang="en-US" dirty="0"/>
+              <a:t>.</a:t>
+            </a:r>
+          </a:p>
+        </p:txBody>
+      </p:sp>
+    </p:spTree>
+    <p:extLst>
+      <p:ext uri="{BB962C8B-B14F-4D97-AF65-F5344CB8AC3E}">
+        <p14:creationId xmlns:p14="http://schemas.microsoft.com/office/powerpoint/2010/main" val="959998687"/>
+      </p:ext>
+    </p:extLst>
+  </p:cSld>
+  <p:clrMapOvr>
+    <a:masterClrMapping/>
+  </p:clrMapOvr>
+</p:sld>
+</file>
+
+<file path=ppt/slides/slide13.xml><?xml version="1.0" encoding="utf-8"?>
+<p:sld xmlns:a="http://schemas.openxmlformats.org/drawingml/2006/main" xmlns:r="http://schemas.openxmlformats.org/officeDocument/2006/relationships" xmlns:p="http://schemas.openxmlformats.org/presentationml/2006/main">
+  <p:cSld>
+    <p:spTree>
+      <p:nvGrpSpPr>
+        <p:cNvPr id="1" name=""/>
+        <p:cNvGrpSpPr/>
+        <p:nvPr/>
+      </p:nvGrpSpPr>
+      <p:grpSpPr>
+        <a:xfrm>
+          <a:off x="0" y="0"/>
+          <a:ext cx="0" cy="0"/>
+          <a:chOff x="0" y="0"/>
+          <a:chExt cx="0" cy="0"/>
+        </a:xfrm>
+      </p:grpSpPr>
+      <p:sp>
+        <p:nvSpPr>
+          <p:cNvPr id="2" name="Title 1">
+            <a:extLst>
+              <a:ext uri="{FF2B5EF4-FFF2-40B4-BE49-F238E27FC236}">
+                <a16:creationId xmlns:a16="http://schemas.microsoft.com/office/drawing/2014/main" id="{F1D42757-805D-4B18-876E-0DCDD3A30955}"/>
+              </a:ext>
+            </a:extLst>
+          </p:cNvPr>
+          <p:cNvSpPr>
+            <a:spLocks noGrp="1"/>
+          </p:cNvSpPr>
+          <p:nvPr>
+            <p:ph type="title"/>
+          </p:nvPr>
+        </p:nvSpPr>
+        <p:spPr/>
+        <p:txBody>
+          <a:bodyPr/>
+          <a:lstStyle/>
+          <a:p>
+            <a:r>
+              <a:rPr lang="en-US" dirty="0"/>
+              <a:t>6.1 </a:t>
+            </a:r>
+            <a:r>
+              <a:rPr lang="en-US" dirty="0" err="1"/>
+              <a:t>Đối</a:t>
+            </a:r>
+            <a:r>
+              <a:rPr lang="en-US" dirty="0"/>
+              <a:t> </a:t>
+            </a:r>
+            <a:r>
+              <a:rPr lang="en-US" dirty="0" err="1"/>
+              <a:t>tượng</a:t>
+            </a:r>
+            <a:r>
+              <a:rPr lang="en-US" dirty="0"/>
+              <a:t> </a:t>
+            </a:r>
+            <a:r>
+              <a:rPr lang="en-US" dirty="0" err="1"/>
+              <a:t>nghiên</a:t>
+            </a:r>
+            <a:r>
+              <a:rPr lang="en-US" dirty="0"/>
+              <a:t> </a:t>
+            </a:r>
+            <a:r>
+              <a:rPr lang="en-US" dirty="0" err="1"/>
+              <a:t>cứu</a:t>
+            </a:r>
+            <a:br>
+              <a:rPr lang="en-US" dirty="0"/>
+            </a:br>
+            <a:r>
+              <a:rPr lang="en-US" dirty="0"/>
+              <a:t>(</a:t>
+            </a:r>
+            <a:r>
+              <a:rPr lang="en-US" dirty="0" err="1"/>
+              <a:t>Dữ</a:t>
+            </a:r>
+            <a:r>
+              <a:rPr lang="en-US" dirty="0"/>
+              <a:t> </a:t>
+            </a:r>
+            <a:r>
+              <a:rPr lang="en-US" dirty="0" err="1"/>
+              <a:t>liệu</a:t>
+            </a:r>
+            <a:r>
+              <a:rPr lang="en-US" dirty="0"/>
+              <a:t>)</a:t>
+            </a:r>
+          </a:p>
+        </p:txBody>
+      </p:sp>
+      <p:sp>
+        <p:nvSpPr>
+          <p:cNvPr id="3" name="Content Placeholder 2">
+            <a:extLst>
+              <a:ext uri="{FF2B5EF4-FFF2-40B4-BE49-F238E27FC236}">
+                <a16:creationId xmlns:a16="http://schemas.microsoft.com/office/drawing/2014/main" id="{E86E8C35-4FF3-45EB-8427-81D9D4F83F35}"/>
+              </a:ext>
+            </a:extLst>
+          </p:cNvPr>
+          <p:cNvSpPr>
+            <a:spLocks noGrp="1"/>
+          </p:cNvSpPr>
+          <p:nvPr>
+            <p:ph idx="1"/>
+          </p:nvPr>
+        </p:nvSpPr>
+        <p:spPr/>
+        <p:txBody>
+          <a:bodyPr/>
+          <a:lstStyle/>
+          <a:p>
+            <a:pPr marL="0" indent="0">
+              <a:buNone/>
+            </a:pPr>
+            <a:r>
+              <a:rPr lang="en-US" dirty="0"/>
+              <a:t>The International Workshop on Spoken Language Translation 2015 (IWSLT 2015):</a:t>
+            </a:r>
+          </a:p>
+          <a:p>
+            <a:r>
+              <a:rPr lang="en-US" dirty="0" err="1"/>
+              <a:t>Tập</a:t>
+            </a:r>
+            <a:r>
+              <a:rPr lang="en-US" dirty="0"/>
+              <a:t> </a:t>
+            </a:r>
+            <a:r>
+              <a:rPr lang="en-US" dirty="0" err="1"/>
+              <a:t>dữ</a:t>
+            </a:r>
+            <a:r>
+              <a:rPr lang="en-US" dirty="0"/>
+              <a:t> </a:t>
+            </a:r>
+            <a:r>
+              <a:rPr lang="en-US" dirty="0" err="1"/>
+              <a:t>liệu</a:t>
+            </a:r>
+            <a:r>
+              <a:rPr lang="en-US" dirty="0"/>
+              <a:t> </a:t>
+            </a:r>
+            <a:r>
+              <a:rPr lang="en-US" dirty="0" err="1"/>
+              <a:t>văn</a:t>
+            </a:r>
+            <a:r>
+              <a:rPr lang="en-US" dirty="0"/>
+              <a:t> </a:t>
+            </a:r>
+            <a:r>
+              <a:rPr lang="en-US" dirty="0" err="1"/>
+              <a:t>bản</a:t>
+            </a:r>
+            <a:r>
+              <a:rPr lang="en-US" dirty="0"/>
+              <a:t> song </a:t>
+            </a:r>
+            <a:r>
+              <a:rPr lang="en-US" dirty="0" err="1"/>
+              <a:t>ngữ</a:t>
+            </a:r>
+            <a:r>
+              <a:rPr lang="en-US" dirty="0"/>
+              <a:t> </a:t>
+            </a:r>
+            <a:r>
+              <a:rPr lang="en-US" dirty="0" err="1"/>
+              <a:t>Việt</a:t>
+            </a:r>
+            <a:r>
+              <a:rPr lang="en-US" dirty="0"/>
+              <a:t>-Anh.</a:t>
+            </a:r>
+          </a:p>
+          <a:p>
+            <a:r>
+              <a:rPr lang="en-US" dirty="0" err="1"/>
+              <a:t>Gồm</a:t>
+            </a:r>
+            <a:r>
+              <a:rPr lang="en-US" dirty="0"/>
+              <a:t> 2 </a:t>
+            </a:r>
+            <a:r>
+              <a:rPr lang="en-US" dirty="0" err="1"/>
+              <a:t>bộ</a:t>
+            </a:r>
+            <a:r>
+              <a:rPr lang="en-US" dirty="0"/>
+              <a:t> </a:t>
+            </a:r>
+            <a:r>
+              <a:rPr lang="en-US" dirty="0" err="1"/>
+              <a:t>dữ</a:t>
+            </a:r>
+            <a:r>
+              <a:rPr lang="en-US" dirty="0"/>
+              <a:t> </a:t>
+            </a:r>
+            <a:r>
+              <a:rPr lang="en-US" dirty="0" err="1"/>
+              <a:t>liệu</a:t>
+            </a:r>
+            <a:r>
+              <a:rPr lang="en-US" dirty="0"/>
+              <a:t>: </a:t>
+            </a:r>
+            <a:r>
+              <a:rPr lang="en-US" dirty="0" err="1"/>
+              <a:t>huấn</a:t>
+            </a:r>
+            <a:r>
+              <a:rPr lang="en-US" dirty="0"/>
+              <a:t> </a:t>
+            </a:r>
+            <a:r>
+              <a:rPr lang="en-US" dirty="0" err="1"/>
+              <a:t>luyện</a:t>
+            </a:r>
+            <a:r>
+              <a:rPr lang="en-US" dirty="0"/>
+              <a:t> (train), </a:t>
+            </a:r>
+            <a:r>
+              <a:rPr lang="en-US" dirty="0" err="1"/>
+              <a:t>kiểm</a:t>
+            </a:r>
+            <a:r>
+              <a:rPr lang="en-US" dirty="0"/>
+              <a:t> </a:t>
+            </a:r>
+            <a:r>
+              <a:rPr lang="en-US" dirty="0" err="1"/>
+              <a:t>thử</a:t>
+            </a:r>
+            <a:r>
+              <a:rPr lang="en-US" dirty="0"/>
+              <a:t> (test – 2012, 2013).</a:t>
+            </a:r>
+          </a:p>
+          <a:p>
+            <a:r>
+              <a:rPr lang="en-US" dirty="0" err="1"/>
+              <a:t>Bộ</a:t>
+            </a:r>
+            <a:r>
+              <a:rPr lang="en-US" dirty="0"/>
+              <a:t> </a:t>
+            </a:r>
+            <a:r>
+              <a:rPr lang="en-US" dirty="0" err="1"/>
+              <a:t>huấn</a:t>
+            </a:r>
+            <a:r>
+              <a:rPr lang="en-US" dirty="0"/>
+              <a:t> </a:t>
+            </a:r>
+            <a:r>
+              <a:rPr lang="en-US" dirty="0" err="1"/>
+              <a:t>luyện</a:t>
+            </a:r>
+            <a:r>
+              <a:rPr lang="en-US" dirty="0"/>
+              <a:t>: </a:t>
+            </a:r>
+            <a:r>
+              <a:rPr lang="en-US" dirty="0" err="1"/>
+              <a:t>Hơn</a:t>
+            </a:r>
+            <a:r>
+              <a:rPr lang="en-US" dirty="0"/>
+              <a:t> 133 </a:t>
+            </a:r>
+            <a:r>
+              <a:rPr lang="en-US" dirty="0" err="1"/>
+              <a:t>ngàn</a:t>
+            </a:r>
+            <a:r>
+              <a:rPr lang="en-US" dirty="0"/>
+              <a:t> </a:t>
+            </a:r>
+            <a:r>
+              <a:rPr lang="en-US" dirty="0" err="1"/>
+              <a:t>cặp</a:t>
+            </a:r>
+            <a:r>
+              <a:rPr lang="en-US" dirty="0"/>
+              <a:t> </a:t>
+            </a:r>
+            <a:r>
+              <a:rPr lang="en-US" dirty="0" err="1"/>
+              <a:t>dữ</a:t>
+            </a:r>
+            <a:r>
+              <a:rPr lang="en-US" dirty="0"/>
+              <a:t> </a:t>
+            </a:r>
+            <a:r>
+              <a:rPr lang="en-US" dirty="0" err="1"/>
+              <a:t>liệu</a:t>
+            </a:r>
+            <a:r>
+              <a:rPr lang="en-US" dirty="0"/>
+              <a:t> song </a:t>
+            </a:r>
+            <a:r>
+              <a:rPr lang="en-US" dirty="0" err="1"/>
+              <a:t>ngữ</a:t>
+            </a:r>
+            <a:r>
+              <a:rPr lang="en-US" dirty="0"/>
+              <a:t> </a:t>
+            </a:r>
+            <a:r>
+              <a:rPr lang="en-US" dirty="0" err="1"/>
+              <a:t>Việt</a:t>
+            </a:r>
+            <a:r>
+              <a:rPr lang="en-US" dirty="0"/>
+              <a:t>-Anh.</a:t>
+            </a:r>
+          </a:p>
+          <a:p>
+            <a:r>
+              <a:rPr lang="en-US" dirty="0" err="1"/>
+              <a:t>Bộ</a:t>
+            </a:r>
+            <a:r>
+              <a:rPr lang="en-US" dirty="0"/>
+              <a:t> </a:t>
+            </a:r>
+            <a:r>
+              <a:rPr lang="en-US" dirty="0" err="1"/>
+              <a:t>kiểm</a:t>
+            </a:r>
+            <a:r>
+              <a:rPr lang="en-US" dirty="0"/>
+              <a:t> </a:t>
+            </a:r>
+            <a:r>
+              <a:rPr lang="en-US" dirty="0" err="1"/>
+              <a:t>thử</a:t>
+            </a:r>
+            <a:r>
+              <a:rPr lang="en-US" dirty="0"/>
+              <a:t>: </a:t>
+            </a:r>
+            <a:r>
+              <a:rPr lang="en-US" dirty="0" err="1"/>
+              <a:t>Hơn</a:t>
+            </a:r>
+            <a:r>
+              <a:rPr lang="en-US" dirty="0"/>
+              <a:t> 1200 </a:t>
+            </a:r>
+            <a:r>
+              <a:rPr lang="en-US" dirty="0" err="1"/>
+              <a:t>cặp</a:t>
+            </a:r>
+            <a:r>
+              <a:rPr lang="en-US" dirty="0"/>
+              <a:t> </a:t>
+            </a:r>
+            <a:r>
+              <a:rPr lang="en-US" dirty="0" err="1"/>
+              <a:t>dữ</a:t>
+            </a:r>
+            <a:r>
+              <a:rPr lang="en-US" dirty="0"/>
+              <a:t> </a:t>
+            </a:r>
+            <a:r>
+              <a:rPr lang="en-US" dirty="0" err="1"/>
+              <a:t>liệu</a:t>
+            </a:r>
+            <a:r>
+              <a:rPr lang="en-US" dirty="0"/>
+              <a:t> song </a:t>
+            </a:r>
+            <a:r>
+              <a:rPr lang="en-US" dirty="0" err="1"/>
+              <a:t>ngữ</a:t>
+            </a:r>
+            <a:r>
+              <a:rPr lang="en-US" dirty="0"/>
+              <a:t> </a:t>
+            </a:r>
+            <a:r>
+              <a:rPr lang="en-US" dirty="0" err="1"/>
+              <a:t>Việt</a:t>
+            </a:r>
+            <a:r>
+              <a:rPr lang="en-US" dirty="0"/>
+              <a:t>-Anh.</a:t>
+            </a:r>
+          </a:p>
+          <a:p>
+            <a:r>
+              <a:rPr lang="en-US" dirty="0" err="1"/>
+              <a:t>Tất</a:t>
+            </a:r>
+            <a:r>
+              <a:rPr lang="en-US" dirty="0"/>
+              <a:t> </a:t>
+            </a:r>
+            <a:r>
+              <a:rPr lang="en-US" dirty="0" err="1"/>
+              <a:t>cả</a:t>
+            </a:r>
+            <a:r>
+              <a:rPr lang="en-US" dirty="0"/>
+              <a:t> </a:t>
+            </a:r>
+            <a:r>
+              <a:rPr lang="en-US" dirty="0" err="1"/>
+              <a:t>đều</a:t>
+            </a:r>
+            <a:r>
+              <a:rPr lang="en-US" dirty="0"/>
+              <a:t> </a:t>
+            </a:r>
+            <a:r>
+              <a:rPr lang="en-US" dirty="0" err="1"/>
+              <a:t>là</a:t>
+            </a:r>
+            <a:r>
+              <a:rPr lang="en-US" dirty="0"/>
+              <a:t> </a:t>
+            </a:r>
+            <a:r>
+              <a:rPr lang="en-US" dirty="0" err="1"/>
+              <a:t>văn</a:t>
+            </a:r>
+            <a:r>
+              <a:rPr lang="en-US" dirty="0"/>
+              <a:t> </a:t>
+            </a:r>
+            <a:r>
+              <a:rPr lang="en-US" dirty="0" err="1"/>
+              <a:t>bản</a:t>
+            </a:r>
+            <a:r>
+              <a:rPr lang="en-US" dirty="0"/>
+              <a:t> </a:t>
+            </a:r>
+            <a:r>
+              <a:rPr lang="en-US" dirty="0" err="1"/>
+              <a:t>dữ</a:t>
+            </a:r>
+            <a:r>
+              <a:rPr lang="en-US" dirty="0"/>
+              <a:t> </a:t>
+            </a:r>
+            <a:r>
+              <a:rPr lang="en-US" dirty="0" err="1"/>
+              <a:t>liệu</a:t>
+            </a:r>
+            <a:r>
+              <a:rPr lang="en-US" dirty="0"/>
+              <a:t> </a:t>
+            </a:r>
+            <a:r>
+              <a:rPr lang="en-US" dirty="0" err="1"/>
+              <a:t>thô</a:t>
+            </a:r>
+            <a:r>
+              <a:rPr lang="en-US" dirty="0"/>
+              <a:t> </a:t>
+            </a:r>
+            <a:r>
+              <a:rPr lang="en-US" dirty="0" err="1"/>
+              <a:t>có</a:t>
+            </a:r>
+            <a:r>
+              <a:rPr lang="en-US" dirty="0"/>
+              <a:t> </a:t>
+            </a:r>
+            <a:r>
+              <a:rPr lang="en-US" dirty="0" err="1"/>
+              <a:t>chứa</a:t>
+            </a:r>
+            <a:r>
+              <a:rPr lang="en-US" dirty="0"/>
+              <a:t> </a:t>
+            </a:r>
+            <a:r>
+              <a:rPr lang="en-US" dirty="0" err="1"/>
+              <a:t>thực</a:t>
+            </a:r>
+            <a:r>
+              <a:rPr lang="en-US" dirty="0"/>
+              <a:t> </a:t>
+            </a:r>
+            <a:r>
+              <a:rPr lang="en-US" dirty="0" err="1"/>
+              <a:t>thể</a:t>
+            </a:r>
+            <a:r>
+              <a:rPr lang="en-US" dirty="0"/>
+              <a:t> html.</a:t>
+            </a:r>
+          </a:p>
+        </p:txBody>
+      </p:sp>
+    </p:spTree>
+    <p:extLst>
+      <p:ext uri="{BB962C8B-B14F-4D97-AF65-F5344CB8AC3E}">
+        <p14:creationId xmlns:p14="http://schemas.microsoft.com/office/powerpoint/2010/main" val="700958322"/>
+      </p:ext>
+    </p:extLst>
+  </p:cSld>
+  <p:clrMapOvr>
+    <a:masterClrMapping/>
+  </p:clrMapOvr>
+</p:sld>
+</file>
+
+<file path=ppt/slides/slide14.xml><?xml version="1.0" encoding="utf-8"?>
+<p:sld xmlns:a="http://schemas.openxmlformats.org/drawingml/2006/main" xmlns:r="http://schemas.openxmlformats.org/officeDocument/2006/relationships" xmlns:p="http://schemas.openxmlformats.org/presentationml/2006/main">
+  <p:cSld>
+    <p:spTree>
+      <p:nvGrpSpPr>
+        <p:cNvPr id="1" name=""/>
+        <p:cNvGrpSpPr/>
+        <p:nvPr/>
+      </p:nvGrpSpPr>
+      <p:grpSpPr>
+        <a:xfrm>
+          <a:off x="0" y="0"/>
+          <a:ext cx="0" cy="0"/>
+          <a:chOff x="0" y="0"/>
+          <a:chExt cx="0" cy="0"/>
+        </a:xfrm>
+      </p:grpSpPr>
+      <p:sp>
+        <p:nvSpPr>
+          <p:cNvPr id="2" name="Title 1">
+            <a:extLst>
+              <a:ext uri="{FF2B5EF4-FFF2-40B4-BE49-F238E27FC236}">
+                <a16:creationId xmlns:a16="http://schemas.microsoft.com/office/drawing/2014/main" id="{F1D42757-805D-4B18-876E-0DCDD3A30955}"/>
+              </a:ext>
+            </a:extLst>
+          </p:cNvPr>
+          <p:cNvSpPr>
+            <a:spLocks noGrp="1"/>
+          </p:cNvSpPr>
+          <p:nvPr>
+            <p:ph type="title"/>
+          </p:nvPr>
+        </p:nvSpPr>
+        <p:spPr/>
+        <p:txBody>
+          <a:bodyPr/>
+          <a:lstStyle/>
+          <a:p>
+            <a:r>
+              <a:rPr lang="en-US" dirty="0"/>
+              <a:t>6.2 </a:t>
+            </a:r>
+            <a:r>
+              <a:rPr lang="en-US" dirty="0" err="1"/>
+              <a:t>Đối</a:t>
+            </a:r>
+            <a:r>
+              <a:rPr lang="en-US" dirty="0"/>
+              <a:t> </a:t>
+            </a:r>
+            <a:r>
+              <a:rPr lang="en-US" dirty="0" err="1"/>
+              <a:t>tượng</a:t>
+            </a:r>
+            <a:r>
+              <a:rPr lang="en-US" dirty="0"/>
+              <a:t> </a:t>
+            </a:r>
+            <a:r>
+              <a:rPr lang="en-US" dirty="0" err="1"/>
+              <a:t>nghiên</a:t>
+            </a:r>
+            <a:r>
+              <a:rPr lang="en-US" dirty="0"/>
+              <a:t> </a:t>
+            </a:r>
+            <a:r>
+              <a:rPr lang="en-US" dirty="0" err="1"/>
+              <a:t>cứu</a:t>
+            </a:r>
+            <a:br>
+              <a:rPr lang="en-US" dirty="0"/>
+            </a:br>
+            <a:r>
+              <a:rPr lang="en-US" dirty="0"/>
+              <a:t>(</a:t>
+            </a:r>
+            <a:r>
+              <a:rPr lang="en-US" dirty="0" err="1"/>
+              <a:t>Kĩ</a:t>
+            </a:r>
+            <a:r>
+              <a:rPr lang="en-US" dirty="0"/>
+              <a:t> </a:t>
+            </a:r>
+            <a:r>
+              <a:rPr lang="en-US" dirty="0" err="1"/>
+              <a:t>thuật</a:t>
+            </a:r>
+            <a:r>
+              <a:rPr lang="en-US" dirty="0"/>
+              <a:t> </a:t>
+            </a:r>
+            <a:r>
+              <a:rPr lang="en-US" dirty="0" err="1"/>
+              <a:t>gióng</a:t>
+            </a:r>
+            <a:r>
+              <a:rPr lang="en-US" dirty="0"/>
+              <a:t> </a:t>
+            </a:r>
+            <a:r>
+              <a:rPr lang="en-US" dirty="0" err="1"/>
+              <a:t>hàng</a:t>
+            </a:r>
+            <a:r>
+              <a:rPr lang="en-US" dirty="0"/>
+              <a:t> </a:t>
+            </a:r>
+            <a:r>
+              <a:rPr lang="en-US" dirty="0" err="1"/>
+              <a:t>từ</a:t>
+            </a:r>
+            <a:r>
+              <a:rPr lang="en-US" dirty="0"/>
+              <a:t>)</a:t>
+            </a:r>
+          </a:p>
+        </p:txBody>
+      </p:sp>
+    </p:spTree>
+    <p:extLst>
+      <p:ext uri="{BB962C8B-B14F-4D97-AF65-F5344CB8AC3E}">
+        <p14:creationId xmlns:p14="http://schemas.microsoft.com/office/powerpoint/2010/main" val="2501388439"/>
+      </p:ext>
+    </p:extLst>
+  </p:cSld>
+  <p:clrMapOvr>
+    <a:masterClrMapping/>
+  </p:clrMapOvr>
+</p:sld>
+</file>
+
+<file path=ppt/slides/slide15.xml><?xml version="1.0" encoding="utf-8"?>
+<p:sld xmlns:a="http://schemas.openxmlformats.org/drawingml/2006/main" xmlns:r="http://schemas.openxmlformats.org/officeDocument/2006/relationships" xmlns:p="http://schemas.openxmlformats.org/presentationml/2006/main">
+  <p:cSld>
+    <p:spTree>
+      <p:nvGrpSpPr>
+        <p:cNvPr id="1" name=""/>
+        <p:cNvGrpSpPr/>
+        <p:nvPr/>
+      </p:nvGrpSpPr>
+      <p:grpSpPr>
+        <a:xfrm>
+          <a:off x="0" y="0"/>
+          <a:ext cx="0" cy="0"/>
+          <a:chOff x="0" y="0"/>
+          <a:chExt cx="0" cy="0"/>
+        </a:xfrm>
+      </p:grpSpPr>
+      <p:sp>
+        <p:nvSpPr>
+          <p:cNvPr id="2" name="Title 1">
+            <a:extLst>
+              <a:ext uri="{FF2B5EF4-FFF2-40B4-BE49-F238E27FC236}">
+                <a16:creationId xmlns:a16="http://schemas.microsoft.com/office/drawing/2014/main" id="{FF182E11-15F0-4931-A6B0-CA35C4E598A3}"/>
+              </a:ext>
+            </a:extLst>
+          </p:cNvPr>
+          <p:cNvSpPr>
+            <a:spLocks noGrp="1"/>
+          </p:cNvSpPr>
+          <p:nvPr>
+            <p:ph type="title"/>
+          </p:nvPr>
+        </p:nvSpPr>
+        <p:spPr/>
+        <p:txBody>
+          <a:bodyPr/>
+          <a:lstStyle/>
+          <a:p>
+            <a:r>
+              <a:rPr lang="en-US" dirty="0"/>
+              <a:t>7. </a:t>
+            </a:r>
+            <a:r>
+              <a:rPr lang="en-US" dirty="0" err="1"/>
+              <a:t>Các</a:t>
+            </a:r>
+            <a:r>
+              <a:rPr lang="en-US" dirty="0"/>
+              <a:t> </a:t>
+            </a:r>
+            <a:r>
+              <a:rPr lang="en-US" dirty="0" err="1"/>
+              <a:t>kết</a:t>
+            </a:r>
+            <a:r>
+              <a:rPr lang="en-US" dirty="0"/>
+              <a:t> </a:t>
+            </a:r>
+            <a:r>
+              <a:rPr lang="en-US" dirty="0" err="1"/>
+              <a:t>quả</a:t>
+            </a:r>
+            <a:r>
+              <a:rPr lang="en-US" dirty="0"/>
+              <a:t> ban </a:t>
+            </a:r>
+            <a:r>
+              <a:rPr lang="en-US" dirty="0" err="1"/>
+              <a:t>đầu</a:t>
+            </a:r>
+            <a:endParaRPr lang="en-US" dirty="0"/>
+          </a:p>
+        </p:txBody>
+      </p:sp>
+      <p:sp>
+        <p:nvSpPr>
+          <p:cNvPr id="3" name="Content Placeholder 2">
+            <a:extLst>
+              <a:ext uri="{FF2B5EF4-FFF2-40B4-BE49-F238E27FC236}">
+                <a16:creationId xmlns:a16="http://schemas.microsoft.com/office/drawing/2014/main" id="{EDBD0779-9280-4E9A-A937-F1EDCA87E3AF}"/>
+              </a:ext>
+            </a:extLst>
+          </p:cNvPr>
+          <p:cNvSpPr>
+            <a:spLocks noGrp="1"/>
+          </p:cNvSpPr>
+          <p:nvPr>
+            <p:ph idx="1"/>
+          </p:nvPr>
+        </p:nvSpPr>
+        <p:spPr/>
+        <p:txBody>
+          <a:bodyPr/>
+          <a:lstStyle/>
+          <a:p>
+            <a:endParaRPr lang="en-US"/>
+          </a:p>
+        </p:txBody>
+      </p:sp>
+    </p:spTree>
+    <p:extLst>
+      <p:ext uri="{BB962C8B-B14F-4D97-AF65-F5344CB8AC3E}">
+        <p14:creationId xmlns:p14="http://schemas.microsoft.com/office/powerpoint/2010/main" val="1315140452"/>
+      </p:ext>
+    </p:extLst>
+  </p:cSld>
+  <p:clrMapOvr>
+    <a:masterClrMapping/>
+  </p:clrMapOvr>
+</p:sld>
+</file>
+
+<file path=ppt/slides/slide16.xml><?xml version="1.0" encoding="utf-8"?>
+<p:sld xmlns:a="http://schemas.openxmlformats.org/drawingml/2006/main" xmlns:r="http://schemas.openxmlformats.org/officeDocument/2006/relationships" xmlns:p="http://schemas.openxmlformats.org/presentationml/2006/main">
+  <p:cSld>
+    <p:spTree>
+      <p:nvGrpSpPr>
+        <p:cNvPr id="1" name=""/>
+        <p:cNvGrpSpPr/>
+        <p:nvPr/>
+      </p:nvGrpSpPr>
+      <p:grpSpPr>
+        <a:xfrm>
+          <a:off x="0" y="0"/>
+          <a:ext cx="0" cy="0"/>
+          <a:chOff x="0" y="0"/>
+          <a:chExt cx="0" cy="0"/>
+        </a:xfrm>
+      </p:grpSpPr>
+      <p:sp>
+        <p:nvSpPr>
+          <p:cNvPr id="2" name="Title 1">
+            <a:extLst>
+              <a:ext uri="{FF2B5EF4-FFF2-40B4-BE49-F238E27FC236}">
+                <a16:creationId xmlns:a16="http://schemas.microsoft.com/office/drawing/2014/main" id="{AA54EB45-72E0-46D4-A0B7-FDA3B9DAD624}"/>
+              </a:ext>
+            </a:extLst>
+          </p:cNvPr>
+          <p:cNvSpPr>
+            <a:spLocks noGrp="1"/>
+          </p:cNvSpPr>
+          <p:nvPr>
+            <p:ph type="title"/>
+          </p:nvPr>
+        </p:nvSpPr>
+        <p:spPr/>
+        <p:txBody>
+          <a:bodyPr/>
+          <a:lstStyle/>
+          <a:p>
+            <a:r>
+              <a:rPr lang="en-US" dirty="0"/>
+              <a:t>8. </a:t>
+            </a:r>
+            <a:r>
+              <a:rPr lang="en-US" dirty="0" err="1"/>
+              <a:t>Bố</a:t>
+            </a:r>
+            <a:r>
+              <a:rPr lang="en-US" dirty="0"/>
+              <a:t> </a:t>
+            </a:r>
+            <a:r>
+              <a:rPr lang="en-US" dirty="0" err="1"/>
+              <a:t>cục</a:t>
+            </a:r>
+            <a:r>
+              <a:rPr lang="en-US" dirty="0"/>
+              <a:t> </a:t>
+            </a:r>
+            <a:r>
+              <a:rPr lang="en-US" dirty="0" err="1"/>
+              <a:t>của</a:t>
+            </a:r>
+            <a:r>
+              <a:rPr lang="en-US" dirty="0"/>
+              <a:t> </a:t>
+            </a:r>
+            <a:r>
+              <a:rPr lang="en-US" dirty="0" err="1"/>
+              <a:t>luận</a:t>
+            </a:r>
+            <a:r>
+              <a:rPr lang="en-US" dirty="0"/>
+              <a:t> </a:t>
+            </a:r>
+            <a:r>
+              <a:rPr lang="en-US" dirty="0" err="1"/>
+              <a:t>văn</a:t>
+            </a:r>
+            <a:endParaRPr lang="en-US" dirty="0"/>
+          </a:p>
+        </p:txBody>
+      </p:sp>
+      <p:sp>
+        <p:nvSpPr>
+          <p:cNvPr id="3" name="Content Placeholder 2">
+            <a:extLst>
+              <a:ext uri="{FF2B5EF4-FFF2-40B4-BE49-F238E27FC236}">
+                <a16:creationId xmlns:a16="http://schemas.microsoft.com/office/drawing/2014/main" id="{6CE32E61-BFA0-4DDB-B86B-D6F6663F26E2}"/>
+              </a:ext>
+            </a:extLst>
+          </p:cNvPr>
+          <p:cNvSpPr>
+            <a:spLocks noGrp="1"/>
+          </p:cNvSpPr>
+          <p:nvPr>
+            <p:ph idx="1"/>
+          </p:nvPr>
+        </p:nvSpPr>
+        <p:spPr/>
+        <p:txBody>
+          <a:bodyPr/>
+          <a:lstStyle/>
+          <a:p>
+            <a:endParaRPr lang="en-US"/>
+          </a:p>
+        </p:txBody>
+      </p:sp>
+    </p:spTree>
+    <p:extLst>
+      <p:ext uri="{BB962C8B-B14F-4D97-AF65-F5344CB8AC3E}">
+        <p14:creationId xmlns:p14="http://schemas.microsoft.com/office/powerpoint/2010/main" val="2268589314"/>
+      </p:ext>
+    </p:extLst>
+  </p:cSld>
+  <p:clrMapOvr>
+    <a:masterClrMapping/>
+  </p:clrMapOvr>
+</p:sld>
+</file>
+
+<file path=ppt/slides/slide17.xml><?xml version="1.0" encoding="utf-8"?>
+<p:sld xmlns:a="http://schemas.openxmlformats.org/drawingml/2006/main" xmlns:r="http://schemas.openxmlformats.org/officeDocument/2006/relationships" xmlns:p="http://schemas.openxmlformats.org/presentationml/2006/main">
+  <p:cSld>
+    <p:spTree>
+      <p:nvGrpSpPr>
+        <p:cNvPr id="1" name=""/>
+        <p:cNvGrpSpPr/>
+        <p:nvPr/>
+      </p:nvGrpSpPr>
+      <p:grpSpPr>
+        <a:xfrm>
+          <a:off x="0" y="0"/>
+          <a:ext cx="0" cy="0"/>
+          <a:chOff x="0" y="0"/>
+          <a:chExt cx="0" cy="0"/>
+        </a:xfrm>
+      </p:grpSpPr>
+      <p:sp>
+        <p:nvSpPr>
+          <p:cNvPr id="2" name="Title 1">
+            <a:extLst>
+              <a:ext uri="{FF2B5EF4-FFF2-40B4-BE49-F238E27FC236}">
+                <a16:creationId xmlns:a16="http://schemas.microsoft.com/office/drawing/2014/main" id="{97E52BC8-27D9-453F-9B85-8FF51EC91C25}"/>
+              </a:ext>
+            </a:extLst>
+          </p:cNvPr>
+          <p:cNvSpPr>
+            <a:spLocks noGrp="1"/>
+          </p:cNvSpPr>
+          <p:nvPr>
+            <p:ph type="title"/>
+          </p:nvPr>
+        </p:nvSpPr>
+        <p:spPr/>
+        <p:txBody>
+          <a:bodyPr/>
+          <a:lstStyle/>
+          <a:p>
+            <a:r>
+              <a:rPr lang="en-US" dirty="0"/>
+              <a:t>9. </a:t>
+            </a:r>
+            <a:r>
+              <a:rPr lang="en-US" dirty="0" err="1"/>
+              <a:t>Kế</a:t>
+            </a:r>
+            <a:r>
+              <a:rPr lang="en-US" dirty="0"/>
+              <a:t> </a:t>
+            </a:r>
+            <a:r>
+              <a:rPr lang="en-US" dirty="0" err="1"/>
+              <a:t>hoạch</a:t>
+            </a:r>
+            <a:r>
+              <a:rPr lang="en-US" dirty="0"/>
+              <a:t> </a:t>
+            </a:r>
+            <a:r>
+              <a:rPr lang="en-US" dirty="0" err="1"/>
+              <a:t>thực</a:t>
+            </a:r>
+            <a:r>
+              <a:rPr lang="en-US" dirty="0"/>
+              <a:t> </a:t>
+            </a:r>
+            <a:r>
+              <a:rPr lang="en-US" dirty="0" err="1"/>
+              <a:t>hiện</a:t>
+            </a:r>
+            <a:endParaRPr lang="en-US" dirty="0"/>
+          </a:p>
+        </p:txBody>
+      </p:sp>
+      <p:sp>
+        <p:nvSpPr>
+          <p:cNvPr id="3" name="Content Placeholder 2">
+            <a:extLst>
+              <a:ext uri="{FF2B5EF4-FFF2-40B4-BE49-F238E27FC236}">
+                <a16:creationId xmlns:a16="http://schemas.microsoft.com/office/drawing/2014/main" id="{44081698-2C86-405D-A751-6CE885962ACE}"/>
+              </a:ext>
+            </a:extLst>
+          </p:cNvPr>
+          <p:cNvSpPr>
+            <a:spLocks noGrp="1"/>
+          </p:cNvSpPr>
+          <p:nvPr>
+            <p:ph idx="1"/>
+          </p:nvPr>
+        </p:nvSpPr>
+        <p:spPr/>
+        <p:txBody>
+          <a:bodyPr/>
+          <a:lstStyle/>
+          <a:p>
+            <a:endParaRPr lang="en-US"/>
+          </a:p>
+        </p:txBody>
+      </p:sp>
+    </p:spTree>
+    <p:extLst>
+      <p:ext uri="{BB962C8B-B14F-4D97-AF65-F5344CB8AC3E}">
+        <p14:creationId xmlns:p14="http://schemas.microsoft.com/office/powerpoint/2010/main" val="30425577"/>
       </p:ext>
     </p:extLst>
   </p:cSld>
@@ -3289,10 +5918,9 @@
           <a:lstStyle/>
           <a:p>
             <a:r>
-              <a:rPr lang="en-US" smtClean="0"/>
+              <a:rPr lang="en-US"/>
               <a:t>Tài liệu tham khảo</a:t>
             </a:r>
-            <a:endParaRPr lang="en-US"/>
           </a:p>
         </p:txBody>
       </p:sp>
@@ -3313,99 +5941,118 @@
           </a:bodyPr>
           <a:lstStyle/>
           <a:p>
-            <a:pPr lvl="0" hangingPunct="0"/>
-            <a:r>
-              <a:rPr lang="en-US"/>
-              <a:t>Namit Bhatia, 1992, The Oxford Companion to the English Language, trang (pp.) 1051 – </a:t>
-            </a:r>
-            <a:r>
-              <a:rPr lang="en-US"/>
-              <a:t>1054</a:t>
-            </a:r>
-            <a:r>
-              <a:rPr lang="en-US" smtClean="0"/>
-              <a:t>. [1]</a:t>
-            </a:r>
-            <a:endParaRPr lang="en-US"/>
-          </a:p>
-          <a:p>
-            <a:pPr lvl="0" hangingPunct="0"/>
-            <a:r>
-              <a:rPr lang="vi-VN"/>
+            <a:pPr lvl="0" algn="just" hangingPunct="0"/>
+            <a:r>
+              <a:rPr lang="en-US" dirty="0" err="1">
+                <a:latin typeface="Calibri (Body)"/>
+              </a:rPr>
+              <a:t>Namit</a:t>
+            </a:r>
+            <a:r>
+              <a:rPr lang="en-US" dirty="0">
+                <a:latin typeface="Calibri (Body)"/>
+              </a:rPr>
+              <a:t> Bhatia, 1992, The Oxford Companion to the English Language, </a:t>
+            </a:r>
+            <a:r>
+              <a:rPr lang="en-US" dirty="0" err="1">
+                <a:latin typeface="Calibri (Body)"/>
+              </a:rPr>
+              <a:t>trang</a:t>
+            </a:r>
+            <a:r>
+              <a:rPr lang="en-US" dirty="0">
+                <a:latin typeface="Calibri (Body)"/>
+              </a:rPr>
+              <a:t> (pp.) 1051 – 1054. [1]</a:t>
+            </a:r>
+          </a:p>
+          <a:p>
+            <a:pPr lvl="0" algn="just" hangingPunct="0"/>
+            <a:r>
+              <a:rPr lang="vi-VN" dirty="0">
+                <a:latin typeface="Calibri (Body)"/>
+              </a:rPr>
               <a:t>Peter F. Brown, John Cocke, Stephen A. Della Pietra, Vincent J. Della Pietra, Fredrick Jelinek, John D. Lafferty, Robert L. Mercer</a:t>
             </a:r>
             <a:r>
-              <a:rPr lang="en-US"/>
+              <a:rPr lang="en-US" dirty="0">
+                <a:latin typeface="Calibri (Body)"/>
+              </a:rPr>
               <a:t>,</a:t>
             </a:r>
             <a:r>
-              <a:rPr lang="vi-VN"/>
+              <a:rPr lang="vi-VN" dirty="0">
+                <a:latin typeface="Calibri (Body)"/>
+              </a:rPr>
               <a:t> Paul S. Roossin</a:t>
             </a:r>
             <a:r>
-              <a:rPr lang="en-US"/>
-              <a:t>, 1990, A STATISTICAL APPROACH TO MACHINE </a:t>
-            </a:r>
-            <a:r>
-              <a:rPr lang="en-US"/>
-              <a:t>TRANSLATION</a:t>
-            </a:r>
-            <a:r>
-              <a:rPr lang="en-US" smtClean="0"/>
-              <a:t>. [2]</a:t>
-            </a:r>
-            <a:endParaRPr lang="en-US"/>
-          </a:p>
-          <a:p>
-            <a:pPr lvl="0" hangingPunct="0"/>
-            <a:r>
-              <a:rPr lang="vi-VN"/>
+              <a:rPr lang="en-US" dirty="0">
+                <a:latin typeface="Calibri (Body)"/>
+              </a:rPr>
+              <a:t>, 1990, A STATISTICAL APPROACH TO MACHINE TRANSLATION. [2]</a:t>
+            </a:r>
+          </a:p>
+          <a:p>
+            <a:pPr lvl="0" algn="just" hangingPunct="0"/>
+            <a:r>
+              <a:rPr lang="vi-VN" dirty="0">
+                <a:latin typeface="Calibri (Body)"/>
+              </a:rPr>
               <a:t>Peter F. Brown</a:t>
             </a:r>
             <a:r>
-              <a:rPr lang="en-US"/>
+              <a:rPr lang="en-US" dirty="0">
+                <a:latin typeface="Calibri (Body)"/>
+              </a:rPr>
               <a:t>, </a:t>
             </a:r>
             <a:r>
-              <a:rPr lang="vi-VN"/>
+              <a:rPr lang="vi-VN" dirty="0">
+                <a:latin typeface="Calibri (Body)"/>
+              </a:rPr>
               <a:t>Vincent J. Della Pietra</a:t>
             </a:r>
             <a:r>
-              <a:rPr lang="en-US"/>
+              <a:rPr lang="en-US" dirty="0">
+                <a:latin typeface="Calibri (Body)"/>
+              </a:rPr>
               <a:t>, </a:t>
             </a:r>
             <a:r>
-              <a:rPr lang="vi-VN"/>
+              <a:rPr lang="vi-VN" dirty="0">
+                <a:latin typeface="Calibri (Body)"/>
+              </a:rPr>
               <a:t>Stephen A. Della Pietra</a:t>
             </a:r>
             <a:r>
-              <a:rPr lang="en-US"/>
-              <a:t>, Robert L. Mercer, 1993, The Mathematics of Statistical Machine Translation: Parameter </a:t>
-            </a:r>
-            <a:r>
-              <a:rPr lang="en-US"/>
-              <a:t>Estimation</a:t>
-            </a:r>
-            <a:r>
-              <a:rPr lang="en-US" smtClean="0"/>
-              <a:t>. [3]</a:t>
-            </a:r>
-            <a:endParaRPr lang="en-US"/>
-          </a:p>
-          <a:p>
-            <a:r>
-              <a:rPr lang="en-US"/>
-              <a:t>Chris Dyer, Victor Chahuneau, Noah A. Smith, 2013, A Simple, Fast, and Effective Reparameterization of IBM Model </a:t>
-            </a:r>
-            <a:r>
-              <a:rPr lang="en-US"/>
-              <a:t>2</a:t>
-            </a:r>
-            <a:r>
-              <a:rPr lang="en-US" smtClean="0"/>
-              <a:t>. [4]</a:t>
-            </a:r>
-            <a:endParaRPr lang="en-US"/>
+              <a:rPr lang="en-US" dirty="0">
+                <a:latin typeface="Calibri (Body)"/>
+              </a:rPr>
+              <a:t>, Robert L. Mercer, 1993, The Mathematics of Statistical Machine Translation: Parameter Estimation. [3]</a:t>
+            </a:r>
+          </a:p>
+          <a:p>
+            <a:pPr algn="just"/>
+            <a:r>
+              <a:rPr lang="en-US" dirty="0">
+                <a:latin typeface="Calibri (Body)"/>
+              </a:rPr>
+              <a:t>Chris Dyer, Victor </a:t>
+            </a:r>
+            <a:r>
+              <a:rPr lang="en-US" dirty="0" err="1">
+                <a:latin typeface="Calibri (Body)"/>
+              </a:rPr>
+              <a:t>Chahuneau</a:t>
+            </a:r>
+            <a:r>
+              <a:rPr lang="en-US" dirty="0">
+                <a:latin typeface="Calibri (Body)"/>
+              </a:rPr>
+              <a:t>, Noah A. Smith, 2013, A Simple, Fast, and Effective Reparameterization of IBM Model 2. [4]</a:t>
+            </a:r>
           </a:p>
         </p:txBody>
       </p:sp>
@@ -3455,10 +6102,9 @@
           <a:lstStyle/>
           <a:p>
             <a:r>
-              <a:rPr lang="en-US" smtClean="0"/>
+              <a:rPr lang="en-US"/>
               <a:t>Tài liệu tham khảo</a:t>
             </a:r>
-            <a:endParaRPr lang="en-US"/>
           </a:p>
         </p:txBody>
       </p:sp>
@@ -3479,25 +6125,91 @@
           </a:bodyPr>
           <a:lstStyle/>
           <a:p>
-            <a:pPr lvl="0" hangingPunct="0"/>
-            <a:r>
-              <a:rPr lang="en-US"/>
-              <a:t>James D. Miller , Rui Miguel Forte, 2017, Mastering Predictive Analytics with R - Second Edition.</a:t>
-            </a:r>
-          </a:p>
-          <a:p>
-            <a:pPr lvl="0" hangingPunct="0"/>
-            <a:r>
-              <a:rPr lang="en-US"/>
-              <a:t>Nikolay Kyurkchiev, Svetoslav Markov, 2015, SIGMOID FUNCTIONS: SOME APPROXIMATION, AND MODELLING ASPECTS.</a:t>
-            </a:r>
-          </a:p>
-          <a:p>
-            <a:r>
-              <a:rPr lang="en-US"/>
-              <a:t>Cho, K., Van Merriënboer, B., Bahdanau, D., &amp; Bengio, Y, 2014, On the properties of neural machine translation: Encoder-decoder approaches. arXiv preprint arXiv:1409.1259.</a:t>
-            </a:r>
-            <a:endParaRPr lang="en-US"/>
+            <a:pPr lvl="0" algn="just" hangingPunct="0"/>
+            <a:r>
+              <a:rPr lang="en-US" dirty="0">
+                <a:latin typeface="Calibri (Body)"/>
+              </a:rPr>
+              <a:t>James D. Miller , Rui Miguel Forte, 2017, Mastering Predictive Analytics with R - Second Edition. [5]</a:t>
+            </a:r>
+          </a:p>
+          <a:p>
+            <a:pPr lvl="0" algn="just" hangingPunct="0"/>
+            <a:r>
+              <a:rPr lang="en-US" dirty="0">
+                <a:latin typeface="Calibri (Body)"/>
+              </a:rPr>
+              <a:t>Nikolay </a:t>
+            </a:r>
+            <a:r>
+              <a:rPr lang="en-US" dirty="0" err="1">
+                <a:latin typeface="Calibri (Body)"/>
+              </a:rPr>
+              <a:t>Kyurkchiev</a:t>
+            </a:r>
+            <a:r>
+              <a:rPr lang="en-US" dirty="0">
+                <a:latin typeface="Calibri (Body)"/>
+              </a:rPr>
+              <a:t>, Svetoslav Markov, 2015, SIGMOID FUNCTIONS: SOME APPROXIMATION, AND MODELLING ASPECTS. [6]</a:t>
+            </a:r>
+          </a:p>
+          <a:p>
+            <a:pPr algn="just"/>
+            <a:r>
+              <a:rPr lang="en-US" dirty="0">
+                <a:latin typeface="Calibri (Body)"/>
+              </a:rPr>
+              <a:t>Cho, K., Van </a:t>
+            </a:r>
+            <a:r>
+              <a:rPr lang="en-US" dirty="0" err="1">
+                <a:latin typeface="Calibri (Body)"/>
+              </a:rPr>
+              <a:t>Merriënboer</a:t>
+            </a:r>
+            <a:r>
+              <a:rPr lang="en-US" dirty="0">
+                <a:latin typeface="Calibri (Body)"/>
+              </a:rPr>
+              <a:t>, B., </a:t>
+            </a:r>
+            <a:r>
+              <a:rPr lang="en-US" dirty="0" err="1">
+                <a:latin typeface="Calibri (Body)"/>
+              </a:rPr>
+              <a:t>Bahdanau</a:t>
+            </a:r>
+            <a:r>
+              <a:rPr lang="en-US" dirty="0">
+                <a:latin typeface="Calibri (Body)"/>
+              </a:rPr>
+              <a:t>, D., &amp; </a:t>
+            </a:r>
+            <a:r>
+              <a:rPr lang="en-US" dirty="0" err="1">
+                <a:latin typeface="Calibri (Body)"/>
+              </a:rPr>
+              <a:t>Bengio</a:t>
+            </a:r>
+            <a:r>
+              <a:rPr lang="en-US" dirty="0">
+                <a:latin typeface="Calibri (Body)"/>
+              </a:rPr>
+              <a:t>, Y, 2014, On the properties of neural machine translation: Encoder-decoder approaches. </a:t>
+            </a:r>
+            <a:r>
+              <a:rPr lang="en-US" dirty="0" err="1">
+                <a:latin typeface="Calibri (Body)"/>
+              </a:rPr>
+              <a:t>arXiv</a:t>
+            </a:r>
+            <a:r>
+              <a:rPr lang="en-US" dirty="0">
+                <a:latin typeface="Calibri (Body)"/>
+              </a:rPr>
+              <a:t> preprint arXiv:1409.1259. [7]</a:t>
+            </a:r>
           </a:p>
         </p:txBody>
       </p:sp>
@@ -3505,6 +6217,2719 @@
     <p:extLst>
       <p:ext uri="{BB962C8B-B14F-4D97-AF65-F5344CB8AC3E}">
         <p14:creationId xmlns:p14="http://schemas.microsoft.com/office/powerpoint/2010/main" val="157506464"/>
+      </p:ext>
+    </p:extLst>
+  </p:cSld>
+  <p:clrMapOvr>
+    <a:masterClrMapping/>
+  </p:clrMapOvr>
+</p:sld>
+</file>
+
+<file path=ppt/slides/slide4.xml><?xml version="1.0" encoding="utf-8"?>
+<p:sld xmlns:a="http://schemas.openxmlformats.org/drawingml/2006/main" xmlns:r="http://schemas.openxmlformats.org/officeDocument/2006/relationships" xmlns:p="http://schemas.openxmlformats.org/presentationml/2006/main">
+  <p:cSld>
+    <p:spTree>
+      <p:nvGrpSpPr>
+        <p:cNvPr id="1" name=""/>
+        <p:cNvGrpSpPr/>
+        <p:nvPr/>
+      </p:nvGrpSpPr>
+      <p:grpSpPr>
+        <a:xfrm>
+          <a:off x="0" y="0"/>
+          <a:ext cx="0" cy="0"/>
+          <a:chOff x="0" y="0"/>
+          <a:chExt cx="0" cy="0"/>
+        </a:xfrm>
+      </p:grpSpPr>
+      <p:sp>
+        <p:nvSpPr>
+          <p:cNvPr id="2" name="Title 1"/>
+          <p:cNvSpPr>
+            <a:spLocks noGrp="1"/>
+          </p:cNvSpPr>
+          <p:nvPr>
+            <p:ph type="title"/>
+          </p:nvPr>
+        </p:nvSpPr>
+        <p:spPr>
+          <a:xfrm>
+            <a:off x="838200" y="331312"/>
+            <a:ext cx="10515600" cy="1325563"/>
+          </a:xfrm>
+        </p:spPr>
+        <p:txBody>
+          <a:bodyPr/>
+          <a:lstStyle/>
+          <a:p>
+            <a:r>
+              <a:rPr lang="en-US" dirty="0" err="1"/>
+              <a:t>Tài</a:t>
+            </a:r>
+            <a:r>
+              <a:rPr lang="en-US" dirty="0"/>
+              <a:t> </a:t>
+            </a:r>
+            <a:r>
+              <a:rPr lang="en-US" dirty="0" err="1"/>
+              <a:t>liệu</a:t>
+            </a:r>
+            <a:r>
+              <a:rPr lang="en-US" dirty="0"/>
+              <a:t> </a:t>
+            </a:r>
+            <a:r>
+              <a:rPr lang="en-US" dirty="0" err="1"/>
+              <a:t>tham</a:t>
+            </a:r>
+            <a:r>
+              <a:rPr lang="en-US" dirty="0"/>
+              <a:t> </a:t>
+            </a:r>
+            <a:r>
+              <a:rPr lang="en-US" dirty="0" err="1"/>
+              <a:t>khảo</a:t>
+            </a:r>
+            <a:endParaRPr lang="en-US" dirty="0"/>
+          </a:p>
+        </p:txBody>
+      </p:sp>
+      <p:sp>
+        <p:nvSpPr>
+          <p:cNvPr id="3" name="Content Placeholder 2"/>
+          <p:cNvSpPr>
+            <a:spLocks noGrp="1"/>
+          </p:cNvSpPr>
+          <p:nvPr>
+            <p:ph idx="1"/>
+          </p:nvPr>
+        </p:nvSpPr>
+        <p:spPr>
+          <a:xfrm>
+            <a:off x="838200" y="1656875"/>
+            <a:ext cx="10515600" cy="3904056"/>
+          </a:xfrm>
+        </p:spPr>
+        <p:txBody>
+          <a:bodyPr>
+            <a:noAutofit/>
+          </a:bodyPr>
+          <a:lstStyle/>
+          <a:p>
+            <a:pPr algn="just" hangingPunct="0"/>
+            <a:r>
+              <a:rPr lang="en-US" dirty="0" err="1">
+                <a:effectLst/>
+                <a:latin typeface="Calibri (Body)"/>
+                <a:ea typeface="Times New Roman" panose="02020603050405020304" pitchFamily="18" charset="0"/>
+              </a:rPr>
+              <a:t>Dzmitry</a:t>
+            </a:r>
+            <a:r>
+              <a:rPr lang="en-US" dirty="0">
+                <a:effectLst/>
+                <a:latin typeface="Calibri (Body)"/>
+                <a:ea typeface="Times New Roman" panose="02020603050405020304" pitchFamily="18" charset="0"/>
+              </a:rPr>
+              <a:t> </a:t>
+            </a:r>
+            <a:r>
+              <a:rPr lang="en-US" dirty="0" err="1">
+                <a:effectLst/>
+                <a:latin typeface="Calibri (Body)"/>
+                <a:ea typeface="Times New Roman" panose="02020603050405020304" pitchFamily="18" charset="0"/>
+              </a:rPr>
+              <a:t>Bahdanau</a:t>
+            </a:r>
+            <a:r>
+              <a:rPr lang="en-US" dirty="0">
+                <a:effectLst/>
+                <a:latin typeface="Calibri (Body)"/>
+                <a:ea typeface="Times New Roman" panose="02020603050405020304" pitchFamily="18" charset="0"/>
+              </a:rPr>
+              <a:t>, </a:t>
+            </a:r>
+            <a:r>
+              <a:rPr lang="en-US" dirty="0" err="1">
+                <a:effectLst/>
+                <a:latin typeface="Calibri (Body)"/>
+                <a:ea typeface="Times New Roman" panose="02020603050405020304" pitchFamily="18" charset="0"/>
+              </a:rPr>
+              <a:t>KyungHyun</a:t>
+            </a:r>
+            <a:r>
+              <a:rPr lang="en-US" dirty="0">
+                <a:effectLst/>
+                <a:latin typeface="Calibri (Body)"/>
+                <a:ea typeface="Times New Roman" panose="02020603050405020304" pitchFamily="18" charset="0"/>
+              </a:rPr>
+              <a:t> Cho, </a:t>
+            </a:r>
+            <a:r>
+              <a:rPr lang="en-US" dirty="0" err="1">
+                <a:effectLst/>
+                <a:latin typeface="Calibri (Body)"/>
+                <a:ea typeface="Times New Roman" panose="02020603050405020304" pitchFamily="18" charset="0"/>
+              </a:rPr>
+              <a:t>Yoshua</a:t>
+            </a:r>
+            <a:r>
+              <a:rPr lang="en-US" dirty="0">
+                <a:effectLst/>
+                <a:latin typeface="Calibri (Body)"/>
+                <a:ea typeface="Times New Roman" panose="02020603050405020304" pitchFamily="18" charset="0"/>
+              </a:rPr>
+              <a:t> </a:t>
+            </a:r>
+            <a:r>
+              <a:rPr lang="en-US" dirty="0" err="1">
+                <a:effectLst/>
+                <a:latin typeface="Calibri (Body)"/>
+                <a:ea typeface="Times New Roman" panose="02020603050405020304" pitchFamily="18" charset="0"/>
+              </a:rPr>
+              <a:t>Bengio</a:t>
+            </a:r>
+            <a:r>
+              <a:rPr lang="en-US" dirty="0">
+                <a:effectLst/>
+                <a:latin typeface="Calibri (Body)"/>
+                <a:ea typeface="Times New Roman" panose="02020603050405020304" pitchFamily="18" charset="0"/>
+              </a:rPr>
+              <a:t>, 2015, NEURAL MACHINE TRANSLATION BY JOINTLY LEARNING TO ALIGN AND TRANSLATE. [8]</a:t>
+            </a:r>
+          </a:p>
+          <a:p>
+            <a:pPr algn="just" hangingPunct="0"/>
+            <a:r>
+              <a:rPr lang="en-US" dirty="0">
+                <a:effectLst/>
+                <a:latin typeface="Calibri (Body)"/>
+                <a:ea typeface="Times New Roman" panose="02020603050405020304" pitchFamily="18" charset="0"/>
+              </a:rPr>
+              <a:t>Ashish Vaswani, Noam </a:t>
+            </a:r>
+            <a:r>
+              <a:rPr lang="en-US" dirty="0" err="1">
+                <a:effectLst/>
+                <a:latin typeface="Calibri (Body)"/>
+                <a:ea typeface="Times New Roman" panose="02020603050405020304" pitchFamily="18" charset="0"/>
+              </a:rPr>
+              <a:t>Shazeer</a:t>
+            </a:r>
+            <a:r>
+              <a:rPr lang="en-US" dirty="0">
+                <a:effectLst/>
+                <a:latin typeface="Calibri (Body)"/>
+                <a:ea typeface="Times New Roman" panose="02020603050405020304" pitchFamily="18" charset="0"/>
+              </a:rPr>
+              <a:t>, Niki Parmar, Jakob </a:t>
+            </a:r>
+            <a:r>
+              <a:rPr lang="en-US" dirty="0" err="1">
+                <a:effectLst/>
+                <a:latin typeface="Calibri (Body)"/>
+                <a:ea typeface="Times New Roman" panose="02020603050405020304" pitchFamily="18" charset="0"/>
+              </a:rPr>
+              <a:t>Uszkoreit</a:t>
+            </a:r>
+            <a:r>
+              <a:rPr lang="en-US" dirty="0">
+                <a:effectLst/>
+                <a:latin typeface="Calibri (Body)"/>
+                <a:ea typeface="Times New Roman" panose="02020603050405020304" pitchFamily="18" charset="0"/>
+              </a:rPr>
+              <a:t>, </a:t>
+            </a:r>
+            <a:r>
+              <a:rPr lang="en-US" dirty="0" err="1">
+                <a:effectLst/>
+                <a:latin typeface="Calibri (Body)"/>
+                <a:ea typeface="Times New Roman" panose="02020603050405020304" pitchFamily="18" charset="0"/>
+              </a:rPr>
+              <a:t>Llion</a:t>
+            </a:r>
+            <a:r>
+              <a:rPr lang="en-US" dirty="0">
+                <a:effectLst/>
+                <a:latin typeface="Calibri (Body)"/>
+                <a:ea typeface="Times New Roman" panose="02020603050405020304" pitchFamily="18" charset="0"/>
+              </a:rPr>
+              <a:t> Jones, Aidan N. Gomez, </a:t>
+            </a:r>
+            <a:r>
+              <a:rPr lang="en-US" dirty="0" err="1">
+                <a:effectLst/>
+                <a:latin typeface="Calibri (Body)"/>
+                <a:ea typeface="Times New Roman" panose="02020603050405020304" pitchFamily="18" charset="0"/>
+              </a:rPr>
+              <a:t>Łukasz</a:t>
+            </a:r>
+            <a:r>
+              <a:rPr lang="en-US" dirty="0">
+                <a:effectLst/>
+                <a:latin typeface="Calibri (Body)"/>
+                <a:ea typeface="Times New Roman" panose="02020603050405020304" pitchFamily="18" charset="0"/>
+              </a:rPr>
+              <a:t> Kaiser, </a:t>
+            </a:r>
+            <a:r>
+              <a:rPr lang="en-US" dirty="0" err="1">
+                <a:effectLst/>
+                <a:latin typeface="Calibri (Body)"/>
+                <a:ea typeface="Times New Roman" panose="02020603050405020304" pitchFamily="18" charset="0"/>
+              </a:rPr>
+              <a:t>Illia</a:t>
+            </a:r>
+            <a:r>
+              <a:rPr lang="en-US" dirty="0">
+                <a:effectLst/>
+                <a:latin typeface="Calibri (Body)"/>
+                <a:ea typeface="Times New Roman" panose="02020603050405020304" pitchFamily="18" charset="0"/>
+              </a:rPr>
+              <a:t> </a:t>
+            </a:r>
+            <a:r>
+              <a:rPr lang="en-US" dirty="0" err="1">
+                <a:effectLst/>
+                <a:latin typeface="Calibri (Body)"/>
+                <a:ea typeface="Times New Roman" panose="02020603050405020304" pitchFamily="18" charset="0"/>
+              </a:rPr>
+              <a:t>Polosukhin</a:t>
+            </a:r>
+            <a:r>
+              <a:rPr lang="en-US" dirty="0">
+                <a:effectLst/>
+                <a:latin typeface="Calibri (Body)"/>
+                <a:ea typeface="Times New Roman" panose="02020603050405020304" pitchFamily="18" charset="0"/>
+              </a:rPr>
+              <a:t>, 2017, Attention Is All You Need. [9]</a:t>
+            </a:r>
+          </a:p>
+          <a:p>
+            <a:pPr algn="just"/>
+            <a:r>
+              <a:rPr lang="en-US" dirty="0">
+                <a:effectLst/>
+                <a:latin typeface="Calibri (Body)"/>
+                <a:ea typeface="Times New Roman" panose="02020603050405020304" pitchFamily="18" charset="0"/>
+              </a:rPr>
+              <a:t>Sarthak Garg, Stephan </a:t>
+            </a:r>
+            <a:r>
+              <a:rPr lang="en-US" dirty="0" err="1">
+                <a:effectLst/>
+                <a:latin typeface="Calibri (Body)"/>
+                <a:ea typeface="Times New Roman" panose="02020603050405020304" pitchFamily="18" charset="0"/>
+              </a:rPr>
+              <a:t>Peitz</a:t>
+            </a:r>
+            <a:r>
+              <a:rPr lang="en-US" dirty="0">
+                <a:effectLst/>
+                <a:latin typeface="Calibri (Body)"/>
+                <a:ea typeface="Times New Roman" panose="02020603050405020304" pitchFamily="18" charset="0"/>
+              </a:rPr>
+              <a:t>, </a:t>
+            </a:r>
+            <a:r>
+              <a:rPr lang="en-US" dirty="0" err="1">
+                <a:effectLst/>
+                <a:latin typeface="Calibri (Body)"/>
+                <a:ea typeface="Times New Roman" panose="02020603050405020304" pitchFamily="18" charset="0"/>
+              </a:rPr>
+              <a:t>Udhyakumar</a:t>
+            </a:r>
+            <a:r>
+              <a:rPr lang="en-US" dirty="0">
+                <a:effectLst/>
+                <a:latin typeface="Calibri (Body)"/>
+                <a:ea typeface="Times New Roman" panose="02020603050405020304" pitchFamily="18" charset="0"/>
+              </a:rPr>
+              <a:t> </a:t>
+            </a:r>
+            <a:r>
+              <a:rPr lang="en-US" dirty="0" err="1">
+                <a:effectLst/>
+                <a:latin typeface="Calibri (Body)"/>
+                <a:ea typeface="Times New Roman" panose="02020603050405020304" pitchFamily="18" charset="0"/>
+              </a:rPr>
+              <a:t>Nallasamy</a:t>
+            </a:r>
+            <a:r>
+              <a:rPr lang="en-US" dirty="0">
+                <a:effectLst/>
+                <a:latin typeface="Calibri (Body)"/>
+                <a:ea typeface="Times New Roman" panose="02020603050405020304" pitchFamily="18" charset="0"/>
+              </a:rPr>
+              <a:t>, Matthias </a:t>
+            </a:r>
+            <a:r>
+              <a:rPr lang="en-US" dirty="0" err="1">
+                <a:effectLst/>
+                <a:latin typeface="Calibri (Body)"/>
+                <a:ea typeface="Times New Roman" panose="02020603050405020304" pitchFamily="18" charset="0"/>
+              </a:rPr>
+              <a:t>Paulik</a:t>
+            </a:r>
+            <a:r>
+              <a:rPr lang="en-US" dirty="0">
+                <a:effectLst/>
+                <a:latin typeface="Calibri (Body)"/>
+                <a:ea typeface="Times New Roman" panose="02020603050405020304" pitchFamily="18" charset="0"/>
+              </a:rPr>
+              <a:t>, 2019, Jointly Learning to Align and Translate with Transformer Models. [10]</a:t>
+            </a:r>
+            <a:endParaRPr lang="en-US" dirty="0">
+              <a:latin typeface="Calibri (Body)"/>
+            </a:endParaRPr>
+          </a:p>
+        </p:txBody>
+      </p:sp>
+    </p:spTree>
+    <p:extLst>
+      <p:ext uri="{BB962C8B-B14F-4D97-AF65-F5344CB8AC3E}">
+        <p14:creationId xmlns:p14="http://schemas.microsoft.com/office/powerpoint/2010/main" val="1630506516"/>
+      </p:ext>
+    </p:extLst>
+  </p:cSld>
+  <p:clrMapOvr>
+    <a:masterClrMapping/>
+  </p:clrMapOvr>
+</p:sld>
+</file>
+
+<file path=ppt/slides/slide5.xml><?xml version="1.0" encoding="utf-8"?>
+<p:sld xmlns:a="http://schemas.openxmlformats.org/drawingml/2006/main" xmlns:r="http://schemas.openxmlformats.org/officeDocument/2006/relationships" xmlns:p="http://schemas.openxmlformats.org/presentationml/2006/main">
+  <p:cSld>
+    <p:spTree>
+      <p:nvGrpSpPr>
+        <p:cNvPr id="1" name=""/>
+        <p:cNvGrpSpPr/>
+        <p:nvPr/>
+      </p:nvGrpSpPr>
+      <p:grpSpPr>
+        <a:xfrm>
+          <a:off x="0" y="0"/>
+          <a:ext cx="0" cy="0"/>
+          <a:chOff x="0" y="0"/>
+          <a:chExt cx="0" cy="0"/>
+        </a:xfrm>
+      </p:grpSpPr>
+      <p:sp>
+        <p:nvSpPr>
+          <p:cNvPr id="2" name="Title 1">
+            <a:extLst>
+              <a:ext uri="{FF2B5EF4-FFF2-40B4-BE49-F238E27FC236}">
+                <a16:creationId xmlns:a16="http://schemas.microsoft.com/office/drawing/2014/main" id="{01967ABD-E669-492A-942E-D846EB6712D3}"/>
+              </a:ext>
+            </a:extLst>
+          </p:cNvPr>
+          <p:cNvSpPr>
+            <a:spLocks noGrp="1"/>
+          </p:cNvSpPr>
+          <p:nvPr>
+            <p:ph type="title"/>
+          </p:nvPr>
+        </p:nvSpPr>
+        <p:spPr/>
+        <p:txBody>
+          <a:bodyPr/>
+          <a:lstStyle/>
+          <a:p>
+            <a:r>
+              <a:rPr lang="en-US" dirty="0" err="1"/>
+              <a:t>Mục</a:t>
+            </a:r>
+            <a:r>
+              <a:rPr lang="en-US" dirty="0"/>
+              <a:t> </a:t>
+            </a:r>
+            <a:r>
+              <a:rPr lang="en-US" dirty="0" err="1"/>
+              <a:t>lục</a:t>
+            </a:r>
+            <a:endParaRPr lang="en-US" dirty="0"/>
+          </a:p>
+        </p:txBody>
+      </p:sp>
+      <p:sp>
+        <p:nvSpPr>
+          <p:cNvPr id="3" name="Content Placeholder 2">
+            <a:extLst>
+              <a:ext uri="{FF2B5EF4-FFF2-40B4-BE49-F238E27FC236}">
+                <a16:creationId xmlns:a16="http://schemas.microsoft.com/office/drawing/2014/main" id="{0F9C8734-F7B0-4F5D-8E13-E6EA2AAABE3D}"/>
+              </a:ext>
+            </a:extLst>
+          </p:cNvPr>
+          <p:cNvSpPr>
+            <a:spLocks noGrp="1"/>
+          </p:cNvSpPr>
+          <p:nvPr>
+            <p:ph idx="1"/>
+          </p:nvPr>
+        </p:nvSpPr>
+        <p:spPr/>
+        <p:txBody>
+          <a:bodyPr>
+            <a:normAutofit lnSpcReduction="10000"/>
+          </a:bodyPr>
+          <a:lstStyle/>
+          <a:p>
+            <a:pPr marL="514350" indent="-514350">
+              <a:buFont typeface="+mj-lt"/>
+              <a:buAutoNum type="arabicPeriod"/>
+            </a:pPr>
+            <a:r>
+              <a:rPr lang="en-US" dirty="0" err="1"/>
+              <a:t>Tính</a:t>
+            </a:r>
+            <a:r>
+              <a:rPr lang="en-US" dirty="0"/>
+              <a:t> </a:t>
+            </a:r>
+            <a:r>
+              <a:rPr lang="en-US" dirty="0" err="1"/>
+              <a:t>cấp</a:t>
+            </a:r>
+            <a:r>
+              <a:rPr lang="en-US" dirty="0"/>
+              <a:t> </a:t>
+            </a:r>
+            <a:r>
+              <a:rPr lang="en-US" dirty="0" err="1"/>
+              <a:t>thiết</a:t>
+            </a:r>
+            <a:r>
+              <a:rPr lang="en-US" dirty="0"/>
+              <a:t> </a:t>
+            </a:r>
+            <a:r>
+              <a:rPr lang="en-US" dirty="0" err="1"/>
+              <a:t>của</a:t>
+            </a:r>
+            <a:r>
+              <a:rPr lang="en-US" dirty="0"/>
+              <a:t> </a:t>
+            </a:r>
+            <a:r>
+              <a:rPr lang="en-US" dirty="0" err="1"/>
+              <a:t>đề</a:t>
+            </a:r>
+            <a:r>
+              <a:rPr lang="en-US" dirty="0"/>
+              <a:t> </a:t>
+            </a:r>
+            <a:r>
+              <a:rPr lang="en-US" dirty="0" err="1"/>
+              <a:t>tài</a:t>
+            </a:r>
+            <a:r>
+              <a:rPr lang="en-US" dirty="0"/>
+              <a:t>.</a:t>
+            </a:r>
+          </a:p>
+          <a:p>
+            <a:pPr marL="514350" indent="-514350">
+              <a:buFont typeface="+mj-lt"/>
+              <a:buAutoNum type="arabicPeriod"/>
+            </a:pPr>
+            <a:r>
+              <a:rPr lang="en-US" dirty="0" err="1"/>
+              <a:t>Mục</a:t>
+            </a:r>
+            <a:r>
+              <a:rPr lang="en-US" dirty="0"/>
+              <a:t> </a:t>
+            </a:r>
+            <a:r>
+              <a:rPr lang="en-US" dirty="0" err="1"/>
+              <a:t>tiêu</a:t>
+            </a:r>
+            <a:r>
+              <a:rPr lang="en-US" dirty="0"/>
+              <a:t> </a:t>
+            </a:r>
+            <a:r>
+              <a:rPr lang="en-US" dirty="0" err="1"/>
+              <a:t>nghiên</a:t>
+            </a:r>
+            <a:r>
+              <a:rPr lang="en-US" dirty="0"/>
+              <a:t> </a:t>
+            </a:r>
+            <a:r>
+              <a:rPr lang="en-US" dirty="0" err="1"/>
+              <a:t>cứu</a:t>
+            </a:r>
+            <a:r>
+              <a:rPr lang="en-US" dirty="0"/>
+              <a:t>.</a:t>
+            </a:r>
+          </a:p>
+          <a:p>
+            <a:pPr marL="514350" indent="-514350">
+              <a:buFont typeface="+mj-lt"/>
+              <a:buAutoNum type="arabicPeriod"/>
+            </a:pPr>
+            <a:r>
+              <a:rPr lang="en-US" dirty="0" err="1"/>
+              <a:t>Tổng</a:t>
+            </a:r>
+            <a:r>
+              <a:rPr lang="en-US" dirty="0"/>
+              <a:t> </a:t>
+            </a:r>
+            <a:r>
+              <a:rPr lang="en-US" dirty="0" err="1"/>
+              <a:t>quan</a:t>
+            </a:r>
+            <a:r>
+              <a:rPr lang="en-US" dirty="0"/>
+              <a:t> </a:t>
+            </a:r>
+            <a:r>
+              <a:rPr lang="en-US" dirty="0" err="1"/>
+              <a:t>nghiên</a:t>
+            </a:r>
+            <a:r>
+              <a:rPr lang="en-US" dirty="0"/>
+              <a:t> </a:t>
+            </a:r>
+            <a:r>
+              <a:rPr lang="en-US" dirty="0" err="1"/>
+              <a:t>cứu</a:t>
+            </a:r>
+            <a:r>
+              <a:rPr lang="en-US" dirty="0"/>
+              <a:t>.</a:t>
+            </a:r>
+          </a:p>
+          <a:p>
+            <a:pPr marL="514350" indent="-514350">
+              <a:buFont typeface="+mj-lt"/>
+              <a:buAutoNum type="arabicPeriod"/>
+            </a:pPr>
+            <a:r>
+              <a:rPr lang="en-US" dirty="0" err="1"/>
+              <a:t>Phương</a:t>
+            </a:r>
+            <a:r>
+              <a:rPr lang="en-US" dirty="0"/>
+              <a:t> </a:t>
+            </a:r>
+            <a:r>
+              <a:rPr lang="en-US" dirty="0" err="1"/>
+              <a:t>pháp</a:t>
+            </a:r>
+            <a:r>
+              <a:rPr lang="en-US" dirty="0"/>
+              <a:t> </a:t>
+            </a:r>
+            <a:r>
+              <a:rPr lang="en-US" dirty="0" err="1"/>
+              <a:t>nghiên</a:t>
+            </a:r>
+            <a:r>
+              <a:rPr lang="en-US" dirty="0"/>
+              <a:t> </a:t>
+            </a:r>
+            <a:r>
+              <a:rPr lang="en-US" dirty="0" err="1"/>
+              <a:t>cứu</a:t>
+            </a:r>
+            <a:r>
+              <a:rPr lang="en-US" dirty="0"/>
+              <a:t>.</a:t>
+            </a:r>
+          </a:p>
+          <a:p>
+            <a:pPr marL="514350" indent="-514350">
+              <a:buFont typeface="+mj-lt"/>
+              <a:buAutoNum type="arabicPeriod"/>
+            </a:pPr>
+            <a:r>
+              <a:rPr lang="en-US" dirty="0" err="1"/>
+              <a:t>Phạm</a:t>
+            </a:r>
+            <a:r>
+              <a:rPr lang="en-US" dirty="0"/>
+              <a:t> vi </a:t>
+            </a:r>
+            <a:r>
+              <a:rPr lang="en-US" dirty="0" err="1"/>
+              <a:t>nghiên</a:t>
+            </a:r>
+            <a:r>
+              <a:rPr lang="en-US" dirty="0"/>
+              <a:t> </a:t>
+            </a:r>
+            <a:r>
+              <a:rPr lang="en-US" dirty="0" err="1"/>
+              <a:t>cứu</a:t>
+            </a:r>
+            <a:r>
+              <a:rPr lang="en-US" dirty="0"/>
+              <a:t>.</a:t>
+            </a:r>
+          </a:p>
+          <a:p>
+            <a:pPr marL="514350" indent="-514350">
+              <a:buFont typeface="+mj-lt"/>
+              <a:buAutoNum type="arabicPeriod"/>
+            </a:pPr>
+            <a:r>
+              <a:rPr lang="en-US" dirty="0" err="1"/>
+              <a:t>Đối</a:t>
+            </a:r>
+            <a:r>
+              <a:rPr lang="en-US" dirty="0"/>
+              <a:t> </a:t>
+            </a:r>
+            <a:r>
+              <a:rPr lang="en-US" dirty="0" err="1"/>
+              <a:t>tượng</a:t>
+            </a:r>
+            <a:r>
+              <a:rPr lang="en-US" dirty="0"/>
+              <a:t> </a:t>
+            </a:r>
+            <a:r>
+              <a:rPr lang="en-US" dirty="0" err="1"/>
+              <a:t>nghiên</a:t>
+            </a:r>
+            <a:r>
+              <a:rPr lang="en-US" dirty="0"/>
+              <a:t> </a:t>
+            </a:r>
+            <a:r>
+              <a:rPr lang="en-US" dirty="0" err="1"/>
+              <a:t>cứu</a:t>
+            </a:r>
+            <a:r>
+              <a:rPr lang="en-US" dirty="0"/>
+              <a:t>.</a:t>
+            </a:r>
+          </a:p>
+          <a:p>
+            <a:pPr marL="514350" indent="-514350">
+              <a:buFont typeface="+mj-lt"/>
+              <a:buAutoNum type="arabicPeriod"/>
+            </a:pPr>
+            <a:r>
+              <a:rPr lang="en-US" dirty="0" err="1"/>
+              <a:t>Các</a:t>
+            </a:r>
+            <a:r>
+              <a:rPr lang="en-US" dirty="0"/>
+              <a:t> </a:t>
+            </a:r>
+            <a:r>
+              <a:rPr lang="en-US" dirty="0" err="1"/>
+              <a:t>kết</a:t>
+            </a:r>
+            <a:r>
+              <a:rPr lang="en-US" dirty="0"/>
+              <a:t> </a:t>
+            </a:r>
+            <a:r>
+              <a:rPr lang="en-US" dirty="0" err="1"/>
+              <a:t>quả</a:t>
+            </a:r>
+            <a:r>
+              <a:rPr lang="en-US" dirty="0"/>
+              <a:t> ban </a:t>
+            </a:r>
+            <a:r>
+              <a:rPr lang="en-US" dirty="0" err="1"/>
+              <a:t>đầu</a:t>
+            </a:r>
+            <a:r>
+              <a:rPr lang="en-US" dirty="0"/>
+              <a:t>.</a:t>
+            </a:r>
+          </a:p>
+          <a:p>
+            <a:pPr marL="514350" indent="-514350">
+              <a:buFont typeface="+mj-lt"/>
+              <a:buAutoNum type="arabicPeriod"/>
+            </a:pPr>
+            <a:r>
+              <a:rPr lang="en-US" dirty="0" err="1"/>
+              <a:t>Bố</a:t>
+            </a:r>
+            <a:r>
+              <a:rPr lang="en-US" dirty="0"/>
+              <a:t> </a:t>
+            </a:r>
+            <a:r>
+              <a:rPr lang="en-US" dirty="0" err="1"/>
+              <a:t>cục</a:t>
+            </a:r>
+            <a:r>
+              <a:rPr lang="en-US" dirty="0"/>
+              <a:t> </a:t>
+            </a:r>
+            <a:r>
+              <a:rPr lang="en-US" dirty="0" err="1"/>
+              <a:t>luận</a:t>
+            </a:r>
+            <a:r>
+              <a:rPr lang="en-US" dirty="0"/>
+              <a:t> </a:t>
+            </a:r>
+            <a:r>
+              <a:rPr lang="en-US" dirty="0" err="1"/>
+              <a:t>văn</a:t>
+            </a:r>
+            <a:r>
+              <a:rPr lang="en-US" dirty="0"/>
+              <a:t>.</a:t>
+            </a:r>
+          </a:p>
+          <a:p>
+            <a:pPr marL="514350" indent="-514350">
+              <a:buFont typeface="+mj-lt"/>
+              <a:buAutoNum type="arabicPeriod"/>
+            </a:pPr>
+            <a:r>
+              <a:rPr lang="en-US" dirty="0" err="1"/>
+              <a:t>Kế</a:t>
+            </a:r>
+            <a:r>
+              <a:rPr lang="en-US" dirty="0"/>
+              <a:t> </a:t>
+            </a:r>
+            <a:r>
+              <a:rPr lang="en-US" dirty="0" err="1"/>
+              <a:t>hoạch</a:t>
+            </a:r>
+            <a:r>
+              <a:rPr lang="en-US" dirty="0"/>
+              <a:t> </a:t>
+            </a:r>
+            <a:r>
+              <a:rPr lang="en-US" dirty="0" err="1"/>
+              <a:t>thực</a:t>
+            </a:r>
+            <a:r>
+              <a:rPr lang="en-US" dirty="0"/>
+              <a:t> </a:t>
+            </a:r>
+            <a:r>
+              <a:rPr lang="en-US" dirty="0" err="1"/>
+              <a:t>hiện</a:t>
+            </a:r>
+            <a:r>
+              <a:rPr lang="en-US" dirty="0"/>
+              <a:t>.</a:t>
+            </a:r>
+          </a:p>
+        </p:txBody>
+      </p:sp>
+    </p:spTree>
+    <p:extLst>
+      <p:ext uri="{BB962C8B-B14F-4D97-AF65-F5344CB8AC3E}">
+        <p14:creationId xmlns:p14="http://schemas.microsoft.com/office/powerpoint/2010/main" val="2637435125"/>
+      </p:ext>
+    </p:extLst>
+  </p:cSld>
+  <p:clrMapOvr>
+    <a:masterClrMapping/>
+  </p:clrMapOvr>
+</p:sld>
+</file>
+
+<file path=ppt/slides/slide6.xml><?xml version="1.0" encoding="utf-8"?>
+<p:sld xmlns:a="http://schemas.openxmlformats.org/drawingml/2006/main" xmlns:r="http://schemas.openxmlformats.org/officeDocument/2006/relationships" xmlns:p="http://schemas.openxmlformats.org/presentationml/2006/main">
+  <p:cSld>
+    <p:spTree>
+      <p:nvGrpSpPr>
+        <p:cNvPr id="1" name=""/>
+        <p:cNvGrpSpPr/>
+        <p:nvPr/>
+      </p:nvGrpSpPr>
+      <p:grpSpPr>
+        <a:xfrm>
+          <a:off x="0" y="0"/>
+          <a:ext cx="0" cy="0"/>
+          <a:chOff x="0" y="0"/>
+          <a:chExt cx="0" cy="0"/>
+        </a:xfrm>
+      </p:grpSpPr>
+      <p:sp>
+        <p:nvSpPr>
+          <p:cNvPr id="2" name="Title 1">
+            <a:extLst>
+              <a:ext uri="{FF2B5EF4-FFF2-40B4-BE49-F238E27FC236}">
+                <a16:creationId xmlns:a16="http://schemas.microsoft.com/office/drawing/2014/main" id="{674642B6-4278-49E9-86FA-40EDA7122922}"/>
+              </a:ext>
+            </a:extLst>
+          </p:cNvPr>
+          <p:cNvSpPr>
+            <a:spLocks noGrp="1"/>
+          </p:cNvSpPr>
+          <p:nvPr>
+            <p:ph type="title"/>
+          </p:nvPr>
+        </p:nvSpPr>
+        <p:spPr/>
+        <p:txBody>
+          <a:bodyPr/>
+          <a:lstStyle/>
+          <a:p>
+            <a:r>
+              <a:rPr lang="en-US" dirty="0"/>
+              <a:t>1. </a:t>
+            </a:r>
+            <a:r>
+              <a:rPr lang="en-US" dirty="0" err="1"/>
+              <a:t>Tính</a:t>
+            </a:r>
+            <a:r>
+              <a:rPr lang="en-US" dirty="0"/>
+              <a:t> </a:t>
+            </a:r>
+            <a:r>
+              <a:rPr lang="en-US" dirty="0" err="1"/>
+              <a:t>cấp</a:t>
+            </a:r>
+            <a:r>
+              <a:rPr lang="en-US" dirty="0"/>
+              <a:t> </a:t>
+            </a:r>
+            <a:r>
+              <a:rPr lang="en-US" dirty="0" err="1"/>
+              <a:t>thiết</a:t>
+            </a:r>
+            <a:r>
+              <a:rPr lang="en-US" dirty="0"/>
+              <a:t> </a:t>
+            </a:r>
+            <a:r>
+              <a:rPr lang="en-US" dirty="0" err="1"/>
+              <a:t>của</a:t>
+            </a:r>
+            <a:r>
+              <a:rPr lang="en-US" dirty="0"/>
+              <a:t> </a:t>
+            </a:r>
+            <a:r>
+              <a:rPr lang="en-US" dirty="0" err="1"/>
+              <a:t>đề</a:t>
+            </a:r>
+            <a:r>
+              <a:rPr lang="en-US" dirty="0"/>
+              <a:t> </a:t>
+            </a:r>
+            <a:r>
+              <a:rPr lang="en-US" dirty="0" err="1"/>
+              <a:t>tài</a:t>
+            </a:r>
+            <a:endParaRPr lang="en-US" dirty="0"/>
+          </a:p>
+        </p:txBody>
+      </p:sp>
+      <p:sp>
+        <p:nvSpPr>
+          <p:cNvPr id="3" name="Content Placeholder 2">
+            <a:extLst>
+              <a:ext uri="{FF2B5EF4-FFF2-40B4-BE49-F238E27FC236}">
+                <a16:creationId xmlns:a16="http://schemas.microsoft.com/office/drawing/2014/main" id="{CA819D82-9003-4FB4-B2F9-76E9290D9A94}"/>
+              </a:ext>
+            </a:extLst>
+          </p:cNvPr>
+          <p:cNvSpPr>
+            <a:spLocks noGrp="1"/>
+          </p:cNvSpPr>
+          <p:nvPr>
+            <p:ph idx="1"/>
+          </p:nvPr>
+        </p:nvSpPr>
+        <p:spPr/>
+        <p:txBody>
+          <a:bodyPr/>
+          <a:lstStyle/>
+          <a:p>
+            <a:pPr marL="0" indent="0" algn="just">
+              <a:buNone/>
+            </a:pPr>
+            <a:r>
+              <a:rPr lang="en-US" dirty="0" err="1"/>
+              <a:t>Vấn</a:t>
+            </a:r>
+            <a:r>
+              <a:rPr lang="en-US" dirty="0"/>
+              <a:t> </a:t>
+            </a:r>
+            <a:r>
+              <a:rPr lang="en-US" dirty="0" err="1"/>
+              <a:t>đề</a:t>
+            </a:r>
+            <a:r>
+              <a:rPr lang="en-US" dirty="0"/>
+              <a:t> </a:t>
+            </a:r>
+            <a:r>
+              <a:rPr lang="en-US" dirty="0" err="1"/>
+              <a:t>nghiên</a:t>
+            </a:r>
+            <a:r>
+              <a:rPr lang="en-US" dirty="0"/>
+              <a:t> </a:t>
+            </a:r>
+            <a:r>
+              <a:rPr lang="en-US" dirty="0" err="1"/>
+              <a:t>cứu</a:t>
+            </a:r>
+            <a:r>
+              <a:rPr lang="en-US" dirty="0"/>
+              <a:t>: </a:t>
+            </a:r>
+            <a:r>
+              <a:rPr lang="en-US" dirty="0" err="1"/>
+              <a:t>Cải</a:t>
+            </a:r>
+            <a:r>
+              <a:rPr lang="en-US" dirty="0"/>
+              <a:t> </a:t>
+            </a:r>
+            <a:r>
+              <a:rPr lang="en-US" dirty="0" err="1"/>
+              <a:t>thiện</a:t>
+            </a:r>
+            <a:r>
+              <a:rPr lang="en-US" dirty="0"/>
+              <a:t> </a:t>
+            </a:r>
+            <a:r>
+              <a:rPr lang="en-US" dirty="0" err="1"/>
+              <a:t>dịch</a:t>
+            </a:r>
+            <a:r>
+              <a:rPr lang="en-US" dirty="0"/>
+              <a:t> </a:t>
+            </a:r>
+            <a:r>
+              <a:rPr lang="en-US" dirty="0" err="1"/>
+              <a:t>máy</a:t>
+            </a:r>
+            <a:r>
+              <a:rPr lang="en-US" dirty="0"/>
+              <a:t> </a:t>
+            </a:r>
+            <a:r>
+              <a:rPr lang="en-US" dirty="0" err="1"/>
+              <a:t>nơ-ron</a:t>
+            </a:r>
+            <a:r>
+              <a:rPr lang="en-US" dirty="0"/>
+              <a:t> (neural) </a:t>
+            </a:r>
+            <a:r>
+              <a:rPr lang="en-US" dirty="0" err="1"/>
+              <a:t>Việt</a:t>
+            </a:r>
+            <a:r>
+              <a:rPr lang="en-US" dirty="0"/>
+              <a:t>-Anh </a:t>
+            </a:r>
+            <a:r>
+              <a:rPr lang="en-US" dirty="0" err="1"/>
+              <a:t>bằng</a:t>
+            </a:r>
+            <a:r>
+              <a:rPr lang="en-US" dirty="0"/>
+              <a:t> </a:t>
+            </a:r>
+            <a:r>
+              <a:rPr lang="en-US" dirty="0" err="1"/>
+              <a:t>gióng</a:t>
+            </a:r>
+            <a:r>
+              <a:rPr lang="en-US" dirty="0"/>
+              <a:t> </a:t>
+            </a:r>
+            <a:r>
+              <a:rPr lang="en-US" dirty="0" err="1"/>
+              <a:t>hàng</a:t>
+            </a:r>
+            <a:r>
+              <a:rPr lang="en-US" dirty="0"/>
+              <a:t> </a:t>
+            </a:r>
+            <a:r>
+              <a:rPr lang="en-US" dirty="0" err="1"/>
+              <a:t>từ</a:t>
+            </a:r>
+            <a:r>
+              <a:rPr lang="en-US" dirty="0"/>
+              <a:t> </a:t>
+            </a:r>
+            <a:r>
+              <a:rPr lang="en-US" dirty="0" err="1"/>
+              <a:t>hướng</a:t>
+            </a:r>
+            <a:r>
+              <a:rPr lang="en-US" dirty="0"/>
+              <a:t> </a:t>
+            </a:r>
+            <a:r>
+              <a:rPr lang="en-US" dirty="0" err="1"/>
+              <a:t>dẫn</a:t>
+            </a:r>
+            <a:r>
+              <a:rPr lang="en-US" dirty="0"/>
+              <a:t>.  </a:t>
+            </a:r>
+          </a:p>
+        </p:txBody>
+      </p:sp>
+    </p:spTree>
+    <p:extLst>
+      <p:ext uri="{BB962C8B-B14F-4D97-AF65-F5344CB8AC3E}">
+        <p14:creationId xmlns:p14="http://schemas.microsoft.com/office/powerpoint/2010/main" val="135343943"/>
+      </p:ext>
+    </p:extLst>
+  </p:cSld>
+  <p:clrMapOvr>
+    <a:masterClrMapping/>
+  </p:clrMapOvr>
+</p:sld>
+</file>
+
+<file path=ppt/slides/slide7.xml><?xml version="1.0" encoding="utf-8"?>
+<p:sld xmlns:a="http://schemas.openxmlformats.org/drawingml/2006/main" xmlns:r="http://schemas.openxmlformats.org/officeDocument/2006/relationships" xmlns:p="http://schemas.openxmlformats.org/presentationml/2006/main">
+  <p:cSld>
+    <p:spTree>
+      <p:nvGrpSpPr>
+        <p:cNvPr id="1" name=""/>
+        <p:cNvGrpSpPr/>
+        <p:nvPr/>
+      </p:nvGrpSpPr>
+      <p:grpSpPr>
+        <a:xfrm>
+          <a:off x="0" y="0"/>
+          <a:ext cx="0" cy="0"/>
+          <a:chOff x="0" y="0"/>
+          <a:chExt cx="0" cy="0"/>
+        </a:xfrm>
+      </p:grpSpPr>
+      <p:sp>
+        <p:nvSpPr>
+          <p:cNvPr id="2" name="Title 1">
+            <a:extLst>
+              <a:ext uri="{FF2B5EF4-FFF2-40B4-BE49-F238E27FC236}">
+                <a16:creationId xmlns:a16="http://schemas.microsoft.com/office/drawing/2014/main" id="{674642B6-4278-49E9-86FA-40EDA7122922}"/>
+              </a:ext>
+            </a:extLst>
+          </p:cNvPr>
+          <p:cNvSpPr>
+            <a:spLocks noGrp="1"/>
+          </p:cNvSpPr>
+          <p:nvPr>
+            <p:ph type="title"/>
+          </p:nvPr>
+        </p:nvSpPr>
+        <p:spPr/>
+        <p:txBody>
+          <a:bodyPr/>
+          <a:lstStyle/>
+          <a:p>
+            <a:r>
+              <a:rPr lang="en-US" dirty="0"/>
+              <a:t>1. </a:t>
+            </a:r>
+            <a:r>
+              <a:rPr lang="en-US" dirty="0" err="1"/>
+              <a:t>Tính</a:t>
+            </a:r>
+            <a:r>
+              <a:rPr lang="en-US" dirty="0"/>
+              <a:t> </a:t>
+            </a:r>
+            <a:r>
+              <a:rPr lang="en-US" dirty="0" err="1"/>
+              <a:t>cấp</a:t>
+            </a:r>
+            <a:r>
+              <a:rPr lang="en-US" dirty="0"/>
+              <a:t> </a:t>
+            </a:r>
+            <a:r>
+              <a:rPr lang="en-US" dirty="0" err="1"/>
+              <a:t>thiết</a:t>
+            </a:r>
+            <a:r>
+              <a:rPr lang="en-US" dirty="0"/>
+              <a:t> </a:t>
+            </a:r>
+            <a:r>
+              <a:rPr lang="en-US" dirty="0" err="1"/>
+              <a:t>của</a:t>
+            </a:r>
+            <a:r>
+              <a:rPr lang="en-US" dirty="0"/>
+              <a:t> </a:t>
+            </a:r>
+            <a:r>
+              <a:rPr lang="en-US" dirty="0" err="1"/>
+              <a:t>đề</a:t>
+            </a:r>
+            <a:r>
+              <a:rPr lang="en-US" dirty="0"/>
+              <a:t> </a:t>
+            </a:r>
+            <a:r>
+              <a:rPr lang="en-US" dirty="0" err="1"/>
+              <a:t>tài</a:t>
+            </a:r>
+            <a:endParaRPr lang="en-US" dirty="0"/>
+          </a:p>
+        </p:txBody>
+      </p:sp>
+      <p:sp>
+        <p:nvSpPr>
+          <p:cNvPr id="3" name="Content Placeholder 2">
+            <a:extLst>
+              <a:ext uri="{FF2B5EF4-FFF2-40B4-BE49-F238E27FC236}">
+                <a16:creationId xmlns:a16="http://schemas.microsoft.com/office/drawing/2014/main" id="{CA819D82-9003-4FB4-B2F9-76E9290D9A94}"/>
+              </a:ext>
+            </a:extLst>
+          </p:cNvPr>
+          <p:cNvSpPr>
+            <a:spLocks noGrp="1"/>
+          </p:cNvSpPr>
+          <p:nvPr>
+            <p:ph idx="1"/>
+          </p:nvPr>
+        </p:nvSpPr>
+        <p:spPr/>
+        <p:txBody>
+          <a:bodyPr/>
+          <a:lstStyle/>
+          <a:p>
+            <a:pPr marL="514350" indent="-514350">
+              <a:buFont typeface="+mj-lt"/>
+              <a:buAutoNum type="arabicPeriod"/>
+            </a:pPr>
+            <a:r>
+              <a:rPr lang="en-US" dirty="0" err="1"/>
+              <a:t>Dịch</a:t>
+            </a:r>
+            <a:r>
+              <a:rPr lang="en-US" dirty="0"/>
+              <a:t> </a:t>
+            </a:r>
+            <a:r>
+              <a:rPr lang="en-US" dirty="0" err="1"/>
+              <a:t>thuật</a:t>
+            </a:r>
+            <a:r>
+              <a:rPr lang="en-US" dirty="0"/>
+              <a:t> </a:t>
+            </a:r>
+            <a:r>
+              <a:rPr lang="en-US" dirty="0" err="1"/>
+              <a:t>đóng</a:t>
+            </a:r>
+            <a:r>
+              <a:rPr lang="en-US" dirty="0"/>
+              <a:t> </a:t>
+            </a:r>
+            <a:r>
+              <a:rPr lang="en-US" dirty="0" err="1"/>
+              <a:t>vai</a:t>
+            </a:r>
+            <a:r>
+              <a:rPr lang="en-US" dirty="0"/>
+              <a:t> </a:t>
+            </a:r>
+            <a:r>
+              <a:rPr lang="en-US" dirty="0" err="1"/>
+              <a:t>trò</a:t>
+            </a:r>
+            <a:r>
+              <a:rPr lang="en-US" dirty="0"/>
+              <a:t> </a:t>
+            </a:r>
+            <a:r>
+              <a:rPr lang="en-US" dirty="0" err="1"/>
+              <a:t>quan</a:t>
+            </a:r>
+            <a:r>
+              <a:rPr lang="en-US" dirty="0"/>
+              <a:t> </a:t>
+            </a:r>
+            <a:r>
+              <a:rPr lang="en-US" dirty="0" err="1"/>
+              <a:t>trọng</a:t>
+            </a:r>
+            <a:r>
+              <a:rPr lang="en-US" dirty="0"/>
+              <a:t> </a:t>
+            </a:r>
+            <a:r>
+              <a:rPr lang="en-US" dirty="0" err="1"/>
+              <a:t>trong</a:t>
+            </a:r>
+            <a:r>
+              <a:rPr lang="en-US" dirty="0"/>
+              <a:t> </a:t>
+            </a:r>
+            <a:r>
+              <a:rPr lang="en-US" dirty="0" err="1"/>
+              <a:t>đời</a:t>
+            </a:r>
+            <a:r>
+              <a:rPr lang="en-US" dirty="0"/>
+              <a:t> </a:t>
+            </a:r>
+            <a:r>
+              <a:rPr lang="en-US" dirty="0" err="1"/>
+              <a:t>sống</a:t>
+            </a:r>
+            <a:r>
+              <a:rPr lang="en-US" dirty="0"/>
+              <a:t> </a:t>
+            </a:r>
+            <a:r>
+              <a:rPr lang="en-US" dirty="0" err="1"/>
+              <a:t>kinh</a:t>
+            </a:r>
+            <a:r>
+              <a:rPr lang="en-US" dirty="0"/>
+              <a:t> </a:t>
+            </a:r>
+            <a:r>
+              <a:rPr lang="en-US" dirty="0" err="1"/>
+              <a:t>tế</a:t>
+            </a:r>
+            <a:r>
+              <a:rPr lang="en-US" dirty="0"/>
+              <a:t>, </a:t>
+            </a:r>
+            <a:r>
+              <a:rPr lang="en-US" dirty="0" err="1"/>
+              <a:t>xã</a:t>
+            </a:r>
+            <a:r>
+              <a:rPr lang="en-US" dirty="0"/>
+              <a:t> </a:t>
+            </a:r>
+            <a:r>
+              <a:rPr lang="en-US" dirty="0" err="1"/>
+              <a:t>hội</a:t>
+            </a:r>
+            <a:r>
+              <a:rPr lang="en-US" dirty="0"/>
+              <a:t>, </a:t>
+            </a:r>
+            <a:r>
+              <a:rPr lang="en-US" dirty="0" err="1"/>
+              <a:t>đặc</a:t>
+            </a:r>
+            <a:r>
+              <a:rPr lang="en-US" dirty="0"/>
+              <a:t> </a:t>
+            </a:r>
+            <a:r>
+              <a:rPr lang="en-US" dirty="0" err="1"/>
+              <a:t>biệt</a:t>
+            </a:r>
+            <a:r>
+              <a:rPr lang="en-US" dirty="0"/>
+              <a:t> </a:t>
+            </a:r>
+            <a:r>
+              <a:rPr lang="en-US" dirty="0" err="1"/>
+              <a:t>là</a:t>
+            </a:r>
+            <a:r>
+              <a:rPr lang="en-US" dirty="0"/>
+              <a:t> </a:t>
+            </a:r>
+            <a:r>
+              <a:rPr lang="en-US" dirty="0" err="1"/>
+              <a:t>trong</a:t>
+            </a:r>
+            <a:r>
+              <a:rPr lang="en-US" dirty="0"/>
+              <a:t> </a:t>
+            </a:r>
+            <a:r>
+              <a:rPr lang="en-US" dirty="0" err="1"/>
+              <a:t>quá</a:t>
+            </a:r>
+            <a:r>
+              <a:rPr lang="en-US" dirty="0"/>
+              <a:t> </a:t>
+            </a:r>
+            <a:r>
+              <a:rPr lang="en-US" dirty="0" err="1"/>
+              <a:t>trình</a:t>
+            </a:r>
+            <a:r>
+              <a:rPr lang="en-US" dirty="0"/>
+              <a:t> </a:t>
+            </a:r>
+            <a:r>
+              <a:rPr lang="en-US" dirty="0" err="1"/>
+              <a:t>hội</a:t>
+            </a:r>
+            <a:r>
+              <a:rPr lang="en-US" dirty="0"/>
+              <a:t> </a:t>
+            </a:r>
+            <a:r>
+              <a:rPr lang="en-US" dirty="0" err="1"/>
+              <a:t>nhập</a:t>
+            </a:r>
+            <a:r>
+              <a:rPr lang="en-US" dirty="0"/>
+              <a:t>, </a:t>
+            </a:r>
+            <a:r>
+              <a:rPr lang="en-US" dirty="0" err="1"/>
+              <a:t>cách</a:t>
+            </a:r>
+            <a:r>
+              <a:rPr lang="en-US" dirty="0"/>
+              <a:t> </a:t>
+            </a:r>
+            <a:r>
+              <a:rPr lang="en-US" dirty="0" err="1"/>
+              <a:t>mạng</a:t>
+            </a:r>
+            <a:r>
+              <a:rPr lang="en-US" dirty="0"/>
+              <a:t> 4.0.</a:t>
+            </a:r>
+          </a:p>
+          <a:p>
+            <a:pPr marL="514350" indent="-514350">
+              <a:buFont typeface="+mj-lt"/>
+              <a:buAutoNum type="arabicPeriod"/>
+            </a:pPr>
+            <a:r>
+              <a:rPr lang="en-US" dirty="0" err="1"/>
+              <a:t>Dịch</a:t>
+            </a:r>
+            <a:r>
+              <a:rPr lang="en-US" dirty="0"/>
+              <a:t> </a:t>
+            </a:r>
+            <a:r>
+              <a:rPr lang="en-US" dirty="0" err="1"/>
+              <a:t>thuật</a:t>
+            </a:r>
+            <a:r>
+              <a:rPr lang="en-US" dirty="0"/>
+              <a:t> </a:t>
+            </a:r>
+            <a:r>
+              <a:rPr lang="en-US" dirty="0" err="1"/>
+              <a:t>là</a:t>
+            </a:r>
+            <a:r>
+              <a:rPr lang="en-US" dirty="0"/>
+              <a:t> </a:t>
+            </a:r>
+            <a:r>
+              <a:rPr lang="en-US" dirty="0" err="1"/>
+              <a:t>không</a:t>
+            </a:r>
+            <a:r>
+              <a:rPr lang="en-US" dirty="0"/>
+              <a:t> </a:t>
+            </a:r>
+            <a:r>
+              <a:rPr lang="en-US" dirty="0" err="1"/>
+              <a:t>chỉ</a:t>
+            </a:r>
+            <a:r>
+              <a:rPr lang="en-US" dirty="0"/>
+              <a:t> </a:t>
+            </a:r>
+            <a:r>
+              <a:rPr lang="en-US" dirty="0" err="1"/>
+              <a:t>phụ</a:t>
+            </a:r>
+            <a:r>
+              <a:rPr lang="en-US" dirty="0"/>
+              <a:t> </a:t>
+            </a:r>
+            <a:r>
+              <a:rPr lang="en-US" dirty="0" err="1"/>
+              <a:t>thuộc</a:t>
+            </a:r>
+            <a:r>
+              <a:rPr lang="en-US" dirty="0"/>
+              <a:t> </a:t>
+            </a:r>
+            <a:r>
+              <a:rPr lang="en-US" dirty="0" err="1"/>
+              <a:t>vào</a:t>
+            </a:r>
+            <a:r>
+              <a:rPr lang="en-US" dirty="0"/>
+              <a:t> </a:t>
+            </a:r>
+            <a:r>
+              <a:rPr lang="en-US" dirty="0" err="1"/>
+              <a:t>yếu</a:t>
+            </a:r>
+            <a:r>
+              <a:rPr lang="en-US" dirty="0"/>
+              <a:t> </a:t>
+            </a:r>
+            <a:r>
+              <a:rPr lang="en-US" dirty="0" err="1"/>
+              <a:t>tố</a:t>
+            </a:r>
+            <a:r>
+              <a:rPr lang="en-US" dirty="0"/>
+              <a:t> </a:t>
+            </a:r>
+            <a:r>
+              <a:rPr lang="en-US" dirty="0" err="1"/>
+              <a:t>chuyên</a:t>
+            </a:r>
+            <a:r>
+              <a:rPr lang="en-US" dirty="0"/>
+              <a:t> </a:t>
+            </a:r>
+            <a:r>
+              <a:rPr lang="en-US" dirty="0" err="1"/>
+              <a:t>môn</a:t>
+            </a:r>
+            <a:r>
+              <a:rPr lang="en-US" dirty="0"/>
+              <a:t> </a:t>
+            </a:r>
+            <a:r>
+              <a:rPr lang="en-US" dirty="0" err="1"/>
+              <a:t>mà</a:t>
+            </a:r>
+            <a:r>
+              <a:rPr lang="en-US" dirty="0"/>
+              <a:t> </a:t>
+            </a:r>
+            <a:r>
+              <a:rPr lang="en-US" dirty="0" err="1"/>
+              <a:t>còn</a:t>
+            </a:r>
+            <a:r>
+              <a:rPr lang="en-US" dirty="0"/>
+              <a:t> </a:t>
+            </a:r>
+            <a:r>
+              <a:rPr lang="en-US" dirty="0" err="1"/>
+              <a:t>phụ</a:t>
+            </a:r>
+            <a:r>
+              <a:rPr lang="en-US" dirty="0"/>
+              <a:t> </a:t>
+            </a:r>
+            <a:r>
+              <a:rPr lang="en-US" dirty="0" err="1"/>
+              <a:t>thuộc</a:t>
+            </a:r>
+            <a:r>
+              <a:rPr lang="en-US" dirty="0"/>
+              <a:t> </a:t>
+            </a:r>
+            <a:r>
+              <a:rPr lang="en-US" dirty="0" err="1"/>
+              <a:t>yếu</a:t>
+            </a:r>
+            <a:r>
+              <a:rPr lang="en-US" dirty="0"/>
+              <a:t> </a:t>
+            </a:r>
+            <a:r>
+              <a:rPr lang="en-US" dirty="0" err="1"/>
+              <a:t>tố</a:t>
+            </a:r>
+            <a:r>
+              <a:rPr lang="en-US" dirty="0"/>
+              <a:t> </a:t>
+            </a:r>
+            <a:r>
+              <a:rPr lang="en-US" dirty="0" err="1"/>
+              <a:t>ngoại</a:t>
+            </a:r>
+            <a:r>
+              <a:rPr lang="en-US" dirty="0"/>
+              <a:t> </a:t>
+            </a:r>
+            <a:r>
+              <a:rPr lang="en-US" dirty="0" err="1"/>
+              <a:t>cảnh</a:t>
+            </a:r>
+            <a:r>
+              <a:rPr lang="en-US" dirty="0"/>
+              <a:t>.</a:t>
+            </a:r>
+          </a:p>
+          <a:p>
+            <a:pPr marL="514350" indent="-514350">
+              <a:buFont typeface="+mj-lt"/>
+              <a:buAutoNum type="arabicPeriod"/>
+            </a:pPr>
+            <a:r>
+              <a:rPr lang="en-US" dirty="0" err="1"/>
+              <a:t>Dịch</a:t>
+            </a:r>
+            <a:r>
+              <a:rPr lang="en-US" dirty="0"/>
+              <a:t> </a:t>
+            </a:r>
+            <a:r>
+              <a:rPr lang="en-US" dirty="0" err="1"/>
+              <a:t>thuật</a:t>
+            </a:r>
+            <a:r>
+              <a:rPr lang="en-US" dirty="0"/>
+              <a:t> </a:t>
+            </a:r>
+            <a:r>
+              <a:rPr lang="en-US" dirty="0" err="1"/>
+              <a:t>tự</a:t>
+            </a:r>
+            <a:r>
+              <a:rPr lang="en-US" dirty="0"/>
+              <a:t> </a:t>
+            </a:r>
+            <a:r>
+              <a:rPr lang="en-US" dirty="0" err="1"/>
+              <a:t>động</a:t>
+            </a:r>
+            <a:r>
+              <a:rPr lang="en-US" dirty="0"/>
+              <a:t> </a:t>
+            </a:r>
+            <a:r>
+              <a:rPr lang="en-US" dirty="0" err="1"/>
+              <a:t>trên</a:t>
+            </a:r>
+            <a:r>
+              <a:rPr lang="en-US" dirty="0"/>
+              <a:t> </a:t>
+            </a:r>
+            <a:r>
+              <a:rPr lang="en-US" dirty="0" err="1"/>
+              <a:t>máy</a:t>
+            </a:r>
+            <a:r>
+              <a:rPr lang="en-US" dirty="0"/>
+              <a:t> </a:t>
+            </a:r>
+            <a:r>
+              <a:rPr lang="en-US" dirty="0" err="1"/>
+              <a:t>tính</a:t>
+            </a:r>
+            <a:r>
+              <a:rPr lang="en-US" dirty="0"/>
+              <a:t> </a:t>
+            </a:r>
+            <a:r>
+              <a:rPr lang="en-US" dirty="0" err="1"/>
+              <a:t>vẫn</a:t>
+            </a:r>
+            <a:r>
+              <a:rPr lang="en-US" dirty="0"/>
+              <a:t> </a:t>
+            </a:r>
+            <a:r>
+              <a:rPr lang="en-US" dirty="0" err="1"/>
+              <a:t>còn</a:t>
+            </a:r>
+            <a:r>
+              <a:rPr lang="en-US" dirty="0"/>
+              <a:t> </a:t>
+            </a:r>
+            <a:r>
+              <a:rPr lang="en-US" dirty="0" err="1"/>
+              <a:t>hạn</a:t>
+            </a:r>
+            <a:r>
+              <a:rPr lang="en-US" dirty="0"/>
+              <a:t> </a:t>
+            </a:r>
+            <a:r>
+              <a:rPr lang="en-US" dirty="0" err="1"/>
+              <a:t>chế</a:t>
+            </a:r>
+            <a:r>
+              <a:rPr lang="en-US" dirty="0"/>
+              <a:t>: </a:t>
+            </a:r>
+            <a:r>
+              <a:rPr lang="en-US" dirty="0" err="1"/>
+              <a:t>ngữ</a:t>
+            </a:r>
+            <a:r>
+              <a:rPr lang="en-US" dirty="0"/>
+              <a:t> </a:t>
+            </a:r>
+            <a:r>
+              <a:rPr lang="en-US" dirty="0" err="1"/>
+              <a:t>pháp</a:t>
+            </a:r>
+            <a:r>
+              <a:rPr lang="en-US" dirty="0"/>
+              <a:t>, </a:t>
+            </a:r>
+            <a:r>
+              <a:rPr lang="en-US" dirty="0" err="1"/>
+              <a:t>nhiều</a:t>
+            </a:r>
+            <a:r>
+              <a:rPr lang="en-US" dirty="0"/>
+              <a:t> </a:t>
+            </a:r>
+            <a:r>
+              <a:rPr lang="en-US" dirty="0" err="1"/>
+              <a:t>nghĩa</a:t>
+            </a:r>
+            <a:r>
+              <a:rPr lang="en-US" dirty="0"/>
+              <a:t>,…</a:t>
+            </a:r>
+          </a:p>
+          <a:p>
+            <a:pPr marL="514350" indent="-514350">
+              <a:buFont typeface="+mj-lt"/>
+              <a:buAutoNum type="arabicPeriod"/>
+            </a:pPr>
+            <a:r>
+              <a:rPr lang="en-US" dirty="0" err="1"/>
+              <a:t>Đặc</a:t>
+            </a:r>
+            <a:r>
+              <a:rPr lang="en-US" dirty="0"/>
+              <a:t> </a:t>
+            </a:r>
+            <a:r>
+              <a:rPr lang="en-US" dirty="0" err="1"/>
+              <a:t>biệt</a:t>
+            </a:r>
+            <a:r>
+              <a:rPr lang="en-US" dirty="0"/>
+              <a:t> </a:t>
+            </a:r>
+            <a:r>
+              <a:rPr lang="en-US" dirty="0" err="1"/>
+              <a:t>cả</a:t>
+            </a:r>
+            <a:r>
+              <a:rPr lang="en-US" dirty="0"/>
+              <a:t> </a:t>
+            </a:r>
+            <a:r>
+              <a:rPr lang="en-US" dirty="0" err="1"/>
+              <a:t>hai</a:t>
+            </a:r>
+            <a:r>
+              <a:rPr lang="en-US" dirty="0"/>
+              <a:t> </a:t>
+            </a:r>
+            <a:r>
+              <a:rPr lang="en-US" dirty="0" err="1"/>
+              <a:t>yếu</a:t>
+            </a:r>
+            <a:r>
+              <a:rPr lang="en-US" dirty="0"/>
+              <a:t> </a:t>
+            </a:r>
+            <a:r>
+              <a:rPr lang="en-US" dirty="0" err="1"/>
+              <a:t>tố</a:t>
+            </a:r>
+            <a:r>
+              <a:rPr lang="en-US" dirty="0"/>
+              <a:t> 2. </a:t>
+            </a:r>
+            <a:r>
+              <a:rPr lang="en-US" dirty="0" err="1"/>
+              <a:t>và</a:t>
+            </a:r>
+            <a:r>
+              <a:rPr lang="en-US" dirty="0"/>
+              <a:t> 3. </a:t>
+            </a:r>
+            <a:r>
+              <a:rPr lang="en-US" dirty="0" err="1"/>
+              <a:t>đều</a:t>
+            </a:r>
+            <a:r>
+              <a:rPr lang="en-US" dirty="0"/>
+              <a:t> </a:t>
+            </a:r>
+            <a:r>
+              <a:rPr lang="en-US" dirty="0" err="1"/>
+              <a:t>ảnh</a:t>
+            </a:r>
+            <a:r>
+              <a:rPr lang="en-US" dirty="0"/>
+              <a:t> </a:t>
+            </a:r>
+            <a:r>
+              <a:rPr lang="en-US" dirty="0" err="1"/>
+              <a:t>hưởng</a:t>
+            </a:r>
+            <a:r>
+              <a:rPr lang="en-US" dirty="0"/>
+              <a:t> </a:t>
+            </a:r>
+            <a:r>
+              <a:rPr lang="en-US" dirty="0" err="1"/>
+              <a:t>rất</a:t>
+            </a:r>
+            <a:r>
+              <a:rPr lang="en-US" dirty="0"/>
+              <a:t> </a:t>
+            </a:r>
+            <a:r>
+              <a:rPr lang="en-US" dirty="0" err="1"/>
+              <a:t>lớn</a:t>
+            </a:r>
+            <a:r>
+              <a:rPr lang="en-US" dirty="0"/>
+              <a:t> </a:t>
+            </a:r>
+            <a:r>
+              <a:rPr lang="en-US" dirty="0" err="1"/>
+              <a:t>đến</a:t>
+            </a:r>
+            <a:r>
+              <a:rPr lang="en-US" dirty="0"/>
+              <a:t> </a:t>
+            </a:r>
+            <a:r>
+              <a:rPr lang="en-US" dirty="0" err="1"/>
+              <a:t>quá</a:t>
+            </a:r>
+            <a:r>
+              <a:rPr lang="en-US" dirty="0"/>
+              <a:t> </a:t>
+            </a:r>
+            <a:r>
+              <a:rPr lang="en-US" dirty="0" err="1"/>
+              <a:t>trình</a:t>
+            </a:r>
+            <a:r>
+              <a:rPr lang="en-US" dirty="0"/>
+              <a:t> </a:t>
+            </a:r>
+            <a:r>
+              <a:rPr lang="en-US" dirty="0" err="1"/>
+              <a:t>dịch</a:t>
+            </a:r>
+            <a:r>
+              <a:rPr lang="en-US" dirty="0"/>
+              <a:t> </a:t>
+            </a:r>
+            <a:r>
+              <a:rPr lang="en-US" dirty="0" err="1"/>
+              <a:t>giữa</a:t>
+            </a:r>
+            <a:r>
+              <a:rPr lang="en-US" dirty="0"/>
+              <a:t> 2 </a:t>
+            </a:r>
+            <a:r>
+              <a:rPr lang="en-US" dirty="0" err="1"/>
+              <a:t>ngôn</a:t>
+            </a:r>
+            <a:r>
+              <a:rPr lang="en-US" dirty="0"/>
+              <a:t> </a:t>
+            </a:r>
+            <a:r>
+              <a:rPr lang="en-US" dirty="0" err="1"/>
+              <a:t>ngữ</a:t>
+            </a:r>
+            <a:r>
+              <a:rPr lang="en-US" dirty="0"/>
+              <a:t> </a:t>
+            </a:r>
+            <a:r>
+              <a:rPr lang="en-US" dirty="0" err="1"/>
+              <a:t>Việt</a:t>
+            </a:r>
+            <a:r>
+              <a:rPr lang="en-US" dirty="0"/>
+              <a:t> - Anh</a:t>
+            </a:r>
+          </a:p>
+        </p:txBody>
+      </p:sp>
+    </p:spTree>
+    <p:extLst>
+      <p:ext uri="{BB962C8B-B14F-4D97-AF65-F5344CB8AC3E}">
+        <p14:creationId xmlns:p14="http://schemas.microsoft.com/office/powerpoint/2010/main" val="2513322603"/>
+      </p:ext>
+    </p:extLst>
+  </p:cSld>
+  <p:clrMapOvr>
+    <a:masterClrMapping/>
+  </p:clrMapOvr>
+</p:sld>
+</file>
+
+<file path=ppt/slides/slide8.xml><?xml version="1.0" encoding="utf-8"?>
+<p:sld xmlns:a="http://schemas.openxmlformats.org/drawingml/2006/main" xmlns:r="http://schemas.openxmlformats.org/officeDocument/2006/relationships" xmlns:p="http://schemas.openxmlformats.org/presentationml/2006/main">
+  <p:cSld>
+    <p:spTree>
+      <p:nvGrpSpPr>
+        <p:cNvPr id="1" name=""/>
+        <p:cNvGrpSpPr/>
+        <p:nvPr/>
+      </p:nvGrpSpPr>
+      <p:grpSpPr>
+        <a:xfrm>
+          <a:off x="0" y="0"/>
+          <a:ext cx="0" cy="0"/>
+          <a:chOff x="0" y="0"/>
+          <a:chExt cx="0" cy="0"/>
+        </a:xfrm>
+      </p:grpSpPr>
+      <p:sp>
+        <p:nvSpPr>
+          <p:cNvPr id="2" name="Title 1">
+            <a:extLst>
+              <a:ext uri="{FF2B5EF4-FFF2-40B4-BE49-F238E27FC236}">
+                <a16:creationId xmlns:a16="http://schemas.microsoft.com/office/drawing/2014/main" id="{148E9C89-698B-4E93-8775-ECF045034F2A}"/>
+              </a:ext>
+            </a:extLst>
+          </p:cNvPr>
+          <p:cNvSpPr>
+            <a:spLocks noGrp="1"/>
+          </p:cNvSpPr>
+          <p:nvPr>
+            <p:ph type="title"/>
+          </p:nvPr>
+        </p:nvSpPr>
+        <p:spPr/>
+        <p:txBody>
+          <a:bodyPr/>
+          <a:lstStyle/>
+          <a:p>
+            <a:r>
+              <a:rPr lang="en-US" dirty="0"/>
+              <a:t>2. </a:t>
+            </a:r>
+            <a:r>
+              <a:rPr lang="en-US" dirty="0" err="1"/>
+              <a:t>Mục</a:t>
+            </a:r>
+            <a:r>
+              <a:rPr lang="en-US" dirty="0"/>
+              <a:t> </a:t>
+            </a:r>
+            <a:r>
+              <a:rPr lang="en-US" dirty="0" err="1"/>
+              <a:t>tiêu</a:t>
+            </a:r>
+            <a:r>
+              <a:rPr lang="en-US" dirty="0"/>
+              <a:t> </a:t>
+            </a:r>
+            <a:r>
+              <a:rPr lang="en-US" dirty="0" err="1"/>
+              <a:t>nghiên</a:t>
+            </a:r>
+            <a:r>
+              <a:rPr lang="en-US" dirty="0"/>
+              <a:t> </a:t>
+            </a:r>
+            <a:r>
+              <a:rPr lang="en-US" dirty="0" err="1"/>
+              <a:t>cứu</a:t>
+            </a:r>
+            <a:endParaRPr lang="en-US" dirty="0"/>
+          </a:p>
+        </p:txBody>
+      </p:sp>
+      <p:sp>
+        <p:nvSpPr>
+          <p:cNvPr id="3" name="Content Placeholder 2">
+            <a:extLst>
+              <a:ext uri="{FF2B5EF4-FFF2-40B4-BE49-F238E27FC236}">
+                <a16:creationId xmlns:a16="http://schemas.microsoft.com/office/drawing/2014/main" id="{61E0BADA-C788-41E5-91FA-721EC6D30DC6}"/>
+              </a:ext>
+            </a:extLst>
+          </p:cNvPr>
+          <p:cNvSpPr>
+            <a:spLocks noGrp="1"/>
+          </p:cNvSpPr>
+          <p:nvPr>
+            <p:ph idx="1"/>
+          </p:nvPr>
+        </p:nvSpPr>
+        <p:spPr>
+          <a:xfrm>
+            <a:off x="838200" y="1817237"/>
+            <a:ext cx="10515600" cy="1026632"/>
+          </a:xfrm>
+        </p:spPr>
+        <p:txBody>
+          <a:bodyPr/>
+          <a:lstStyle/>
+          <a:p>
+            <a:pPr marL="0" indent="0">
+              <a:buNone/>
+            </a:pPr>
+            <a:r>
+              <a:rPr lang="en-US" dirty="0" err="1"/>
+              <a:t>Kết</a:t>
+            </a:r>
+            <a:r>
+              <a:rPr lang="en-US" dirty="0"/>
+              <a:t> </a:t>
+            </a:r>
+            <a:r>
+              <a:rPr lang="en-US" dirty="0" err="1"/>
+              <a:t>quả</a:t>
+            </a:r>
+            <a:r>
+              <a:rPr lang="en-US" dirty="0"/>
+              <a:t> </a:t>
+            </a:r>
+            <a:r>
+              <a:rPr lang="en-US" dirty="0" err="1"/>
+              <a:t>mong</a:t>
+            </a:r>
+            <a:r>
+              <a:rPr lang="en-US" dirty="0"/>
+              <a:t> </a:t>
+            </a:r>
+            <a:r>
+              <a:rPr lang="en-US" dirty="0" err="1"/>
+              <a:t>muốn</a:t>
+            </a:r>
+            <a:r>
+              <a:rPr lang="en-US" dirty="0"/>
+              <a:t>: </a:t>
+            </a:r>
+            <a:r>
+              <a:rPr lang="en-US" dirty="0" err="1"/>
+              <a:t>Cải</a:t>
+            </a:r>
+            <a:r>
+              <a:rPr lang="en-US" dirty="0"/>
+              <a:t> </a:t>
+            </a:r>
+            <a:r>
+              <a:rPr lang="en-US" dirty="0" err="1"/>
+              <a:t>thiện</a:t>
+            </a:r>
+            <a:r>
+              <a:rPr lang="en-US" dirty="0"/>
+              <a:t> </a:t>
+            </a:r>
+            <a:r>
+              <a:rPr lang="en-US" dirty="0" err="1"/>
+              <a:t>được</a:t>
+            </a:r>
+            <a:r>
+              <a:rPr lang="en-US" dirty="0"/>
+              <a:t> </a:t>
+            </a:r>
+            <a:r>
+              <a:rPr lang="en-US" dirty="0" err="1"/>
+              <a:t>chất</a:t>
+            </a:r>
+            <a:r>
+              <a:rPr lang="en-US" dirty="0"/>
+              <a:t> </a:t>
+            </a:r>
+            <a:r>
+              <a:rPr lang="en-US" dirty="0" err="1"/>
+              <a:t>lượng</a:t>
+            </a:r>
+            <a:r>
+              <a:rPr lang="en-US" dirty="0"/>
+              <a:t> </a:t>
+            </a:r>
+            <a:r>
+              <a:rPr lang="en-US" dirty="0" err="1"/>
+              <a:t>dịch</a:t>
+            </a:r>
+            <a:r>
+              <a:rPr lang="en-US" dirty="0"/>
+              <a:t> </a:t>
+            </a:r>
+            <a:r>
+              <a:rPr lang="en-US" dirty="0" err="1"/>
+              <a:t>máy</a:t>
+            </a:r>
+            <a:r>
+              <a:rPr lang="en-US" dirty="0"/>
+              <a:t> neural</a:t>
+            </a:r>
+          </a:p>
+          <a:p>
+            <a:pPr marL="0" indent="0">
+              <a:buNone/>
+            </a:pPr>
+            <a:r>
+              <a:rPr lang="en-US" dirty="0" err="1"/>
+              <a:t>Việt</a:t>
+            </a:r>
+            <a:r>
+              <a:rPr lang="en-US" dirty="0"/>
+              <a:t> Anh.</a:t>
+            </a:r>
+          </a:p>
+        </p:txBody>
+      </p:sp>
+      <p:sp>
+        <p:nvSpPr>
+          <p:cNvPr id="5" name="TextBox 4">
+            <a:extLst>
+              <a:ext uri="{FF2B5EF4-FFF2-40B4-BE49-F238E27FC236}">
+                <a16:creationId xmlns:a16="http://schemas.microsoft.com/office/drawing/2014/main" id="{4CE7CBF2-BE65-4347-867A-6A565F3D0010}"/>
+              </a:ext>
+            </a:extLst>
+          </p:cNvPr>
+          <p:cNvSpPr txBox="1"/>
+          <p:nvPr/>
+        </p:nvSpPr>
+        <p:spPr>
+          <a:xfrm>
+            <a:off x="838200" y="3076663"/>
+            <a:ext cx="10319158" cy="2677656"/>
+          </a:xfrm>
+          <a:prstGeom prst="rect">
+            <a:avLst/>
+          </a:prstGeom>
+          <a:noFill/>
+        </p:spPr>
+        <p:txBody>
+          <a:bodyPr wrap="square">
+            <a:spAutoFit/>
+          </a:bodyPr>
+          <a:lstStyle/>
+          <a:p>
+            <a:pPr marL="0" indent="0">
+              <a:buNone/>
+            </a:pPr>
+            <a:r>
+              <a:rPr lang="en-US" sz="2800" dirty="0"/>
+              <a:t>Ý </a:t>
+            </a:r>
+            <a:r>
+              <a:rPr lang="en-US" sz="2800" dirty="0" err="1"/>
+              <a:t>nghĩa</a:t>
+            </a:r>
+            <a:r>
+              <a:rPr lang="en-US" sz="2800" dirty="0"/>
+              <a:t> khoa </a:t>
+            </a:r>
+            <a:r>
+              <a:rPr lang="en-US" sz="2800" dirty="0" err="1"/>
+              <a:t>học</a:t>
+            </a:r>
+            <a:r>
+              <a:rPr lang="en-US" sz="2800" dirty="0"/>
+              <a:t>:</a:t>
+            </a:r>
+          </a:p>
+          <a:p>
+            <a:pPr marL="457200" indent="-457200">
+              <a:buFont typeface="Arial" panose="020B0604020202020204" pitchFamily="34" charset="0"/>
+              <a:buChar char="•"/>
+            </a:pPr>
+            <a:r>
+              <a:rPr lang="en-US" sz="2800" dirty="0" err="1"/>
+              <a:t>Đóng</a:t>
+            </a:r>
+            <a:r>
+              <a:rPr lang="en-US" sz="2800" dirty="0"/>
+              <a:t> </a:t>
+            </a:r>
+            <a:r>
+              <a:rPr lang="en-US" sz="2800" dirty="0" err="1"/>
+              <a:t>góp</a:t>
+            </a:r>
+            <a:r>
+              <a:rPr lang="en-US" sz="2800" dirty="0"/>
+              <a:t> </a:t>
+            </a:r>
+            <a:r>
+              <a:rPr lang="en-US" sz="2800" dirty="0" err="1"/>
+              <a:t>vào</a:t>
+            </a:r>
+            <a:r>
+              <a:rPr lang="en-US" sz="2800" dirty="0"/>
+              <a:t> </a:t>
+            </a:r>
+            <a:r>
+              <a:rPr lang="en-US" sz="2800" dirty="0" err="1"/>
+              <a:t>việc</a:t>
+            </a:r>
+            <a:r>
+              <a:rPr lang="en-US" sz="2800" dirty="0"/>
+              <a:t> </a:t>
+            </a:r>
+            <a:r>
+              <a:rPr lang="en-US" sz="2800" dirty="0" err="1"/>
+              <a:t>cải</a:t>
+            </a:r>
+            <a:r>
+              <a:rPr lang="en-US" sz="2800" dirty="0"/>
+              <a:t> </a:t>
+            </a:r>
+            <a:r>
+              <a:rPr lang="en-US" sz="2800" dirty="0" err="1"/>
+              <a:t>thiện</a:t>
+            </a:r>
+            <a:r>
+              <a:rPr lang="en-US" sz="2800" dirty="0"/>
+              <a:t> </a:t>
+            </a:r>
+            <a:r>
+              <a:rPr lang="en-US" sz="2800" dirty="0" err="1"/>
+              <a:t>chất</a:t>
+            </a:r>
+            <a:r>
+              <a:rPr lang="en-US" sz="2800" dirty="0"/>
+              <a:t> </a:t>
+            </a:r>
+            <a:r>
+              <a:rPr lang="en-US" sz="2800" dirty="0" err="1"/>
+              <a:t>lượng</a:t>
+            </a:r>
+            <a:r>
+              <a:rPr lang="en-US" sz="2800" dirty="0"/>
+              <a:t> </a:t>
+            </a:r>
+            <a:r>
+              <a:rPr lang="en-US" sz="2800" dirty="0" err="1"/>
+              <a:t>của</a:t>
+            </a:r>
+            <a:r>
+              <a:rPr lang="en-US" sz="2800" dirty="0"/>
+              <a:t> </a:t>
+            </a:r>
+            <a:r>
+              <a:rPr lang="en-US" sz="2800" dirty="0" err="1"/>
+              <a:t>dịch</a:t>
+            </a:r>
+            <a:r>
+              <a:rPr lang="en-US" sz="2800" dirty="0"/>
+              <a:t> </a:t>
+            </a:r>
+            <a:r>
+              <a:rPr lang="en-US" sz="2800" dirty="0" err="1"/>
+              <a:t>máy</a:t>
+            </a:r>
+            <a:r>
+              <a:rPr lang="en-US" sz="2800" dirty="0"/>
+              <a:t> </a:t>
+            </a:r>
+            <a:r>
+              <a:rPr lang="en-US" sz="2800" dirty="0" err="1"/>
+              <a:t>Việt</a:t>
+            </a:r>
+            <a:r>
+              <a:rPr lang="en-US" sz="2800" dirty="0"/>
+              <a:t> – Anh.</a:t>
+            </a:r>
+          </a:p>
+          <a:p>
+            <a:endParaRPr lang="en-US" sz="2800" dirty="0"/>
+          </a:p>
+          <a:p>
+            <a:pPr marL="0" indent="0">
+              <a:buNone/>
+            </a:pPr>
+            <a:r>
+              <a:rPr lang="en-US" sz="2800" dirty="0"/>
+              <a:t>Ý </a:t>
+            </a:r>
+            <a:r>
+              <a:rPr lang="en-US" sz="2800" dirty="0" err="1"/>
+              <a:t>nghĩa</a:t>
+            </a:r>
+            <a:r>
+              <a:rPr lang="en-US" sz="2800" dirty="0"/>
+              <a:t> </a:t>
+            </a:r>
+            <a:r>
+              <a:rPr lang="en-US" sz="2800" dirty="0" err="1"/>
+              <a:t>thực</a:t>
+            </a:r>
+            <a:r>
+              <a:rPr lang="en-US" sz="2800" dirty="0"/>
+              <a:t> </a:t>
+            </a:r>
+            <a:r>
+              <a:rPr lang="en-US" sz="2800" dirty="0" err="1"/>
+              <a:t>tiễn</a:t>
+            </a:r>
+            <a:r>
+              <a:rPr lang="en-US" sz="2800" dirty="0"/>
+              <a:t>:</a:t>
+            </a:r>
+          </a:p>
+          <a:p>
+            <a:pPr marL="457200" indent="-457200">
+              <a:buFont typeface="Arial" panose="020B0604020202020204" pitchFamily="34" charset="0"/>
+              <a:buChar char="•"/>
+            </a:pPr>
+            <a:r>
+              <a:rPr lang="en-US" sz="2800" dirty="0" err="1"/>
+              <a:t>Cải</a:t>
+            </a:r>
+            <a:r>
+              <a:rPr lang="en-US" sz="2800" dirty="0"/>
+              <a:t> </a:t>
+            </a:r>
+            <a:r>
+              <a:rPr lang="en-US" sz="2800" dirty="0" err="1"/>
+              <a:t>thiện</a:t>
+            </a:r>
+            <a:r>
+              <a:rPr lang="en-US" sz="2800" dirty="0"/>
+              <a:t> </a:t>
+            </a:r>
+            <a:r>
+              <a:rPr lang="en-US" sz="2800" dirty="0" err="1"/>
+              <a:t>chất</a:t>
+            </a:r>
+            <a:r>
+              <a:rPr lang="en-US" sz="2800" dirty="0"/>
+              <a:t> </a:t>
+            </a:r>
+            <a:r>
+              <a:rPr lang="en-US" sz="2800" dirty="0" err="1"/>
+              <a:t>lượng</a:t>
+            </a:r>
+            <a:r>
+              <a:rPr lang="en-US" sz="2800" dirty="0"/>
+              <a:t>, </a:t>
+            </a:r>
+            <a:r>
+              <a:rPr lang="en-US" sz="2800" dirty="0" err="1"/>
+              <a:t>cũng</a:t>
+            </a:r>
+            <a:r>
+              <a:rPr lang="en-US" sz="2800" dirty="0"/>
+              <a:t> </a:t>
+            </a:r>
+            <a:r>
+              <a:rPr lang="en-US" sz="2800" dirty="0" err="1"/>
+              <a:t>như</a:t>
+            </a:r>
+            <a:r>
+              <a:rPr lang="en-US" sz="2800" dirty="0"/>
+              <a:t> </a:t>
+            </a:r>
+            <a:r>
+              <a:rPr lang="en-US" sz="2800" dirty="0" err="1"/>
+              <a:t>tính</a:t>
+            </a:r>
+            <a:r>
+              <a:rPr lang="en-US" sz="2800" dirty="0"/>
+              <a:t> </a:t>
+            </a:r>
+            <a:r>
+              <a:rPr lang="en-US" sz="2800" dirty="0" err="1"/>
+              <a:t>tự</a:t>
+            </a:r>
+            <a:r>
+              <a:rPr lang="en-US" sz="2800" dirty="0"/>
+              <a:t> </a:t>
+            </a:r>
+            <a:r>
+              <a:rPr lang="en-US" sz="2800" dirty="0" err="1"/>
+              <a:t>động</a:t>
+            </a:r>
+            <a:r>
+              <a:rPr lang="en-US" sz="2800" dirty="0"/>
+              <a:t> </a:t>
+            </a:r>
+            <a:r>
+              <a:rPr lang="en-US" sz="2800" dirty="0" err="1"/>
+              <a:t>của</a:t>
+            </a:r>
+            <a:r>
+              <a:rPr lang="en-US" sz="2800" dirty="0"/>
+              <a:t> </a:t>
+            </a:r>
+            <a:r>
+              <a:rPr lang="en-US" sz="2800" dirty="0" err="1"/>
+              <a:t>quá</a:t>
+            </a:r>
+            <a:r>
+              <a:rPr lang="en-US" sz="2800" dirty="0"/>
+              <a:t> </a:t>
+            </a:r>
+            <a:r>
+              <a:rPr lang="en-US" sz="2800" dirty="0" err="1"/>
+              <a:t>trình</a:t>
+            </a:r>
+            <a:r>
+              <a:rPr lang="en-US" sz="2800" dirty="0"/>
+              <a:t> </a:t>
+            </a:r>
+            <a:r>
+              <a:rPr lang="en-US" sz="2800" dirty="0" err="1"/>
+              <a:t>dịch</a:t>
+            </a:r>
+            <a:r>
+              <a:rPr lang="en-US" sz="2800" dirty="0"/>
+              <a:t> </a:t>
+            </a:r>
+            <a:r>
+              <a:rPr lang="en-US" sz="2800" dirty="0" err="1"/>
+              <a:t>thuật</a:t>
+            </a:r>
+            <a:r>
+              <a:rPr lang="en-US" sz="2800" dirty="0"/>
+              <a:t>.</a:t>
+            </a:r>
+          </a:p>
+        </p:txBody>
+      </p:sp>
+    </p:spTree>
+    <p:extLst>
+      <p:ext uri="{BB962C8B-B14F-4D97-AF65-F5344CB8AC3E}">
+        <p14:creationId xmlns:p14="http://schemas.microsoft.com/office/powerpoint/2010/main" val="3915563522"/>
+      </p:ext>
+    </p:extLst>
+  </p:cSld>
+  <p:clrMapOvr>
+    <a:masterClrMapping/>
+  </p:clrMapOvr>
+</p:sld>
+</file>
+
+<file path=ppt/slides/slide9.xml><?xml version="1.0" encoding="utf-8"?>
+<p:sld xmlns:a="http://schemas.openxmlformats.org/drawingml/2006/main" xmlns:r="http://schemas.openxmlformats.org/officeDocument/2006/relationships" xmlns:p="http://schemas.openxmlformats.org/presentationml/2006/main">
+  <p:cSld>
+    <p:spTree>
+      <p:nvGrpSpPr>
+        <p:cNvPr id="1" name=""/>
+        <p:cNvGrpSpPr/>
+        <p:nvPr/>
+      </p:nvGrpSpPr>
+      <p:grpSpPr>
+        <a:xfrm>
+          <a:off x="0" y="0"/>
+          <a:ext cx="0" cy="0"/>
+          <a:chOff x="0" y="0"/>
+          <a:chExt cx="0" cy="0"/>
+        </a:xfrm>
+      </p:grpSpPr>
+      <p:sp>
+        <p:nvSpPr>
+          <p:cNvPr id="2" name="Title 1">
+            <a:extLst>
+              <a:ext uri="{FF2B5EF4-FFF2-40B4-BE49-F238E27FC236}">
+                <a16:creationId xmlns:a16="http://schemas.microsoft.com/office/drawing/2014/main" id="{68B38410-8CDC-4BE4-8556-A2A860A005F8}"/>
+              </a:ext>
+            </a:extLst>
+          </p:cNvPr>
+          <p:cNvSpPr>
+            <a:spLocks noGrp="1"/>
+          </p:cNvSpPr>
+          <p:nvPr>
+            <p:ph type="title"/>
+          </p:nvPr>
+        </p:nvSpPr>
+        <p:spPr/>
+        <p:txBody>
+          <a:bodyPr/>
+          <a:lstStyle/>
+          <a:p>
+            <a:r>
+              <a:rPr lang="en-US" dirty="0"/>
+              <a:t>3. </a:t>
+            </a:r>
+            <a:r>
+              <a:rPr lang="en-US" dirty="0" err="1"/>
+              <a:t>Tổng</a:t>
+            </a:r>
+            <a:r>
+              <a:rPr lang="en-US" dirty="0"/>
+              <a:t> </a:t>
+            </a:r>
+            <a:r>
+              <a:rPr lang="en-US" dirty="0" err="1"/>
+              <a:t>quan</a:t>
+            </a:r>
+            <a:r>
+              <a:rPr lang="en-US" dirty="0"/>
+              <a:t> </a:t>
+            </a:r>
+            <a:r>
+              <a:rPr lang="en-US" dirty="0" err="1"/>
+              <a:t>nghiên</a:t>
+            </a:r>
+            <a:r>
+              <a:rPr lang="en-US" dirty="0"/>
+              <a:t> </a:t>
+            </a:r>
+            <a:r>
+              <a:rPr lang="en-US" dirty="0" err="1"/>
+              <a:t>cứu</a:t>
+            </a:r>
+            <a:endParaRPr lang="en-US" dirty="0"/>
+          </a:p>
+        </p:txBody>
+      </p:sp>
+      <p:sp>
+        <p:nvSpPr>
+          <p:cNvPr id="3" name="Content Placeholder 2">
+            <a:extLst>
+              <a:ext uri="{FF2B5EF4-FFF2-40B4-BE49-F238E27FC236}">
+                <a16:creationId xmlns:a16="http://schemas.microsoft.com/office/drawing/2014/main" id="{3A0E75AE-BDB9-4844-9BB2-FF167CDEA305}"/>
+              </a:ext>
+            </a:extLst>
+          </p:cNvPr>
+          <p:cNvSpPr>
+            <a:spLocks noGrp="1"/>
+          </p:cNvSpPr>
+          <p:nvPr>
+            <p:ph idx="1"/>
+          </p:nvPr>
+        </p:nvSpPr>
+        <p:spPr/>
+        <p:txBody>
+          <a:bodyPr/>
+          <a:lstStyle/>
+          <a:p>
+            <a:pPr algn="just"/>
+            <a:r>
+              <a:rPr lang="en-US" dirty="0">
+                <a:effectLst/>
+                <a:latin typeface="Calibri (Body)"/>
+                <a:ea typeface="Times New Roman" panose="02020603050405020304" pitchFamily="18" charset="0"/>
+              </a:rPr>
+              <a:t>Ashish Vaswani, Noam </a:t>
+            </a:r>
+            <a:r>
+              <a:rPr lang="en-US" dirty="0" err="1">
+                <a:effectLst/>
+                <a:latin typeface="Calibri (Body)"/>
+                <a:ea typeface="Times New Roman" panose="02020603050405020304" pitchFamily="18" charset="0"/>
+              </a:rPr>
+              <a:t>Shazeer</a:t>
+            </a:r>
+            <a:r>
+              <a:rPr lang="en-US" dirty="0">
+                <a:effectLst/>
+                <a:latin typeface="Calibri (Body)"/>
+                <a:ea typeface="Times New Roman" panose="02020603050405020304" pitchFamily="18" charset="0"/>
+              </a:rPr>
+              <a:t>, Niki Parmar, Jakob </a:t>
+            </a:r>
+            <a:r>
+              <a:rPr lang="en-US" dirty="0" err="1">
+                <a:effectLst/>
+                <a:latin typeface="Calibri (Body)"/>
+                <a:ea typeface="Times New Roman" panose="02020603050405020304" pitchFamily="18" charset="0"/>
+              </a:rPr>
+              <a:t>Uszkoreit</a:t>
+            </a:r>
+            <a:r>
+              <a:rPr lang="en-US" dirty="0">
+                <a:effectLst/>
+                <a:latin typeface="Calibri (Body)"/>
+                <a:ea typeface="Times New Roman" panose="02020603050405020304" pitchFamily="18" charset="0"/>
+              </a:rPr>
+              <a:t>, </a:t>
+            </a:r>
+            <a:r>
+              <a:rPr lang="en-US" dirty="0" err="1">
+                <a:effectLst/>
+                <a:latin typeface="Calibri (Body)"/>
+                <a:ea typeface="Times New Roman" panose="02020603050405020304" pitchFamily="18" charset="0"/>
+              </a:rPr>
+              <a:t>Llion</a:t>
+            </a:r>
+            <a:r>
+              <a:rPr lang="en-US" dirty="0">
+                <a:effectLst/>
+                <a:latin typeface="Calibri (Body)"/>
+                <a:ea typeface="Times New Roman" panose="02020603050405020304" pitchFamily="18" charset="0"/>
+              </a:rPr>
+              <a:t> Jones, Aidan N. Gomez, </a:t>
+            </a:r>
+            <a:r>
+              <a:rPr lang="en-US" dirty="0" err="1">
+                <a:effectLst/>
+                <a:latin typeface="Calibri (Body)"/>
+                <a:ea typeface="Times New Roman" panose="02020603050405020304" pitchFamily="18" charset="0"/>
+              </a:rPr>
+              <a:t>Łukasz</a:t>
+            </a:r>
+            <a:r>
+              <a:rPr lang="en-US" dirty="0">
+                <a:effectLst/>
+                <a:latin typeface="Calibri (Body)"/>
+                <a:ea typeface="Times New Roman" panose="02020603050405020304" pitchFamily="18" charset="0"/>
+              </a:rPr>
+              <a:t> Kaiser, </a:t>
+            </a:r>
+            <a:r>
+              <a:rPr lang="en-US" dirty="0" err="1">
+                <a:effectLst/>
+                <a:latin typeface="Calibri (Body)"/>
+                <a:ea typeface="Times New Roman" panose="02020603050405020304" pitchFamily="18" charset="0"/>
+              </a:rPr>
+              <a:t>Illia</a:t>
+            </a:r>
+            <a:r>
+              <a:rPr lang="en-US" dirty="0">
+                <a:effectLst/>
+                <a:latin typeface="Calibri (Body)"/>
+                <a:ea typeface="Times New Roman" panose="02020603050405020304" pitchFamily="18" charset="0"/>
+              </a:rPr>
+              <a:t> </a:t>
+            </a:r>
+            <a:r>
+              <a:rPr lang="en-US" dirty="0" err="1">
+                <a:effectLst/>
+                <a:latin typeface="Calibri (Body)"/>
+                <a:ea typeface="Times New Roman" panose="02020603050405020304" pitchFamily="18" charset="0"/>
+              </a:rPr>
+              <a:t>Polosukhin</a:t>
+            </a:r>
+            <a:r>
+              <a:rPr lang="en-US" dirty="0">
+                <a:effectLst/>
+                <a:latin typeface="Calibri (Body)"/>
+                <a:ea typeface="Times New Roman" panose="02020603050405020304" pitchFamily="18" charset="0"/>
+              </a:rPr>
+              <a:t>, 2017, Attention Is All You Need. [9]</a:t>
+            </a:r>
+          </a:p>
+          <a:p>
+            <a:pPr algn="just"/>
+            <a:r>
+              <a:rPr lang="en-US" dirty="0">
+                <a:effectLst/>
+                <a:latin typeface="Calibri (Body)"/>
+                <a:ea typeface="Times New Roman" panose="02020603050405020304" pitchFamily="18" charset="0"/>
+              </a:rPr>
+              <a:t>Sarthak Garg, Stephan </a:t>
+            </a:r>
+            <a:r>
+              <a:rPr lang="en-US" dirty="0" err="1">
+                <a:effectLst/>
+                <a:latin typeface="Calibri (Body)"/>
+                <a:ea typeface="Times New Roman" panose="02020603050405020304" pitchFamily="18" charset="0"/>
+              </a:rPr>
+              <a:t>Peitz</a:t>
+            </a:r>
+            <a:r>
+              <a:rPr lang="en-US" dirty="0">
+                <a:effectLst/>
+                <a:latin typeface="Calibri (Body)"/>
+                <a:ea typeface="Times New Roman" panose="02020603050405020304" pitchFamily="18" charset="0"/>
+              </a:rPr>
+              <a:t>, </a:t>
+            </a:r>
+            <a:r>
+              <a:rPr lang="en-US" dirty="0" err="1">
+                <a:effectLst/>
+                <a:latin typeface="Calibri (Body)"/>
+                <a:ea typeface="Times New Roman" panose="02020603050405020304" pitchFamily="18" charset="0"/>
+              </a:rPr>
+              <a:t>Udhyakumar</a:t>
+            </a:r>
+            <a:r>
+              <a:rPr lang="en-US" dirty="0">
+                <a:effectLst/>
+                <a:latin typeface="Calibri (Body)"/>
+                <a:ea typeface="Times New Roman" panose="02020603050405020304" pitchFamily="18" charset="0"/>
+              </a:rPr>
+              <a:t> </a:t>
+            </a:r>
+            <a:r>
+              <a:rPr lang="en-US" dirty="0" err="1">
+                <a:effectLst/>
+                <a:latin typeface="Calibri (Body)"/>
+                <a:ea typeface="Times New Roman" panose="02020603050405020304" pitchFamily="18" charset="0"/>
+              </a:rPr>
+              <a:t>Nallasamy</a:t>
+            </a:r>
+            <a:r>
+              <a:rPr lang="en-US" dirty="0">
+                <a:effectLst/>
+                <a:latin typeface="Calibri (Body)"/>
+                <a:ea typeface="Times New Roman" panose="02020603050405020304" pitchFamily="18" charset="0"/>
+              </a:rPr>
+              <a:t>, Matthias </a:t>
+            </a:r>
+            <a:r>
+              <a:rPr lang="en-US" dirty="0" err="1">
+                <a:effectLst/>
+                <a:latin typeface="Calibri (Body)"/>
+                <a:ea typeface="Times New Roman" panose="02020603050405020304" pitchFamily="18" charset="0"/>
+              </a:rPr>
+              <a:t>Paulik</a:t>
+            </a:r>
+            <a:r>
+              <a:rPr lang="en-US" dirty="0">
+                <a:effectLst/>
+                <a:latin typeface="Calibri (Body)"/>
+                <a:ea typeface="Times New Roman" panose="02020603050405020304" pitchFamily="18" charset="0"/>
+              </a:rPr>
+              <a:t>, 2019, Jointly Learning to Align and Translate with Transformer Models. [10]</a:t>
+            </a:r>
+          </a:p>
+          <a:p>
+            <a:pPr algn="just"/>
+            <a:r>
+              <a:rPr lang="en-US" dirty="0"/>
+              <a:t>Kai Song, </a:t>
+            </a:r>
+            <a:r>
+              <a:rPr lang="en-US" dirty="0" err="1"/>
+              <a:t>Kun</a:t>
+            </a:r>
+            <a:r>
+              <a:rPr lang="en-US" dirty="0"/>
+              <a:t> Wang, Heng Yu, Yue Zhang, </a:t>
+            </a:r>
+            <a:r>
+              <a:rPr lang="en-US" dirty="0" err="1"/>
+              <a:t>Zhongqiang</a:t>
+            </a:r>
+            <a:r>
+              <a:rPr lang="en-US" dirty="0"/>
+              <a:t> Huang, </a:t>
+            </a:r>
+            <a:r>
+              <a:rPr lang="en-US" dirty="0" err="1"/>
+              <a:t>Weihua</a:t>
+            </a:r>
+            <a:r>
+              <a:rPr lang="en-US" dirty="0"/>
+              <a:t> Luo, </a:t>
+            </a:r>
+            <a:r>
+              <a:rPr lang="en-US" dirty="0" err="1"/>
+              <a:t>Xiangyu</a:t>
+            </a:r>
+            <a:r>
+              <a:rPr lang="en-US" dirty="0"/>
+              <a:t> Duan, Min Zhang, 2020, Alignment-Enhanced Transformer for Constraining NMT with Pre-Specified Translations.</a:t>
+            </a:r>
+          </a:p>
+        </p:txBody>
+      </p:sp>
+    </p:spTree>
+    <p:extLst>
+      <p:ext uri="{BB962C8B-B14F-4D97-AF65-F5344CB8AC3E}">
+        <p14:creationId xmlns:p14="http://schemas.microsoft.com/office/powerpoint/2010/main" val="2841072984"/>
       </p:ext>
     </p:extLst>
   </p:cSld>

--- a/dcct.pptx
+++ b/dcct.pptx
@@ -3048,26 +3048,22 @@
             </a:r>
             <a:r>
               <a:rPr lang="en-US" dirty="0"/>
-              <a:t> – Anh </a:t>
-            </a:r>
-            <a:r>
-              <a:rPr lang="en-US" dirty="0" err="1"/>
-              <a:t>bằng</a:t>
-            </a:r>
-            <a:r>
-              <a:rPr lang="en-US" dirty="0"/>
-              <a:t> </a:t>
+              <a:t> – </a:t>
+            </a:r>
+            <a:r>
+              <a:rPr lang="en-US"/>
+              <a:t>Anh </a:t>
+            </a:r>
+            <a:r>
+              <a:rPr lang="en-US" smtClean="0"/>
+              <a:t/>
             </a:r>
             <a:br>
-              <a:rPr lang="en-US" dirty="0"/>
+              <a:rPr lang="en-US" smtClean="0"/>
             </a:br>
             <a:r>
-              <a:rPr lang="en-US" dirty="0" err="1"/>
-              <a:t>gióng</a:t>
-            </a:r>
-            <a:r>
-              <a:rPr lang="en-US" dirty="0"/>
-              <a:t> </a:t>
+              <a:rPr lang="en-US" smtClean="0"/>
+              <a:t>bằng gióng </a:t>
             </a:r>
             <a:r>
               <a:rPr lang="en-US" dirty="0" err="1"/>
